--- a/ML&CA.pptx
+++ b/ML&CA.pptx
@@ -12,9 +12,9 @@
     <p:sldId id="262" r:id="rId3"/>
     <p:sldId id="506" r:id="rId4"/>
     <p:sldId id="504" r:id="rId5"/>
-    <p:sldId id="523" r:id="rId6"/>
-    <p:sldId id="510" r:id="rId7"/>
-    <p:sldId id="503" r:id="rId8"/>
+    <p:sldId id="510" r:id="rId6"/>
+    <p:sldId id="503" r:id="rId7"/>
+    <p:sldId id="523" r:id="rId8"/>
     <p:sldId id="505" r:id="rId9"/>
     <p:sldId id="521" r:id="rId10"/>
     <p:sldId id="512" r:id="rId11"/>
@@ -22,8 +22,8 @@
     <p:sldId id="507" r:id="rId13"/>
     <p:sldId id="511" r:id="rId14"/>
     <p:sldId id="508" r:id="rId15"/>
-    <p:sldId id="525" r:id="rId16"/>
-    <p:sldId id="516" r:id="rId17"/>
+    <p:sldId id="516" r:id="rId16"/>
+    <p:sldId id="525" r:id="rId17"/>
     <p:sldId id="514" r:id="rId18"/>
     <p:sldId id="515" r:id="rId19"/>
   </p:sldIdLst>
@@ -246,7 +246,7 @@
           <a:p>
             <a:fld id="{9A49465F-C275-46C4-9F58-FF79DE6B5F19}" type="datetimeFigureOut">
               <a:rPr lang="en-US" smtClean="0"/>
-              <a:t>10/22/2020</a:t>
+              <a:t>11/18/2020</a:t>
             </a:fld>
             <a:endParaRPr lang="en-US"/>
           </a:p>
@@ -788,7 +788,7 @@
                 <a:tabLst/>
                 <a:defRPr/>
               </a:pPr>
-              <a:t>7</a:t>
+              <a:t>6</a:t>
             </a:fld>
             <a:endParaRPr kumimoji="0" lang="en-US" sz="1200" b="0" i="0" u="none" strike="noStrike" kern="1200" cap="none" spc="0" normalizeH="0" baseline="0" noProof="0" dirty="0">
               <a:ln>
@@ -1383,7 +1383,7 @@
           <a:p>
             <a:fld id="{AA70F276-1833-4A75-9C1D-A56E2295A68D}" type="datetimeFigureOut">
               <a:rPr lang="en-US" smtClean="0"/>
-              <a:t>10/22/2020</a:t>
+              <a:t>11/18/2020</a:t>
             </a:fld>
             <a:endParaRPr lang="en-US"/>
           </a:p>
@@ -1659,7 +1659,7 @@
             <a:fld id="{AA70F276-1833-4A75-9C1D-A56E2295A68D}" type="datetimeFigureOut">
               <a:rPr lang="en-US" smtClean="0"/>
               <a:pPr/>
-              <a:t>10/22/2020</a:t>
+              <a:t>11/18/2020</a:t>
             </a:fld>
             <a:endParaRPr lang="en-US" dirty="0"/>
           </a:p>
@@ -1859,7 +1859,7 @@
             <a:fld id="{AA70F276-1833-4A75-9C1D-A56E2295A68D}" type="datetimeFigureOut">
               <a:rPr lang="en-US" smtClean="0"/>
               <a:pPr/>
-              <a:t>10/22/2020</a:t>
+              <a:t>11/18/2020</a:t>
             </a:fld>
             <a:endParaRPr lang="en-US" dirty="0"/>
           </a:p>
@@ -2138,7 +2138,7 @@
             <a:fld id="{AA70F276-1833-4A75-9C1D-A56E2295A68D}" type="datetimeFigureOut">
               <a:rPr lang="en-US" smtClean="0"/>
               <a:pPr/>
-              <a:t>10/22/2020</a:t>
+              <a:t>11/18/2020</a:t>
             </a:fld>
             <a:endParaRPr lang="en-US" dirty="0"/>
           </a:p>
@@ -2485,7 +2485,7 @@
             <a:fld id="{AA70F276-1833-4A75-9C1D-A56E2295A68D}" type="datetimeFigureOut">
               <a:rPr lang="en-US" smtClean="0"/>
               <a:pPr/>
-              <a:t>10/22/2020</a:t>
+              <a:t>11/18/2020</a:t>
             </a:fld>
             <a:endParaRPr lang="en-US" dirty="0"/>
           </a:p>
@@ -3114,7 +3114,7 @@
             <a:fld id="{AA70F276-1833-4A75-9C1D-A56E2295A68D}" type="datetimeFigureOut">
               <a:rPr lang="en-US" smtClean="0"/>
               <a:pPr/>
-              <a:t>10/22/2020</a:t>
+              <a:t>11/18/2020</a:t>
             </a:fld>
             <a:endParaRPr lang="en-US" dirty="0"/>
           </a:p>
@@ -3980,7 +3980,7 @@
             <a:fld id="{AA70F276-1833-4A75-9C1D-A56E2295A68D}" type="datetimeFigureOut">
               <a:rPr lang="en-US" smtClean="0"/>
               <a:pPr/>
-              <a:t>10/22/2020</a:t>
+              <a:t>11/18/2020</a:t>
             </a:fld>
             <a:endParaRPr lang="en-US" dirty="0"/>
           </a:p>
@@ -4155,7 +4155,7 @@
           <a:p>
             <a:fld id="{AA70F276-1833-4A75-9C1D-A56E2295A68D}" type="datetimeFigureOut">
               <a:rPr lang="en-US" smtClean="0"/>
-              <a:t>10/22/2020</a:t>
+              <a:t>11/18/2020</a:t>
             </a:fld>
             <a:endParaRPr lang="en-US"/>
           </a:p>
@@ -4335,7 +4335,7 @@
           <a:p>
             <a:fld id="{AA70F276-1833-4A75-9C1D-A56E2295A68D}" type="datetimeFigureOut">
               <a:rPr lang="en-US" smtClean="0"/>
-              <a:t>10/22/2020</a:t>
+              <a:t>11/18/2020</a:t>
             </a:fld>
             <a:endParaRPr lang="en-US"/>
           </a:p>
@@ -4505,7 +4505,7 @@
           <a:p>
             <a:fld id="{AA70F276-1833-4A75-9C1D-A56E2295A68D}" type="datetimeFigureOut">
               <a:rPr lang="en-US" smtClean="0"/>
-              <a:t>10/22/2020</a:t>
+              <a:t>11/18/2020</a:t>
             </a:fld>
             <a:endParaRPr lang="en-US"/>
           </a:p>
@@ -4752,7 +4752,7 @@
           <a:p>
             <a:fld id="{AA70F276-1833-4A75-9C1D-A56E2295A68D}" type="datetimeFigureOut">
               <a:rPr lang="en-US" smtClean="0"/>
-              <a:t>10/22/2020</a:t>
+              <a:t>11/18/2020</a:t>
             </a:fld>
             <a:endParaRPr lang="en-US"/>
           </a:p>
@@ -5044,7 +5044,7 @@
           <a:p>
             <a:fld id="{AA70F276-1833-4A75-9C1D-A56E2295A68D}" type="datetimeFigureOut">
               <a:rPr lang="en-US" smtClean="0"/>
-              <a:t>10/22/2020</a:t>
+              <a:t>11/18/2020</a:t>
             </a:fld>
             <a:endParaRPr lang="en-US"/>
           </a:p>
@@ -5488,7 +5488,7 @@
           <a:p>
             <a:fld id="{AA70F276-1833-4A75-9C1D-A56E2295A68D}" type="datetimeFigureOut">
               <a:rPr lang="en-US" smtClean="0"/>
-              <a:t>10/22/2020</a:t>
+              <a:t>11/18/2020</a:t>
             </a:fld>
             <a:endParaRPr lang="en-US"/>
           </a:p>
@@ -5606,7 +5606,7 @@
           <a:p>
             <a:fld id="{AA70F276-1833-4A75-9C1D-A56E2295A68D}" type="datetimeFigureOut">
               <a:rPr lang="en-US" smtClean="0"/>
-              <a:t>10/22/2020</a:t>
+              <a:t>11/18/2020</a:t>
             </a:fld>
             <a:endParaRPr lang="en-US"/>
           </a:p>
@@ -5701,7 +5701,7 @@
           <a:p>
             <a:fld id="{AA70F276-1833-4A75-9C1D-A56E2295A68D}" type="datetimeFigureOut">
               <a:rPr lang="en-US" smtClean="0"/>
-              <a:t>10/22/2020</a:t>
+              <a:t>11/18/2020</a:t>
             </a:fld>
             <a:endParaRPr lang="en-US"/>
           </a:p>
@@ -5980,7 +5980,7 @@
           <a:p>
             <a:fld id="{AA70F276-1833-4A75-9C1D-A56E2295A68D}" type="datetimeFigureOut">
               <a:rPr lang="en-US" smtClean="0"/>
-              <a:t>10/22/2020</a:t>
+              <a:t>11/18/2020</a:t>
             </a:fld>
             <a:endParaRPr lang="en-US"/>
           </a:p>
@@ -6255,7 +6255,7 @@
           <a:p>
             <a:fld id="{AA70F276-1833-4A75-9C1D-A56E2295A68D}" type="datetimeFigureOut">
               <a:rPr lang="en-US" smtClean="0"/>
-              <a:t>10/22/2020</a:t>
+              <a:t>11/18/2020</a:t>
             </a:fld>
             <a:endParaRPr lang="en-US"/>
           </a:p>
@@ -6685,7 +6685,7 @@
             <a:fld id="{AA70F276-1833-4A75-9C1D-A56E2295A68D}" type="datetimeFigureOut">
               <a:rPr lang="en-US" smtClean="0"/>
               <a:pPr/>
-              <a:t>10/22/2020</a:t>
+              <a:t>11/18/2020</a:t>
             </a:fld>
             <a:endParaRPr lang="en-US" dirty="0"/>
           </a:p>
@@ -12804,7 +12804,7 @@
         </p:nvSpPr>
         <p:spPr>
           <a:xfrm>
-            <a:off x="4362867" y="4834809"/>
+            <a:off x="4362867" y="4344421"/>
             <a:ext cx="2827606" cy="1015663"/>
           </a:xfrm>
           <a:custGeom>
@@ -13234,571 +13234,56 @@
           </a:prstGeom>
         </p:spPr>
       </p:pic>
-    </p:spTree>
-    <p:extLst>
-      <p:ext uri="{BB962C8B-B14F-4D97-AF65-F5344CB8AC3E}">
-        <p14:creationId xmlns:p14="http://schemas.microsoft.com/office/powerpoint/2010/main" val="1299820692"/>
-      </p:ext>
-    </p:extLst>
-  </p:cSld>
-  <p:clrMapOvr>
-    <a:masterClrMapping/>
-  </p:clrMapOvr>
-</p:sld>
-</file>
-
-<file path=ppt/slides/slide15.xml><?xml version="1.0" encoding="utf-8"?>
-<p:sld xmlns:a="http://schemas.openxmlformats.org/drawingml/2006/main" xmlns:r="http://schemas.openxmlformats.org/officeDocument/2006/relationships" xmlns:p="http://schemas.openxmlformats.org/presentationml/2006/main">
-  <p:cSld>
-    <p:bg>
-      <p:bgPr>
-        <a:solidFill>
-          <a:schemeClr val="bg1"/>
-        </a:solidFill>
-        <a:effectLst/>
-      </p:bgPr>
-    </p:bg>
-    <p:spTree>
-      <p:nvGrpSpPr>
-        <p:cNvPr id="1" name=""/>
-        <p:cNvGrpSpPr/>
-        <p:nvPr/>
-      </p:nvGrpSpPr>
-      <p:grpSpPr>
-        <a:xfrm>
-          <a:off x="0" y="0"/>
-          <a:ext cx="0" cy="0"/>
-          <a:chOff x="0" y="0"/>
-          <a:chExt cx="0" cy="0"/>
-        </a:xfrm>
-      </p:grpSpPr>
-      <p:pic>
-        <p:nvPicPr>
-          <p:cNvPr id="35" name="Picture 34">
+      <p:sp>
+        <p:nvSpPr>
+          <p:cNvPr id="2" name="TextBox 1">
             <a:extLst>
               <a:ext uri="{FF2B5EF4-FFF2-40B4-BE49-F238E27FC236}">
-                <a16:creationId xmlns:a16="http://schemas.microsoft.com/office/drawing/2014/main" id="{41B68C77-138E-4BF7-A276-BD0C78A4219F}"/>
-              </a:ext>
-              <a:ext uri="{C183D7F6-B498-43B3-948B-1728B52AA6E4}">
-                <adec:decorative xmlns:adec="http://schemas.microsoft.com/office/drawing/2017/decorative" val="1"/>
+                <a16:creationId xmlns:a16="http://schemas.microsoft.com/office/drawing/2014/main" id="{0A301FC5-9888-4659-9657-34B5FC5B950A}"/>
               </a:ext>
             </a:extLst>
           </p:cNvPr>
-          <p:cNvPicPr>
-            <a:picLocks noGrp="1" noRot="1" noChangeAspect="1" noMove="1" noResize="1" noEditPoints="1" noAdjustHandles="1" noChangeArrowheads="1" noChangeShapeType="1" noCrop="1"/>
-          </p:cNvPicPr>
-          <p:nvPr>
-            <p:extLst>
-              <p:ext uri="{386F3935-93C4-4BCD-93E2-E3B085C9AB24}">
-                <p16:designElem xmlns:p16="http://schemas.microsoft.com/office/powerpoint/2015/main" val="1"/>
-              </p:ext>
-            </p:extLst>
-          </p:nvPr>
-        </p:nvPicPr>
-        <p:blipFill rotWithShape="1">
-          <a:blip r:embed="rId2">
-            <a:extLst>
-              <a:ext uri="{28A0092B-C50C-407E-A947-70E740481C1C}">
-                <a14:useLocalDpi xmlns:a14="http://schemas.microsoft.com/office/drawing/2010/main" val="0"/>
-              </a:ext>
-            </a:extLst>
-          </a:blip>
-          <a:srcRect l="3613"/>
-          <a:stretch/>
-        </p:blipFill>
-        <p:spPr>
-          <a:xfrm>
-            <a:off x="0" y="2669685"/>
-            <a:ext cx="4037012" cy="4188315"/>
-          </a:xfrm>
-          <a:prstGeom prst="rect">
-            <a:avLst/>
-          </a:prstGeom>
-        </p:spPr>
-      </p:pic>
-      <p:pic>
-        <p:nvPicPr>
-          <p:cNvPr id="37" name="Picture 36">
-            <a:extLst>
-              <a:ext uri="{FF2B5EF4-FFF2-40B4-BE49-F238E27FC236}">
-                <a16:creationId xmlns:a16="http://schemas.microsoft.com/office/drawing/2014/main" id="{7C268552-D473-46ED-B1B8-422042C4DEF1}"/>
-              </a:ext>
-              <a:ext uri="{C183D7F6-B498-43B3-948B-1728B52AA6E4}">
-                <adec:decorative xmlns:adec="http://schemas.microsoft.com/office/drawing/2017/decorative" val="1"/>
-              </a:ext>
-            </a:extLst>
-          </p:cNvPr>
-          <p:cNvPicPr>
-            <a:picLocks noGrp="1" noRot="1" noChangeAspect="1" noMove="1" noResize="1" noEditPoints="1" noAdjustHandles="1" noChangeArrowheads="1" noChangeShapeType="1" noCrop="1"/>
-          </p:cNvPicPr>
-          <p:nvPr>
-            <p:extLst>
-              <p:ext uri="{386F3935-93C4-4BCD-93E2-E3B085C9AB24}">
-                <p16:designElem xmlns:p16="http://schemas.microsoft.com/office/powerpoint/2015/main" val="1"/>
-              </p:ext>
-            </p:extLst>
-          </p:nvPr>
-        </p:nvPicPr>
-        <p:blipFill rotWithShape="1">
-          <a:blip r:embed="rId3">
-            <a:extLst>
-              <a:ext uri="{28A0092B-C50C-407E-A947-70E740481C1C}">
-                <a14:useLocalDpi xmlns:a14="http://schemas.microsoft.com/office/drawing/2010/main" val="0"/>
-              </a:ext>
-            </a:extLst>
-          </a:blip>
-          <a:srcRect l="35640"/>
-          <a:stretch/>
-        </p:blipFill>
-        <p:spPr>
-          <a:xfrm>
-            <a:off x="0" y="2892347"/>
-            <a:ext cx="1522412" cy="2365453"/>
-          </a:xfrm>
-          <a:prstGeom prst="rect">
-            <a:avLst/>
-          </a:prstGeom>
-        </p:spPr>
-      </p:pic>
-      <p:sp>
-        <p:nvSpPr>
-          <p:cNvPr id="39" name="Oval 38">
-            <a:extLst>
-              <a:ext uri="{FF2B5EF4-FFF2-40B4-BE49-F238E27FC236}">
-                <a16:creationId xmlns:a16="http://schemas.microsoft.com/office/drawing/2014/main" id="{4AC0CD9D-7610-4620-93B4-798CCD9AB581}"/>
-              </a:ext>
-              <a:ext uri="{C183D7F6-B498-43B3-948B-1728B52AA6E4}">
-                <adec:decorative xmlns:adec="http://schemas.microsoft.com/office/drawing/2017/decorative" val="1"/>
-              </a:ext>
-            </a:extLst>
-          </p:cNvPr>
-          <p:cNvSpPr>
-            <a:spLocks noGrp="1" noRot="1" noChangeAspect="1" noMove="1" noResize="1" noEditPoints="1" noAdjustHandles="1" noChangeArrowheads="1" noChangeShapeType="1" noTextEdit="1"/>
-          </p:cNvSpPr>
-          <p:nvPr>
-            <p:extLst>
-              <p:ext uri="{386F3935-93C4-4BCD-93E2-E3B085C9AB24}">
-                <p16:designElem xmlns:p16="http://schemas.microsoft.com/office/powerpoint/2015/main" val="1"/>
-              </p:ext>
-            </p:extLst>
-          </p:nvPr>
+          <p:cNvSpPr txBox="1"/>
+          <p:nvPr/>
         </p:nvSpPr>
         <p:spPr>
           <a:xfrm>
-            <a:off x="8609012" y="1676400"/>
-            <a:ext cx="2819400" cy="2819400"/>
-          </a:xfrm>
-          <a:prstGeom prst="ellipse">
-            <a:avLst/>
-          </a:prstGeom>
-          <a:gradFill flip="none" rotWithShape="1">
-            <a:gsLst>
-              <a:gs pos="0">
-                <a:schemeClr val="bg2">
-                  <a:lumMod val="60000"/>
-                  <a:lumOff val="40000"/>
-                  <a:alpha val="7000"/>
-                </a:schemeClr>
-              </a:gs>
-              <a:gs pos="69000">
-                <a:schemeClr val="bg2">
-                  <a:lumMod val="60000"/>
-                  <a:lumOff val="40000"/>
-                  <a:alpha val="0"/>
-                </a:schemeClr>
-              </a:gs>
-              <a:gs pos="36000">
-                <a:schemeClr val="bg2">
-                  <a:lumMod val="60000"/>
-                  <a:lumOff val="40000"/>
-                  <a:alpha val="6000"/>
-                </a:schemeClr>
-              </a:gs>
-            </a:gsLst>
-            <a:path path="circle">
-              <a:fillToRect l="50000" t="50000" r="50000" b="50000"/>
-            </a:path>
-            <a:tileRect/>
-          </a:gradFill>
-          <a:ln>
-            <a:noFill/>
-          </a:ln>
-          <a:effectLst/>
-        </p:spPr>
-        <p:style>
-          <a:lnRef idx="1">
-            <a:schemeClr val="accent1"/>
-          </a:lnRef>
-          <a:fillRef idx="3">
-            <a:schemeClr val="accent1"/>
-          </a:fillRef>
-          <a:effectRef idx="2">
-            <a:schemeClr val="accent1"/>
-          </a:effectRef>
-          <a:fontRef idx="minor">
-            <a:schemeClr val="lt1"/>
-          </a:fontRef>
-        </p:style>
-      </p:sp>
-      <p:pic>
-        <p:nvPicPr>
-          <p:cNvPr id="41" name="Picture 40">
-            <a:extLst>
-              <a:ext uri="{FF2B5EF4-FFF2-40B4-BE49-F238E27FC236}">
-                <a16:creationId xmlns:a16="http://schemas.microsoft.com/office/drawing/2014/main" id="{B9238B3E-24AA-439A-B527-6C5DF6D72145}"/>
-              </a:ext>
-              <a:ext uri="{C183D7F6-B498-43B3-948B-1728B52AA6E4}">
-                <adec:decorative xmlns:adec="http://schemas.microsoft.com/office/drawing/2017/decorative" val="1"/>
-              </a:ext>
-            </a:extLst>
-          </p:cNvPr>
-          <p:cNvPicPr>
-            <a:picLocks noGrp="1" noRot="1" noChangeAspect="1" noMove="1" noResize="1" noEditPoints="1" noAdjustHandles="1" noChangeArrowheads="1" noChangeShapeType="1" noCrop="1"/>
-          </p:cNvPicPr>
-          <p:nvPr>
-            <p:extLst>
-              <p:ext uri="{386F3935-93C4-4BCD-93E2-E3B085C9AB24}">
-                <p16:designElem xmlns:p16="http://schemas.microsoft.com/office/powerpoint/2015/main" val="1"/>
-              </p:ext>
-            </p:extLst>
-          </p:nvPr>
-        </p:nvPicPr>
-        <p:blipFill rotWithShape="1">
-          <a:blip r:embed="rId4">
-            <a:extLst>
-              <a:ext uri="{28A0092B-C50C-407E-A947-70E740481C1C}">
-                <a14:useLocalDpi xmlns:a14="http://schemas.microsoft.com/office/drawing/2010/main" val="0"/>
-              </a:ext>
-            </a:extLst>
-          </a:blip>
-          <a:srcRect t="28813"/>
-          <a:stretch/>
-        </p:blipFill>
-        <p:spPr>
-          <a:xfrm>
-            <a:off x="7999412" y="0"/>
-            <a:ext cx="1603387" cy="1141407"/>
-          </a:xfrm>
-          <a:prstGeom prst="rect">
-            <a:avLst/>
-          </a:prstGeom>
-        </p:spPr>
-      </p:pic>
-      <p:pic>
-        <p:nvPicPr>
-          <p:cNvPr id="43" name="Picture 42">
-            <a:extLst>
-              <a:ext uri="{FF2B5EF4-FFF2-40B4-BE49-F238E27FC236}">
-                <a16:creationId xmlns:a16="http://schemas.microsoft.com/office/drawing/2014/main" id="{69F01145-BEA3-4CBF-AA21-10077B948CA8}"/>
-              </a:ext>
-              <a:ext uri="{C183D7F6-B498-43B3-948B-1728B52AA6E4}">
-                <adec:decorative xmlns:adec="http://schemas.microsoft.com/office/drawing/2017/decorative" val="1"/>
-              </a:ext>
-            </a:extLst>
-          </p:cNvPr>
-          <p:cNvPicPr>
-            <a:picLocks noGrp="1" noRot="1" noChangeAspect="1" noMove="1" noResize="1" noEditPoints="1" noAdjustHandles="1" noChangeArrowheads="1" noChangeShapeType="1" noCrop="1"/>
-          </p:cNvPicPr>
-          <p:nvPr>
-            <p:extLst>
-              <p:ext uri="{386F3935-93C4-4BCD-93E2-E3B085C9AB24}">
-                <p16:designElem xmlns:p16="http://schemas.microsoft.com/office/powerpoint/2015/main" val="1"/>
-              </p:ext>
-            </p:extLst>
-          </p:nvPr>
-        </p:nvPicPr>
-        <p:blipFill rotWithShape="1">
-          <a:blip r:embed="rId5">
-            <a:extLst>
-              <a:ext uri="{28A0092B-C50C-407E-A947-70E740481C1C}">
-                <a14:useLocalDpi xmlns:a14="http://schemas.microsoft.com/office/drawing/2010/main" val="0"/>
-              </a:ext>
-            </a:extLst>
-          </a:blip>
-          <a:srcRect b="23320"/>
-          <a:stretch/>
-        </p:blipFill>
-        <p:spPr>
-          <a:xfrm>
-            <a:off x="8605878" y="6096000"/>
-            <a:ext cx="993734" cy="762000"/>
-          </a:xfrm>
-          <a:prstGeom prst="rect">
-            <a:avLst/>
-          </a:prstGeom>
-        </p:spPr>
-      </p:pic>
-      <p:sp>
-        <p:nvSpPr>
-          <p:cNvPr id="45" name="Rectangle 44">
-            <a:extLst>
-              <a:ext uri="{FF2B5EF4-FFF2-40B4-BE49-F238E27FC236}">
-                <a16:creationId xmlns:a16="http://schemas.microsoft.com/office/drawing/2014/main" id="{DE4D62F9-188E-4530-84C2-24BDEE4BEB82}"/>
-              </a:ext>
-              <a:ext uri="{C183D7F6-B498-43B3-948B-1728B52AA6E4}">
-                <adec:decorative xmlns:adec="http://schemas.microsoft.com/office/drawing/2017/decorative" val="1"/>
-              </a:ext>
-            </a:extLst>
-          </p:cNvPr>
-          <p:cNvSpPr>
-            <a:spLocks noGrp="1" noRot="1" noChangeAspect="1" noMove="1" noResize="1" noEditPoints="1" noAdjustHandles="1" noChangeArrowheads="1" noChangeShapeType="1" noTextEdit="1"/>
-          </p:cNvSpPr>
-          <p:nvPr>
-            <p:extLst>
-              <p:ext uri="{386F3935-93C4-4BCD-93E2-E3B085C9AB24}">
-                <p16:designElem xmlns:p16="http://schemas.microsoft.com/office/powerpoint/2015/main" val="1"/>
-              </p:ext>
-            </p:extLst>
-          </p:nvPr>
-        </p:nvSpPr>
-        <p:spPr>
-          <a:xfrm>
-            <a:off x="10437812" y="0"/>
-            <a:ext cx="685800" cy="1143000"/>
-          </a:xfrm>
-          <a:prstGeom prst="rect">
-            <a:avLst/>
-          </a:prstGeom>
-          <a:solidFill>
-            <a:schemeClr val="accent1"/>
-          </a:solidFill>
-          <a:ln>
-            <a:noFill/>
-          </a:ln>
-        </p:spPr>
-        <p:style>
-          <a:lnRef idx="1">
-            <a:schemeClr val="accent1"/>
-          </a:lnRef>
-          <a:fillRef idx="3">
-            <a:schemeClr val="accent1"/>
-          </a:fillRef>
-          <a:effectRef idx="2">
-            <a:schemeClr val="accent1"/>
-          </a:effectRef>
-          <a:fontRef idx="minor">
-            <a:schemeClr val="lt1"/>
-          </a:fontRef>
-        </p:style>
-      </p:sp>
-      <p:sp>
-        <p:nvSpPr>
-          <p:cNvPr id="47" name="Rectangle 46">
-            <a:extLst>
-              <a:ext uri="{FF2B5EF4-FFF2-40B4-BE49-F238E27FC236}">
-                <a16:creationId xmlns:a16="http://schemas.microsoft.com/office/drawing/2014/main" id="{9362849A-570D-49DB-954C-63F144E88A4A}"/>
-              </a:ext>
-              <a:ext uri="{C183D7F6-B498-43B3-948B-1728B52AA6E4}">
-                <adec:decorative xmlns:adec="http://schemas.microsoft.com/office/drawing/2017/decorative" val="1"/>
-              </a:ext>
-            </a:extLst>
-          </p:cNvPr>
-          <p:cNvSpPr>
-            <a:spLocks noGrp="1" noRot="1" noChangeAspect="1" noMove="1" noResize="1" noEditPoints="1" noAdjustHandles="1" noChangeArrowheads="1" noChangeShapeType="1" noTextEdit="1"/>
-          </p:cNvSpPr>
-          <p:nvPr>
-            <p:extLst>
-              <p:ext uri="{386F3935-93C4-4BCD-93E2-E3B085C9AB24}">
-                <p16:designElem xmlns:p16="http://schemas.microsoft.com/office/powerpoint/2015/main" val="1"/>
-              </p:ext>
-            </p:extLst>
-          </p:nvPr>
-        </p:nvSpPr>
-        <p:spPr>
-          <a:xfrm>
-            <a:off x="0" y="0"/>
-            <a:ext cx="12192000" cy="6858000"/>
-          </a:xfrm>
-          <a:prstGeom prst="rect">
-            <a:avLst/>
-          </a:prstGeom>
-          <a:ln>
-            <a:noFill/>
-          </a:ln>
-        </p:spPr>
-        <p:style>
-          <a:lnRef idx="2">
-            <a:schemeClr val="accent1">
-              <a:shade val="50000"/>
-            </a:schemeClr>
-          </a:lnRef>
-          <a:fillRef idx="1003">
-            <a:schemeClr val="dk2"/>
-          </a:fillRef>
-          <a:effectRef idx="0">
-            <a:schemeClr val="accent1"/>
-          </a:effectRef>
-          <a:fontRef idx="minor">
-            <a:schemeClr val="lt1"/>
-          </a:fontRef>
-        </p:style>
-        <p:txBody>
-          <a:bodyPr rtlCol="0" anchor="ctr"/>
-          <a:lstStyle/>
-          <a:p>
-            <a:pPr algn="ctr"/>
-            <a:endParaRPr lang="en-US"/>
-          </a:p>
-        </p:txBody>
-      </p:sp>
-      <p:sp>
-        <p:nvSpPr>
-          <p:cNvPr id="49" name="Rectangle 48">
-            <a:extLst>
-              <a:ext uri="{FF2B5EF4-FFF2-40B4-BE49-F238E27FC236}">
-                <a16:creationId xmlns:a16="http://schemas.microsoft.com/office/drawing/2014/main" id="{1CA42011-E478-428B-9D15-A98E338BF8C1}"/>
-              </a:ext>
-              <a:ext uri="{C183D7F6-B498-43B3-948B-1728B52AA6E4}">
-                <adec:decorative xmlns:adec="http://schemas.microsoft.com/office/drawing/2017/decorative" val="1"/>
-              </a:ext>
-            </a:extLst>
-          </p:cNvPr>
-          <p:cNvSpPr>
-            <a:spLocks noGrp="1" noRot="1" noChangeAspect="1" noMove="1" noResize="1" noEditPoints="1" noAdjustHandles="1" noChangeArrowheads="1" noChangeShapeType="1" noTextEdit="1"/>
-          </p:cNvSpPr>
-          <p:nvPr>
-            <p:extLst>
-              <p:ext uri="{386F3935-93C4-4BCD-93E2-E3B085C9AB24}">
-                <p16:designElem xmlns:p16="http://schemas.microsoft.com/office/powerpoint/2015/main" val="1"/>
-              </p:ext>
-            </p:extLst>
-          </p:nvPr>
-        </p:nvSpPr>
-        <p:spPr>
-          <a:xfrm>
-            <a:off x="10437812" y="0"/>
-            <a:ext cx="685800" cy="1143000"/>
-          </a:xfrm>
-          <a:prstGeom prst="rect">
-            <a:avLst/>
-          </a:prstGeom>
-          <a:solidFill>
-            <a:schemeClr val="accent1"/>
-          </a:solidFill>
-          <a:ln>
-            <a:noFill/>
-          </a:ln>
-        </p:spPr>
-        <p:style>
-          <a:lnRef idx="1">
-            <a:schemeClr val="accent1"/>
-          </a:lnRef>
-          <a:fillRef idx="3">
-            <a:schemeClr val="accent1"/>
-          </a:fillRef>
-          <a:effectRef idx="2">
-            <a:schemeClr val="accent1"/>
-          </a:effectRef>
-          <a:fontRef idx="minor">
-            <a:schemeClr val="lt1"/>
-          </a:fontRef>
-        </p:style>
-      </p:sp>
-      <p:sp>
-        <p:nvSpPr>
-          <p:cNvPr id="51" name="Freeform 7">
-            <a:extLst>
-              <a:ext uri="{FF2B5EF4-FFF2-40B4-BE49-F238E27FC236}">
-                <a16:creationId xmlns:a16="http://schemas.microsoft.com/office/drawing/2014/main" id="{9ED2773C-FE51-4632-BA46-036BDCDA6E5C}"/>
-              </a:ext>
-              <a:ext uri="{C183D7F6-B498-43B3-948B-1728B52AA6E4}">
-                <adec:decorative xmlns:adec="http://schemas.microsoft.com/office/drawing/2017/decorative" val="1"/>
-              </a:ext>
-            </a:extLst>
-          </p:cNvPr>
-          <p:cNvSpPr>
-            <a:spLocks noGrp="1" noRot="1" noChangeAspect="1" noMove="1" noResize="1" noEditPoints="1" noAdjustHandles="1" noChangeArrowheads="1" noChangeShapeType="1" noTextEdit="1"/>
-          </p:cNvSpPr>
-          <p:nvPr>
-            <p:extLst>
-              <p:ext uri="{386F3935-93C4-4BCD-93E2-E3B085C9AB24}">
-                <p16:designElem xmlns:p16="http://schemas.microsoft.com/office/powerpoint/2015/main" val="1"/>
-              </p:ext>
-            </p:extLst>
-          </p:nvPr>
-        </p:nvSpPr>
-        <p:spPr>
-          <a:xfrm>
-            <a:off x="8719939" y="1460230"/>
-            <a:ext cx="3472060" cy="825932"/>
+            <a:off x="4362867" y="5433261"/>
+            <a:ext cx="2827606" cy="1231106"/>
           </a:xfrm>
           <a:custGeom>
             <a:avLst/>
             <a:gdLst>
-              <a:gd name="connsiteX0" fmla="*/ 3470310 w 3472060"/>
-              <a:gd name="connsiteY0" fmla="*/ 0 h 825932"/>
-              <a:gd name="connsiteX1" fmla="*/ 3472060 w 3472060"/>
-              <a:gd name="connsiteY1" fmla="*/ 12850 h 825932"/>
-              <a:gd name="connsiteX2" fmla="*/ 3472060 w 3472060"/>
-              <a:gd name="connsiteY2" fmla="*/ 480529 h 825932"/>
-              <a:gd name="connsiteX3" fmla="*/ 3363699 w 3472060"/>
-              <a:gd name="connsiteY3" fmla="*/ 498471 h 825932"/>
-              <a:gd name="connsiteX4" fmla="*/ 42060 w 3472060"/>
-              <a:gd name="connsiteY4" fmla="*/ 824486 h 825932"/>
-              <a:gd name="connsiteX5" fmla="*/ 0 w 3472060"/>
-              <a:gd name="connsiteY5" fmla="*/ 758452 h 825932"/>
-              <a:gd name="connsiteX6" fmla="*/ 188014 w 3472060"/>
-              <a:gd name="connsiteY6" fmla="*/ 735602 h 825932"/>
-              <a:gd name="connsiteX7" fmla="*/ 284087 w 3472060"/>
-              <a:gd name="connsiteY7" fmla="*/ 722590 h 825932"/>
-              <a:gd name="connsiteX8" fmla="*/ 382288 w 3472060"/>
-              <a:gd name="connsiteY8" fmla="*/ 709392 h 825932"/>
-              <a:gd name="connsiteX9" fmla="*/ 481858 w 3472060"/>
-              <a:gd name="connsiteY9" fmla="*/ 695774 h 825932"/>
-              <a:gd name="connsiteX10" fmla="*/ 581897 w 3472060"/>
-              <a:gd name="connsiteY10" fmla="*/ 680711 h 825932"/>
-              <a:gd name="connsiteX11" fmla="*/ 683670 w 3472060"/>
-              <a:gd name="connsiteY11" fmla="*/ 665256 h 825932"/>
-              <a:gd name="connsiteX12" fmla="*/ 787206 w 3472060"/>
-              <a:gd name="connsiteY12" fmla="*/ 649587 h 825932"/>
-              <a:gd name="connsiteX13" fmla="*/ 892019 w 3472060"/>
-              <a:gd name="connsiteY13" fmla="*/ 632968 h 825932"/>
-              <a:gd name="connsiteX14" fmla="*/ 997620 w 3472060"/>
-              <a:gd name="connsiteY14" fmla="*/ 614667 h 825932"/>
-              <a:gd name="connsiteX15" fmla="*/ 1104727 w 3472060"/>
-              <a:gd name="connsiteY15" fmla="*/ 596741 h 825932"/>
-              <a:gd name="connsiteX16" fmla="*/ 1212669 w 3472060"/>
-              <a:gd name="connsiteY16" fmla="*/ 577397 h 825932"/>
-              <a:gd name="connsiteX17" fmla="*/ 1321506 w 3472060"/>
-              <a:gd name="connsiteY17" fmla="*/ 556988 h 825932"/>
-              <a:gd name="connsiteX18" fmla="*/ 1430709 w 3472060"/>
-              <a:gd name="connsiteY18" fmla="*/ 536607 h 825932"/>
-              <a:gd name="connsiteX19" fmla="*/ 1541050 w 3472060"/>
-              <a:gd name="connsiteY19" fmla="*/ 514481 h 825932"/>
-              <a:gd name="connsiteX20" fmla="*/ 1652805 w 3472060"/>
-              <a:gd name="connsiteY20" fmla="*/ 492202 h 825932"/>
-              <a:gd name="connsiteX21" fmla="*/ 1763708 w 3472060"/>
-              <a:gd name="connsiteY21" fmla="*/ 469161 h 825932"/>
-              <a:gd name="connsiteX22" fmla="*/ 1875795 w 3472060"/>
-              <a:gd name="connsiteY22" fmla="*/ 444641 h 825932"/>
-              <a:gd name="connsiteX23" fmla="*/ 1989128 w 3472060"/>
-              <a:gd name="connsiteY23" fmla="*/ 418995 h 825932"/>
-              <a:gd name="connsiteX24" fmla="*/ 2102476 w 3472060"/>
-              <a:gd name="connsiteY24" fmla="*/ 393438 h 825932"/>
-              <a:gd name="connsiteX25" fmla="*/ 2215549 w 3472060"/>
-              <a:gd name="connsiteY25" fmla="*/ 366291 h 825932"/>
-              <a:gd name="connsiteX26" fmla="*/ 2330490 w 3472060"/>
-              <a:gd name="connsiteY26" fmla="*/ 337455 h 825932"/>
-              <a:gd name="connsiteX27" fmla="*/ 2443333 w 3472060"/>
-              <a:gd name="connsiteY27" fmla="*/ 308983 h 825932"/>
-              <a:gd name="connsiteX28" fmla="*/ 2558014 w 3472060"/>
-              <a:gd name="connsiteY28" fmla="*/ 278646 h 825932"/>
-              <a:gd name="connsiteX29" fmla="*/ 2673621 w 3472060"/>
-              <a:gd name="connsiteY29" fmla="*/ 247421 h 825932"/>
-              <a:gd name="connsiteX30" fmla="*/ 2787008 w 3472060"/>
-              <a:gd name="connsiteY30" fmla="*/ 215853 h 825932"/>
-              <a:gd name="connsiteX31" fmla="*/ 2901442 w 3472060"/>
-              <a:gd name="connsiteY31" fmla="*/ 182011 h 825932"/>
-              <a:gd name="connsiteX32" fmla="*/ 3015722 w 3472060"/>
-              <a:gd name="connsiteY32" fmla="*/ 147286 h 825932"/>
-              <a:gd name="connsiteX33" fmla="*/ 3130018 w 3472060"/>
-              <a:gd name="connsiteY33" fmla="*/ 112649 h 825932"/>
-              <a:gd name="connsiteX34" fmla="*/ 3243551 w 3472060"/>
-              <a:gd name="connsiteY34" fmla="*/ 75688 h 825932"/>
-              <a:gd name="connsiteX35" fmla="*/ 3356992 w 3472060"/>
-              <a:gd name="connsiteY35" fmla="*/ 38197 h 825932"/>
-              <a:gd name="connsiteX36" fmla="*/ 3470310 w 3472060"/>
-              <a:gd name="connsiteY36" fmla="*/ 0 h 825932"/>
+              <a:gd name="connsiteX0" fmla="*/ 0 w 2827606"/>
+              <a:gd name="connsiteY0" fmla="*/ 0 h 1015663"/>
+              <a:gd name="connsiteX1" fmla="*/ 622073 w 2827606"/>
+              <a:gd name="connsiteY1" fmla="*/ 0 h 1015663"/>
+              <a:gd name="connsiteX2" fmla="*/ 1215871 w 2827606"/>
+              <a:gd name="connsiteY2" fmla="*/ 0 h 1015663"/>
+              <a:gd name="connsiteX3" fmla="*/ 1696564 w 2827606"/>
+              <a:gd name="connsiteY3" fmla="*/ 0 h 1015663"/>
+              <a:gd name="connsiteX4" fmla="*/ 2262085 w 2827606"/>
+              <a:gd name="connsiteY4" fmla="*/ 0 h 1015663"/>
+              <a:gd name="connsiteX5" fmla="*/ 2827606 w 2827606"/>
+              <a:gd name="connsiteY5" fmla="*/ 0 h 1015663"/>
+              <a:gd name="connsiteX6" fmla="*/ 2827606 w 2827606"/>
+              <a:gd name="connsiteY6" fmla="*/ 497675 h 1015663"/>
+              <a:gd name="connsiteX7" fmla="*/ 2827606 w 2827606"/>
+              <a:gd name="connsiteY7" fmla="*/ 1015663 h 1015663"/>
+              <a:gd name="connsiteX8" fmla="*/ 2346913 w 2827606"/>
+              <a:gd name="connsiteY8" fmla="*/ 1015663 h 1015663"/>
+              <a:gd name="connsiteX9" fmla="*/ 1809668 w 2827606"/>
+              <a:gd name="connsiteY9" fmla="*/ 1015663 h 1015663"/>
+              <a:gd name="connsiteX10" fmla="*/ 1215871 w 2827606"/>
+              <a:gd name="connsiteY10" fmla="*/ 1015663 h 1015663"/>
+              <a:gd name="connsiteX11" fmla="*/ 622073 w 2827606"/>
+              <a:gd name="connsiteY11" fmla="*/ 1015663 h 1015663"/>
+              <a:gd name="connsiteX12" fmla="*/ 0 w 2827606"/>
+              <a:gd name="connsiteY12" fmla="*/ 1015663 h 1015663"/>
+              <a:gd name="connsiteX13" fmla="*/ 0 w 2827606"/>
+              <a:gd name="connsiteY13" fmla="*/ 507832 h 1015663"/>
+              <a:gd name="connsiteX14" fmla="*/ 0 w 2827606"/>
+              <a:gd name="connsiteY14" fmla="*/ 0 h 1015663"/>
             </a:gdLst>
             <a:ahLst/>
             <a:cxnLst>
@@ -13847,1006 +13332,694 @@
               <a:cxn ang="0">
                 <a:pos x="connsiteX14" y="connsiteY14"/>
               </a:cxn>
-              <a:cxn ang="0">
-                <a:pos x="connsiteX15" y="connsiteY15"/>
-              </a:cxn>
-              <a:cxn ang="0">
-                <a:pos x="connsiteX16" y="connsiteY16"/>
-              </a:cxn>
-              <a:cxn ang="0">
-                <a:pos x="connsiteX17" y="connsiteY17"/>
-              </a:cxn>
-              <a:cxn ang="0">
-                <a:pos x="connsiteX18" y="connsiteY18"/>
-              </a:cxn>
-              <a:cxn ang="0">
-                <a:pos x="connsiteX19" y="connsiteY19"/>
-              </a:cxn>
-              <a:cxn ang="0">
-                <a:pos x="connsiteX20" y="connsiteY20"/>
-              </a:cxn>
-              <a:cxn ang="0">
-                <a:pos x="connsiteX21" y="connsiteY21"/>
-              </a:cxn>
-              <a:cxn ang="0">
-                <a:pos x="connsiteX22" y="connsiteY22"/>
-              </a:cxn>
-              <a:cxn ang="0">
-                <a:pos x="connsiteX23" y="connsiteY23"/>
-              </a:cxn>
-              <a:cxn ang="0">
-                <a:pos x="connsiteX24" y="connsiteY24"/>
-              </a:cxn>
-              <a:cxn ang="0">
-                <a:pos x="connsiteX25" y="connsiteY25"/>
-              </a:cxn>
-              <a:cxn ang="0">
-                <a:pos x="connsiteX26" y="connsiteY26"/>
-              </a:cxn>
-              <a:cxn ang="0">
-                <a:pos x="connsiteX27" y="connsiteY27"/>
-              </a:cxn>
-              <a:cxn ang="0">
-                <a:pos x="connsiteX28" y="connsiteY28"/>
-              </a:cxn>
-              <a:cxn ang="0">
-                <a:pos x="connsiteX29" y="connsiteY29"/>
-              </a:cxn>
-              <a:cxn ang="0">
-                <a:pos x="connsiteX30" y="connsiteY30"/>
-              </a:cxn>
-              <a:cxn ang="0">
-                <a:pos x="connsiteX31" y="connsiteY31"/>
-              </a:cxn>
-              <a:cxn ang="0">
-                <a:pos x="connsiteX32" y="connsiteY32"/>
-              </a:cxn>
-              <a:cxn ang="0">
-                <a:pos x="connsiteX33" y="connsiteY33"/>
-              </a:cxn>
-              <a:cxn ang="0">
-                <a:pos x="connsiteX34" y="connsiteY34"/>
-              </a:cxn>
-              <a:cxn ang="0">
-                <a:pos x="connsiteX35" y="connsiteY35"/>
-              </a:cxn>
-              <a:cxn ang="0">
-                <a:pos x="connsiteX36" y="connsiteY36"/>
-              </a:cxn>
             </a:cxnLst>
             <a:rect l="l" t="t" r="r" b="b"/>
             <a:pathLst>
-              <a:path w="3472060" h="825932">
-                <a:moveTo>
-                  <a:pt x="3470310" y="0"/>
-                </a:moveTo>
-                <a:lnTo>
-                  <a:pt x="3472060" y="12850"/>
-                </a:lnTo>
-                <a:lnTo>
-                  <a:pt x="3472060" y="480529"/>
-                </a:lnTo>
-                <a:lnTo>
-                  <a:pt x="3363699" y="498471"/>
-                </a:lnTo>
-                <a:cubicBezTo>
-                  <a:pt x="2435623" y="645518"/>
-                  <a:pt x="603076" y="844866"/>
-                  <a:pt x="42060" y="824486"/>
-                </a:cubicBezTo>
-                <a:cubicBezTo>
-                  <a:pt x="28151" y="802425"/>
-                  <a:pt x="13909" y="780513"/>
-                  <a:pt x="0" y="758452"/>
-                </a:cubicBezTo>
-                <a:lnTo>
-                  <a:pt x="188014" y="735602"/>
-                </a:lnTo>
-                <a:lnTo>
-                  <a:pt x="284087" y="722590"/>
-                </a:lnTo>
-                <a:lnTo>
-                  <a:pt x="382288" y="709392"/>
-                </a:lnTo>
-                <a:lnTo>
-                  <a:pt x="481858" y="695774"/>
-                </a:lnTo>
-                <a:lnTo>
-                  <a:pt x="581897" y="680711"/>
-                </a:lnTo>
-                <a:lnTo>
-                  <a:pt x="683670" y="665256"/>
-                </a:lnTo>
-                <a:lnTo>
-                  <a:pt x="787206" y="649587"/>
-                </a:lnTo>
-                <a:lnTo>
-                  <a:pt x="892019" y="632968"/>
-                </a:lnTo>
-                <a:lnTo>
-                  <a:pt x="997620" y="614667"/>
-                </a:lnTo>
-                <a:lnTo>
-                  <a:pt x="1104727" y="596741"/>
-                </a:lnTo>
-                <a:lnTo>
-                  <a:pt x="1212669" y="577397"/>
-                </a:lnTo>
-                <a:lnTo>
-                  <a:pt x="1321506" y="556988"/>
-                </a:lnTo>
-                <a:lnTo>
-                  <a:pt x="1430709" y="536607"/>
-                </a:lnTo>
-                <a:lnTo>
-                  <a:pt x="1541050" y="514481"/>
-                </a:lnTo>
-                <a:lnTo>
-                  <a:pt x="1652805" y="492202"/>
-                </a:lnTo>
-                <a:lnTo>
-                  <a:pt x="1763708" y="469161"/>
-                </a:lnTo>
-                <a:lnTo>
-                  <a:pt x="1875795" y="444641"/>
-                </a:lnTo>
-                <a:lnTo>
-                  <a:pt x="1989128" y="418995"/>
-                </a:lnTo>
-                <a:lnTo>
-                  <a:pt x="2102476" y="393438"/>
-                </a:lnTo>
-                <a:lnTo>
-                  <a:pt x="2215549" y="366291"/>
-                </a:lnTo>
-                <a:lnTo>
-                  <a:pt x="2330490" y="337455"/>
-                </a:lnTo>
-                <a:lnTo>
-                  <a:pt x="2443333" y="308983"/>
-                </a:lnTo>
-                <a:lnTo>
-                  <a:pt x="2558014" y="278646"/>
-                </a:lnTo>
-                <a:lnTo>
-                  <a:pt x="2673621" y="247421"/>
-                </a:lnTo>
-                <a:lnTo>
-                  <a:pt x="2787008" y="215853"/>
-                </a:lnTo>
-                <a:lnTo>
-                  <a:pt x="2901442" y="182011"/>
-                </a:lnTo>
-                <a:lnTo>
-                  <a:pt x="3015722" y="147286"/>
-                </a:lnTo>
-                <a:lnTo>
-                  <a:pt x="3130018" y="112649"/>
-                </a:lnTo>
-                <a:lnTo>
-                  <a:pt x="3243551" y="75688"/>
-                </a:lnTo>
-                <a:lnTo>
-                  <a:pt x="3356992" y="38197"/>
-                </a:lnTo>
-                <a:lnTo>
-                  <a:pt x="3470310" y="0"/>
-                </a:lnTo>
-                <a:close/>
-              </a:path>
-            </a:pathLst>
-          </a:custGeom>
-          <a:solidFill>
-            <a:schemeClr val="bg1">
-              <a:alpha val="20000"/>
-            </a:schemeClr>
-          </a:solidFill>
-          <a:ln>
-            <a:noFill/>
-          </a:ln>
-        </p:spPr>
-        <p:txBody>
-          <a:bodyPr rtlCol="0" anchor="ctr"/>
-          <a:lstStyle/>
-          <a:p>
-            <a:pPr algn="ctr"/>
-            <a:endParaRPr lang="en-US">
-              <a:solidFill>
-                <a:schemeClr val="tx1"/>
-              </a:solidFill>
-            </a:endParaRPr>
-          </a:p>
-        </p:txBody>
-      </p:sp>
-      <p:sp>
-        <p:nvSpPr>
-          <p:cNvPr id="7" name="TextBox 6">
-            <a:extLst>
-              <a:ext uri="{FF2B5EF4-FFF2-40B4-BE49-F238E27FC236}">
-                <a16:creationId xmlns:a16="http://schemas.microsoft.com/office/drawing/2014/main" id="{49C4D78B-D693-41D7-BCF7-7116B68B1392}"/>
-              </a:ext>
-            </a:extLst>
-          </p:cNvPr>
-          <p:cNvSpPr txBox="1"/>
-          <p:nvPr/>
-        </p:nvSpPr>
-        <p:spPr>
-          <a:xfrm>
-            <a:off x="648930" y="629267"/>
-            <a:ext cx="9252154" cy="1016654"/>
-          </a:xfrm>
-          <a:prstGeom prst="rect">
-            <a:avLst/>
-          </a:prstGeom>
-        </p:spPr>
-        <p:txBody>
-          <a:bodyPr vert="horz" lIns="91440" tIns="45720" rIns="91440" bIns="45720" rtlCol="0" anchor="t">
-            <a:normAutofit/>
-          </a:bodyPr>
-          <a:lstStyle/>
-          <a:p>
-            <a:pPr>
-              <a:spcBef>
-                <a:spcPct val="0"/>
-              </a:spcBef>
-              <a:spcAft>
-                <a:spcPts val="600"/>
-              </a:spcAft>
-            </a:pPr>
-            <a:r>
-              <a:rPr lang="en-US" sz="4200" b="0" i="0" kern="1200" dirty="0">
-                <a:solidFill>
-                  <a:srgbClr val="EBEBEB"/>
-                </a:solidFill>
-                <a:latin typeface="+mj-lt"/>
-                <a:ea typeface="+mj-ea"/>
-                <a:cs typeface="+mj-cs"/>
-              </a:rPr>
-              <a:t>Long Short-Term Memory (LSTM)</a:t>
-            </a:r>
-          </a:p>
-        </p:txBody>
-      </p:sp>
-      <p:sp useBgFill="1">
-        <p:nvSpPr>
-          <p:cNvPr id="53" name="Freeform: Shape 52">
-            <a:extLst>
-              <a:ext uri="{FF2B5EF4-FFF2-40B4-BE49-F238E27FC236}">
-                <a16:creationId xmlns:a16="http://schemas.microsoft.com/office/drawing/2014/main" id="{E02F9158-C4C2-46A8-BE73-A4F77E139FB6}"/>
-              </a:ext>
-              <a:ext uri="{C183D7F6-B498-43B3-948B-1728B52AA6E4}">
-                <adec:decorative xmlns:adec="http://schemas.microsoft.com/office/drawing/2017/decorative" val="1"/>
-              </a:ext>
-            </a:extLst>
-          </p:cNvPr>
-          <p:cNvSpPr>
-            <a:spLocks noGrp="1" noRot="1" noChangeAspect="1" noMove="1" noResize="1" noEditPoints="1" noAdjustHandles="1" noChangeArrowheads="1" noChangeShapeType="1" noTextEdit="1"/>
-          </p:cNvSpPr>
-          <p:nvPr>
-            <p:extLst>
-              <p:ext uri="{386F3935-93C4-4BCD-93E2-E3B085C9AB24}">
-                <p16:designElem xmlns:p16="http://schemas.microsoft.com/office/powerpoint/2015/main" val="1"/>
-              </p:ext>
-            </p:extLst>
-          </p:nvPr>
-        </p:nvSpPr>
-        <p:spPr bwMode="gray">
-          <a:xfrm>
-            <a:off x="1" y="1762067"/>
-            <a:ext cx="12192417" cy="5095933"/>
-          </a:xfrm>
-          <a:custGeom>
-            <a:avLst/>
-            <a:gdLst>
-              <a:gd name="connsiteX0" fmla="*/ 0 w 12192417"/>
-              <a:gd name="connsiteY0" fmla="*/ 0 h 5095933"/>
-              <a:gd name="connsiteX1" fmla="*/ 71931 w 12192417"/>
-              <a:gd name="connsiteY1" fmla="*/ 12261 h 5095933"/>
-              <a:gd name="connsiteX2" fmla="*/ 282848 w 12192417"/>
-              <a:gd name="connsiteY2" fmla="*/ 48343 h 5095933"/>
-              <a:gd name="connsiteX3" fmla="*/ 436463 w 12192417"/>
-              <a:gd name="connsiteY3" fmla="*/ 73565 h 5095933"/>
-              <a:gd name="connsiteX4" fmla="*/ 619338 w 12192417"/>
-              <a:gd name="connsiteY4" fmla="*/ 100188 h 5095933"/>
-              <a:gd name="connsiteX5" fmla="*/ 836350 w 12192417"/>
-              <a:gd name="connsiteY5" fmla="*/ 132066 h 5095933"/>
-              <a:gd name="connsiteX6" fmla="*/ 1076527 w 12192417"/>
-              <a:gd name="connsiteY6" fmla="*/ 165696 h 5095933"/>
-              <a:gd name="connsiteX7" fmla="*/ 1347183 w 12192417"/>
-              <a:gd name="connsiteY7" fmla="*/ 201077 h 5095933"/>
-              <a:gd name="connsiteX8" fmla="*/ 1642222 w 12192417"/>
-              <a:gd name="connsiteY8" fmla="*/ 238560 h 5095933"/>
-              <a:gd name="connsiteX9" fmla="*/ 1962863 w 12192417"/>
-              <a:gd name="connsiteY9" fmla="*/ 276043 h 5095933"/>
-              <a:gd name="connsiteX10" fmla="*/ 2304231 w 12192417"/>
-              <a:gd name="connsiteY10" fmla="*/ 314227 h 5095933"/>
-              <a:gd name="connsiteX11" fmla="*/ 2672420 w 12192417"/>
-              <a:gd name="connsiteY11" fmla="*/ 349608 h 5095933"/>
-              <a:gd name="connsiteX12" fmla="*/ 3057677 w 12192417"/>
-              <a:gd name="connsiteY12" fmla="*/ 383588 h 5095933"/>
-              <a:gd name="connsiteX13" fmla="*/ 3464880 w 12192417"/>
-              <a:gd name="connsiteY13" fmla="*/ 414415 h 5095933"/>
-              <a:gd name="connsiteX14" fmla="*/ 3889151 w 12192417"/>
-              <a:gd name="connsiteY14" fmla="*/ 443841 h 5095933"/>
-              <a:gd name="connsiteX15" fmla="*/ 4331709 w 12192417"/>
-              <a:gd name="connsiteY15" fmla="*/ 471515 h 5095933"/>
-              <a:gd name="connsiteX16" fmla="*/ 4558475 w 12192417"/>
-              <a:gd name="connsiteY16" fmla="*/ 481324 h 5095933"/>
-              <a:gd name="connsiteX17" fmla="*/ 4790117 w 12192417"/>
-              <a:gd name="connsiteY17" fmla="*/ 492183 h 5095933"/>
-              <a:gd name="connsiteX18" fmla="*/ 5025417 w 12192417"/>
-              <a:gd name="connsiteY18" fmla="*/ 502342 h 5095933"/>
-              <a:gd name="connsiteX19" fmla="*/ 5261936 w 12192417"/>
-              <a:gd name="connsiteY19" fmla="*/ 508998 h 5095933"/>
-              <a:gd name="connsiteX20" fmla="*/ 5503331 w 12192417"/>
-              <a:gd name="connsiteY20" fmla="*/ 514953 h 5095933"/>
-              <a:gd name="connsiteX21" fmla="*/ 5747166 w 12192417"/>
-              <a:gd name="connsiteY21" fmla="*/ 521259 h 5095933"/>
-              <a:gd name="connsiteX22" fmla="*/ 5995876 w 12192417"/>
-              <a:gd name="connsiteY22" fmla="*/ 525463 h 5095933"/>
-              <a:gd name="connsiteX23" fmla="*/ 6247025 w 12192417"/>
-              <a:gd name="connsiteY23" fmla="*/ 525463 h 5095933"/>
-              <a:gd name="connsiteX24" fmla="*/ 6500612 w 12192417"/>
-              <a:gd name="connsiteY24" fmla="*/ 527565 h 5095933"/>
-              <a:gd name="connsiteX25" fmla="*/ 6756638 w 12192417"/>
-              <a:gd name="connsiteY25" fmla="*/ 525463 h 5095933"/>
-              <a:gd name="connsiteX26" fmla="*/ 7016321 w 12192417"/>
-              <a:gd name="connsiteY26" fmla="*/ 521259 h 5095933"/>
-              <a:gd name="connsiteX27" fmla="*/ 7276004 w 12192417"/>
-              <a:gd name="connsiteY27" fmla="*/ 517406 h 5095933"/>
-              <a:gd name="connsiteX28" fmla="*/ 7539344 w 12192417"/>
-              <a:gd name="connsiteY28" fmla="*/ 508998 h 5095933"/>
-              <a:gd name="connsiteX29" fmla="*/ 7805123 w 12192417"/>
-              <a:gd name="connsiteY29" fmla="*/ 500241 h 5095933"/>
-              <a:gd name="connsiteX30" fmla="*/ 8070902 w 12192417"/>
-              <a:gd name="connsiteY30" fmla="*/ 490082 h 5095933"/>
-              <a:gd name="connsiteX31" fmla="*/ 8339120 w 12192417"/>
-              <a:gd name="connsiteY31" fmla="*/ 475719 h 5095933"/>
-              <a:gd name="connsiteX32" fmla="*/ 8609775 w 12192417"/>
-              <a:gd name="connsiteY32" fmla="*/ 458554 h 5095933"/>
-              <a:gd name="connsiteX33" fmla="*/ 8881650 w 12192417"/>
-              <a:gd name="connsiteY33" fmla="*/ 442089 h 5095933"/>
-              <a:gd name="connsiteX34" fmla="*/ 9153525 w 12192417"/>
-              <a:gd name="connsiteY34" fmla="*/ 421071 h 5095933"/>
-              <a:gd name="connsiteX35" fmla="*/ 9429057 w 12192417"/>
-              <a:gd name="connsiteY35" fmla="*/ 395849 h 5095933"/>
-              <a:gd name="connsiteX36" fmla="*/ 9700932 w 12192417"/>
-              <a:gd name="connsiteY36" fmla="*/ 370626 h 5095933"/>
-              <a:gd name="connsiteX37" fmla="*/ 9977683 w 12192417"/>
-              <a:gd name="connsiteY37" fmla="*/ 341551 h 5095933"/>
-              <a:gd name="connsiteX38" fmla="*/ 10255654 w 12192417"/>
-              <a:gd name="connsiteY38" fmla="*/ 309673 h 5095933"/>
-              <a:gd name="connsiteX39" fmla="*/ 10529967 w 12192417"/>
-              <a:gd name="connsiteY39" fmla="*/ 276043 h 5095933"/>
-              <a:gd name="connsiteX40" fmla="*/ 10807938 w 12192417"/>
-              <a:gd name="connsiteY40" fmla="*/ 236809 h 5095933"/>
-              <a:gd name="connsiteX41" fmla="*/ 11084689 w 12192417"/>
-              <a:gd name="connsiteY41" fmla="*/ 194772 h 5095933"/>
-              <a:gd name="connsiteX42" fmla="*/ 11362660 w 12192417"/>
-              <a:gd name="connsiteY42" fmla="*/ 153085 h 5095933"/>
-              <a:gd name="connsiteX43" fmla="*/ 11639411 w 12192417"/>
-              <a:gd name="connsiteY43" fmla="*/ 104392 h 5095933"/>
-              <a:gd name="connsiteX44" fmla="*/ 11914944 w 12192417"/>
-              <a:gd name="connsiteY44" fmla="*/ 54648 h 5095933"/>
-              <a:gd name="connsiteX45" fmla="*/ 12191695 w 12192417"/>
-              <a:gd name="connsiteY45" fmla="*/ 2452 h 5095933"/>
-              <a:gd name="connsiteX46" fmla="*/ 12191695 w 12192417"/>
-              <a:gd name="connsiteY46" fmla="*/ 2162231 h 5095933"/>
-              <a:gd name="connsiteX47" fmla="*/ 12192417 w 12192417"/>
-              <a:gd name="connsiteY47" fmla="*/ 2162231 h 5095933"/>
-              <a:gd name="connsiteX48" fmla="*/ 12192417 w 12192417"/>
-              <a:gd name="connsiteY48" fmla="*/ 5095933 h 5095933"/>
-              <a:gd name="connsiteX49" fmla="*/ 0 w 12192417"/>
-              <a:gd name="connsiteY49" fmla="*/ 5095933 h 5095933"/>
-              <a:gd name="connsiteX50" fmla="*/ 0 w 12192417"/>
-              <a:gd name="connsiteY50" fmla="*/ 2791958 h 5095933"/>
-              <a:gd name="connsiteX51" fmla="*/ 0 w 12192417"/>
-              <a:gd name="connsiteY51" fmla="*/ 2162231 h 5095933"/>
-            </a:gdLst>
-            <a:ahLst/>
-            <a:cxnLst>
-              <a:cxn ang="0">
-                <a:pos x="connsiteX0" y="connsiteY0"/>
-              </a:cxn>
-              <a:cxn ang="0">
-                <a:pos x="connsiteX1" y="connsiteY1"/>
-              </a:cxn>
-              <a:cxn ang="0">
-                <a:pos x="connsiteX2" y="connsiteY2"/>
-              </a:cxn>
-              <a:cxn ang="0">
-                <a:pos x="connsiteX3" y="connsiteY3"/>
-              </a:cxn>
-              <a:cxn ang="0">
-                <a:pos x="connsiteX4" y="connsiteY4"/>
-              </a:cxn>
-              <a:cxn ang="0">
-                <a:pos x="connsiteX5" y="connsiteY5"/>
-              </a:cxn>
-              <a:cxn ang="0">
-                <a:pos x="connsiteX6" y="connsiteY6"/>
-              </a:cxn>
-              <a:cxn ang="0">
-                <a:pos x="connsiteX7" y="connsiteY7"/>
-              </a:cxn>
-              <a:cxn ang="0">
-                <a:pos x="connsiteX8" y="connsiteY8"/>
-              </a:cxn>
-              <a:cxn ang="0">
-                <a:pos x="connsiteX9" y="connsiteY9"/>
-              </a:cxn>
-              <a:cxn ang="0">
-                <a:pos x="connsiteX10" y="connsiteY10"/>
-              </a:cxn>
-              <a:cxn ang="0">
-                <a:pos x="connsiteX11" y="connsiteY11"/>
-              </a:cxn>
-              <a:cxn ang="0">
-                <a:pos x="connsiteX12" y="connsiteY12"/>
-              </a:cxn>
-              <a:cxn ang="0">
-                <a:pos x="connsiteX13" y="connsiteY13"/>
-              </a:cxn>
-              <a:cxn ang="0">
-                <a:pos x="connsiteX14" y="connsiteY14"/>
-              </a:cxn>
-              <a:cxn ang="0">
-                <a:pos x="connsiteX15" y="connsiteY15"/>
-              </a:cxn>
-              <a:cxn ang="0">
-                <a:pos x="connsiteX16" y="connsiteY16"/>
-              </a:cxn>
-              <a:cxn ang="0">
-                <a:pos x="connsiteX17" y="connsiteY17"/>
-              </a:cxn>
-              <a:cxn ang="0">
-                <a:pos x="connsiteX18" y="connsiteY18"/>
-              </a:cxn>
-              <a:cxn ang="0">
-                <a:pos x="connsiteX19" y="connsiteY19"/>
-              </a:cxn>
-              <a:cxn ang="0">
-                <a:pos x="connsiteX20" y="connsiteY20"/>
-              </a:cxn>
-              <a:cxn ang="0">
-                <a:pos x="connsiteX21" y="connsiteY21"/>
-              </a:cxn>
-              <a:cxn ang="0">
-                <a:pos x="connsiteX22" y="connsiteY22"/>
-              </a:cxn>
-              <a:cxn ang="0">
-                <a:pos x="connsiteX23" y="connsiteY23"/>
-              </a:cxn>
-              <a:cxn ang="0">
-                <a:pos x="connsiteX24" y="connsiteY24"/>
-              </a:cxn>
-              <a:cxn ang="0">
-                <a:pos x="connsiteX25" y="connsiteY25"/>
-              </a:cxn>
-              <a:cxn ang="0">
-                <a:pos x="connsiteX26" y="connsiteY26"/>
-              </a:cxn>
-              <a:cxn ang="0">
-                <a:pos x="connsiteX27" y="connsiteY27"/>
-              </a:cxn>
-              <a:cxn ang="0">
-                <a:pos x="connsiteX28" y="connsiteY28"/>
-              </a:cxn>
-              <a:cxn ang="0">
-                <a:pos x="connsiteX29" y="connsiteY29"/>
-              </a:cxn>
-              <a:cxn ang="0">
-                <a:pos x="connsiteX30" y="connsiteY30"/>
-              </a:cxn>
-              <a:cxn ang="0">
-                <a:pos x="connsiteX31" y="connsiteY31"/>
-              </a:cxn>
-              <a:cxn ang="0">
-                <a:pos x="connsiteX32" y="connsiteY32"/>
-              </a:cxn>
-              <a:cxn ang="0">
-                <a:pos x="connsiteX33" y="connsiteY33"/>
-              </a:cxn>
-              <a:cxn ang="0">
-                <a:pos x="connsiteX34" y="connsiteY34"/>
-              </a:cxn>
-              <a:cxn ang="0">
-                <a:pos x="connsiteX35" y="connsiteY35"/>
-              </a:cxn>
-              <a:cxn ang="0">
-                <a:pos x="connsiteX36" y="connsiteY36"/>
-              </a:cxn>
-              <a:cxn ang="0">
-                <a:pos x="connsiteX37" y="connsiteY37"/>
-              </a:cxn>
-              <a:cxn ang="0">
-                <a:pos x="connsiteX38" y="connsiteY38"/>
-              </a:cxn>
-              <a:cxn ang="0">
-                <a:pos x="connsiteX39" y="connsiteY39"/>
-              </a:cxn>
-              <a:cxn ang="0">
-                <a:pos x="connsiteX40" y="connsiteY40"/>
-              </a:cxn>
-              <a:cxn ang="0">
-                <a:pos x="connsiteX41" y="connsiteY41"/>
-              </a:cxn>
-              <a:cxn ang="0">
-                <a:pos x="connsiteX42" y="connsiteY42"/>
-              </a:cxn>
-              <a:cxn ang="0">
-                <a:pos x="connsiteX43" y="connsiteY43"/>
-              </a:cxn>
-              <a:cxn ang="0">
-                <a:pos x="connsiteX44" y="connsiteY44"/>
-              </a:cxn>
-              <a:cxn ang="0">
-                <a:pos x="connsiteX45" y="connsiteY45"/>
-              </a:cxn>
-              <a:cxn ang="0">
-                <a:pos x="connsiteX46" y="connsiteY46"/>
-              </a:cxn>
-              <a:cxn ang="0">
-                <a:pos x="connsiteX47" y="connsiteY47"/>
-              </a:cxn>
-              <a:cxn ang="0">
-                <a:pos x="connsiteX48" y="connsiteY48"/>
-              </a:cxn>
-              <a:cxn ang="0">
-                <a:pos x="connsiteX49" y="connsiteY49"/>
-              </a:cxn>
-              <a:cxn ang="0">
-                <a:pos x="connsiteX50" y="connsiteY50"/>
-              </a:cxn>
-              <a:cxn ang="0">
-                <a:pos x="connsiteX51" y="connsiteY51"/>
-              </a:cxn>
-            </a:cxnLst>
-            <a:rect l="l" t="t" r="r" b="b"/>
-            <a:pathLst>
-              <a:path w="12192417" h="5095933">
+              <a:path w="2827606" h="1015663" fill="none" extrusionOk="0">
                 <a:moveTo>
                   <a:pt x="0" y="0"/>
                 </a:moveTo>
-                <a:lnTo>
-                  <a:pt x="71931" y="12261"/>
-                </a:lnTo>
-                <a:lnTo>
-                  <a:pt x="282848" y="48343"/>
-                </a:lnTo>
-                <a:lnTo>
-                  <a:pt x="436463" y="73565"/>
-                </a:lnTo>
-                <a:lnTo>
-                  <a:pt x="619338" y="100188"/>
-                </a:lnTo>
-                <a:lnTo>
-                  <a:pt x="836350" y="132066"/>
-                </a:lnTo>
-                <a:lnTo>
-                  <a:pt x="1076527" y="165696"/>
-                </a:lnTo>
-                <a:lnTo>
-                  <a:pt x="1347183" y="201077"/>
-                </a:lnTo>
-                <a:lnTo>
-                  <a:pt x="1642222" y="238560"/>
-                </a:lnTo>
-                <a:lnTo>
-                  <a:pt x="1962863" y="276043"/>
-                </a:lnTo>
-                <a:lnTo>
-                  <a:pt x="2304231" y="314227"/>
-                </a:lnTo>
-                <a:lnTo>
-                  <a:pt x="2672420" y="349608"/>
-                </a:lnTo>
-                <a:lnTo>
-                  <a:pt x="3057677" y="383588"/>
-                </a:lnTo>
-                <a:lnTo>
-                  <a:pt x="3464880" y="414415"/>
-                </a:lnTo>
-                <a:lnTo>
-                  <a:pt x="3889151" y="443841"/>
-                </a:lnTo>
-                <a:lnTo>
-                  <a:pt x="4331709" y="471515"/>
-                </a:lnTo>
-                <a:lnTo>
-                  <a:pt x="4558475" y="481324"/>
-                </a:lnTo>
-                <a:lnTo>
-                  <a:pt x="4790117" y="492183"/>
-                </a:lnTo>
-                <a:lnTo>
-                  <a:pt x="5025417" y="502342"/>
-                </a:lnTo>
-                <a:lnTo>
-                  <a:pt x="5261936" y="508998"/>
-                </a:lnTo>
-                <a:lnTo>
-                  <a:pt x="5503331" y="514953"/>
-                </a:lnTo>
-                <a:lnTo>
-                  <a:pt x="5747166" y="521259"/>
-                </a:lnTo>
-                <a:lnTo>
-                  <a:pt x="5995876" y="525463"/>
-                </a:lnTo>
-                <a:lnTo>
-                  <a:pt x="6247025" y="525463"/>
-                </a:lnTo>
-                <a:lnTo>
-                  <a:pt x="6500612" y="527565"/>
-                </a:lnTo>
-                <a:lnTo>
-                  <a:pt x="6756638" y="525463"/>
-                </a:lnTo>
-                <a:lnTo>
-                  <a:pt x="7016321" y="521259"/>
-                </a:lnTo>
-                <a:lnTo>
-                  <a:pt x="7276004" y="517406"/>
-                </a:lnTo>
-                <a:lnTo>
-                  <a:pt x="7539344" y="508998"/>
-                </a:lnTo>
-                <a:lnTo>
-                  <a:pt x="7805123" y="500241"/>
-                </a:lnTo>
-                <a:lnTo>
-                  <a:pt x="8070902" y="490082"/>
-                </a:lnTo>
-                <a:lnTo>
-                  <a:pt x="8339120" y="475719"/>
-                </a:lnTo>
-                <a:lnTo>
-                  <a:pt x="8609775" y="458554"/>
-                </a:lnTo>
-                <a:lnTo>
-                  <a:pt x="8881650" y="442089"/>
-                </a:lnTo>
-                <a:lnTo>
-                  <a:pt x="9153525" y="421071"/>
-                </a:lnTo>
-                <a:lnTo>
-                  <a:pt x="9429057" y="395849"/>
-                </a:lnTo>
-                <a:lnTo>
-                  <a:pt x="9700932" y="370626"/>
-                </a:lnTo>
-                <a:lnTo>
-                  <a:pt x="9977683" y="341551"/>
-                </a:lnTo>
-                <a:lnTo>
-                  <a:pt x="10255654" y="309673"/>
-                </a:lnTo>
-                <a:lnTo>
-                  <a:pt x="10529967" y="276043"/>
-                </a:lnTo>
-                <a:lnTo>
-                  <a:pt x="10807938" y="236809"/>
-                </a:lnTo>
-                <a:lnTo>
-                  <a:pt x="11084689" y="194772"/>
-                </a:lnTo>
-                <a:lnTo>
-                  <a:pt x="11362660" y="153085"/>
-                </a:lnTo>
-                <a:lnTo>
-                  <a:pt x="11639411" y="104392"/>
-                </a:lnTo>
-                <a:lnTo>
-                  <a:pt x="11914944" y="54648"/>
-                </a:lnTo>
-                <a:lnTo>
-                  <a:pt x="12191695" y="2452"/>
-                </a:lnTo>
-                <a:lnTo>
-                  <a:pt x="12191695" y="2162231"/>
-                </a:lnTo>
-                <a:lnTo>
-                  <a:pt x="12192417" y="2162231"/>
-                </a:lnTo>
-                <a:lnTo>
-                  <a:pt x="12192417" y="5095933"/>
-                </a:lnTo>
-                <a:lnTo>
-                  <a:pt x="0" y="5095933"/>
-                </a:lnTo>
-                <a:lnTo>
-                  <a:pt x="0" y="2791958"/>
-                </a:lnTo>
-                <a:lnTo>
-                  <a:pt x="0" y="2162231"/>
-                </a:lnTo>
+                <a:cubicBezTo>
+                  <a:pt x="295948" y="-71944"/>
+                  <a:pt x="313030" y="67701"/>
+                  <a:pt x="622073" y="0"/>
+                </a:cubicBezTo>
+                <a:cubicBezTo>
+                  <a:pt x="931116" y="-67701"/>
+                  <a:pt x="1061771" y="41529"/>
+                  <a:pt x="1215871" y="0"/>
+                </a:cubicBezTo>
+                <a:cubicBezTo>
+                  <a:pt x="1369971" y="-41529"/>
+                  <a:pt x="1500097" y="3157"/>
+                  <a:pt x="1696564" y="0"/>
+                </a:cubicBezTo>
+                <a:cubicBezTo>
+                  <a:pt x="1893031" y="-3157"/>
+                  <a:pt x="2124539" y="65154"/>
+                  <a:pt x="2262085" y="0"/>
+                </a:cubicBezTo>
+                <a:cubicBezTo>
+                  <a:pt x="2399631" y="-65154"/>
+                  <a:pt x="2599208" y="45752"/>
+                  <a:pt x="2827606" y="0"/>
+                </a:cubicBezTo>
+                <a:cubicBezTo>
+                  <a:pt x="2836870" y="241078"/>
+                  <a:pt x="2781299" y="331848"/>
+                  <a:pt x="2827606" y="497675"/>
+                </a:cubicBezTo>
+                <a:cubicBezTo>
+                  <a:pt x="2873913" y="663502"/>
+                  <a:pt x="2775105" y="781660"/>
+                  <a:pt x="2827606" y="1015663"/>
+                </a:cubicBezTo>
+                <a:cubicBezTo>
+                  <a:pt x="2632501" y="1047687"/>
+                  <a:pt x="2460575" y="966647"/>
+                  <a:pt x="2346913" y="1015663"/>
+                </a:cubicBezTo>
+                <a:cubicBezTo>
+                  <a:pt x="2233251" y="1064679"/>
+                  <a:pt x="2030414" y="987434"/>
+                  <a:pt x="1809668" y="1015663"/>
+                </a:cubicBezTo>
+                <a:cubicBezTo>
+                  <a:pt x="1588923" y="1043892"/>
+                  <a:pt x="1476447" y="948793"/>
+                  <a:pt x="1215871" y="1015663"/>
+                </a:cubicBezTo>
+                <a:cubicBezTo>
+                  <a:pt x="955295" y="1082533"/>
+                  <a:pt x="769783" y="973085"/>
+                  <a:pt x="622073" y="1015663"/>
+                </a:cubicBezTo>
+                <a:cubicBezTo>
+                  <a:pt x="474363" y="1058241"/>
+                  <a:pt x="188861" y="1013889"/>
+                  <a:pt x="0" y="1015663"/>
+                </a:cubicBezTo>
+                <a:cubicBezTo>
+                  <a:pt x="-37435" y="879317"/>
+                  <a:pt x="3940" y="645052"/>
+                  <a:pt x="0" y="507832"/>
+                </a:cubicBezTo>
+                <a:cubicBezTo>
+                  <a:pt x="-3940" y="370612"/>
+                  <a:pt x="42361" y="120915"/>
+                  <a:pt x="0" y="0"/>
+                </a:cubicBezTo>
+                <a:close/>
+              </a:path>
+              <a:path w="2827606" h="1015663" stroke="0" extrusionOk="0">
+                <a:moveTo>
+                  <a:pt x="0" y="0"/>
+                </a:moveTo>
+                <a:cubicBezTo>
+                  <a:pt x="155634" y="-27539"/>
+                  <a:pt x="440276" y="21119"/>
+                  <a:pt x="565521" y="0"/>
+                </a:cubicBezTo>
+                <a:cubicBezTo>
+                  <a:pt x="690766" y="-21119"/>
+                  <a:pt x="912794" y="7776"/>
+                  <a:pt x="1159318" y="0"/>
+                </a:cubicBezTo>
+                <a:cubicBezTo>
+                  <a:pt x="1405842" y="-7776"/>
+                  <a:pt x="1489557" y="42933"/>
+                  <a:pt x="1640011" y="0"/>
+                </a:cubicBezTo>
+                <a:cubicBezTo>
+                  <a:pt x="1790465" y="-42933"/>
+                  <a:pt x="1960319" y="44827"/>
+                  <a:pt x="2205533" y="0"/>
+                </a:cubicBezTo>
+                <a:cubicBezTo>
+                  <a:pt x="2450747" y="-44827"/>
+                  <a:pt x="2516944" y="7397"/>
+                  <a:pt x="2827606" y="0"/>
+                </a:cubicBezTo>
+                <a:cubicBezTo>
+                  <a:pt x="2858683" y="231376"/>
+                  <a:pt x="2771618" y="372373"/>
+                  <a:pt x="2827606" y="477362"/>
+                </a:cubicBezTo>
+                <a:cubicBezTo>
+                  <a:pt x="2883594" y="582351"/>
+                  <a:pt x="2783171" y="823595"/>
+                  <a:pt x="2827606" y="1015663"/>
+                </a:cubicBezTo>
+                <a:cubicBezTo>
+                  <a:pt x="2672325" y="1048050"/>
+                  <a:pt x="2478326" y="960946"/>
+                  <a:pt x="2346913" y="1015663"/>
+                </a:cubicBezTo>
+                <a:cubicBezTo>
+                  <a:pt x="2215500" y="1070380"/>
+                  <a:pt x="2074018" y="992123"/>
+                  <a:pt x="1809668" y="1015663"/>
+                </a:cubicBezTo>
+                <a:cubicBezTo>
+                  <a:pt x="1545318" y="1039203"/>
+                  <a:pt x="1395237" y="955813"/>
+                  <a:pt x="1215871" y="1015663"/>
+                </a:cubicBezTo>
+                <a:cubicBezTo>
+                  <a:pt x="1036505" y="1075513"/>
+                  <a:pt x="865307" y="955457"/>
+                  <a:pt x="593797" y="1015663"/>
+                </a:cubicBezTo>
+                <a:cubicBezTo>
+                  <a:pt x="322287" y="1075869"/>
+                  <a:pt x="206790" y="974851"/>
+                  <a:pt x="0" y="1015663"/>
+                </a:cubicBezTo>
+                <a:cubicBezTo>
+                  <a:pt x="-33116" y="870170"/>
+                  <a:pt x="7775" y="656774"/>
+                  <a:pt x="0" y="517988"/>
+                </a:cubicBezTo>
+                <a:cubicBezTo>
+                  <a:pt x="-7775" y="379202"/>
+                  <a:pt x="50017" y="170989"/>
+                  <a:pt x="0" y="0"/>
+                </a:cubicBezTo>
                 <a:close/>
               </a:path>
             </a:pathLst>
           </a:custGeom>
           <a:ln>
-            <a:noFill/>
+            <a:extLst>
+              <a:ext uri="{C807C97D-BFC1-408E-A445-0C87EB9F89A2}">
+                <ask:lineSketchStyleProps xmlns:ask="http://schemas.microsoft.com/office/drawing/2018/sketchyshapes" sd="3950756230">
+                  <a:custGeom>
+                    <a:avLst/>
+                    <a:gdLst>
+                      <a:gd name="connsiteX0" fmla="*/ 0 w 2827606"/>
+                      <a:gd name="connsiteY0" fmla="*/ 0 h 1231106"/>
+                      <a:gd name="connsiteX1" fmla="*/ 622073 w 2827606"/>
+                      <a:gd name="connsiteY1" fmla="*/ 0 h 1231106"/>
+                      <a:gd name="connsiteX2" fmla="*/ 1215871 w 2827606"/>
+                      <a:gd name="connsiteY2" fmla="*/ 0 h 1231106"/>
+                      <a:gd name="connsiteX3" fmla="*/ 1696564 w 2827606"/>
+                      <a:gd name="connsiteY3" fmla="*/ 0 h 1231106"/>
+                      <a:gd name="connsiteX4" fmla="*/ 2262085 w 2827606"/>
+                      <a:gd name="connsiteY4" fmla="*/ 0 h 1231106"/>
+                      <a:gd name="connsiteX5" fmla="*/ 2827606 w 2827606"/>
+                      <a:gd name="connsiteY5" fmla="*/ 0 h 1231106"/>
+                      <a:gd name="connsiteX6" fmla="*/ 2827606 w 2827606"/>
+                      <a:gd name="connsiteY6" fmla="*/ 603242 h 1231106"/>
+                      <a:gd name="connsiteX7" fmla="*/ 2827606 w 2827606"/>
+                      <a:gd name="connsiteY7" fmla="*/ 1231106 h 1231106"/>
+                      <a:gd name="connsiteX8" fmla="*/ 2346913 w 2827606"/>
+                      <a:gd name="connsiteY8" fmla="*/ 1231106 h 1231106"/>
+                      <a:gd name="connsiteX9" fmla="*/ 1809668 w 2827606"/>
+                      <a:gd name="connsiteY9" fmla="*/ 1231106 h 1231106"/>
+                      <a:gd name="connsiteX10" fmla="*/ 1215871 w 2827606"/>
+                      <a:gd name="connsiteY10" fmla="*/ 1231106 h 1231106"/>
+                      <a:gd name="connsiteX11" fmla="*/ 622073 w 2827606"/>
+                      <a:gd name="connsiteY11" fmla="*/ 1231106 h 1231106"/>
+                      <a:gd name="connsiteX12" fmla="*/ 0 w 2827606"/>
+                      <a:gd name="connsiteY12" fmla="*/ 1231106 h 1231106"/>
+                      <a:gd name="connsiteX13" fmla="*/ 0 w 2827606"/>
+                      <a:gd name="connsiteY13" fmla="*/ 615553 h 1231106"/>
+                      <a:gd name="connsiteX14" fmla="*/ 0 w 2827606"/>
+                      <a:gd name="connsiteY14" fmla="*/ 0 h 1231106"/>
+                      <a:gd name="connsiteX0" fmla="*/ 0 w 2827606"/>
+                      <a:gd name="connsiteY0" fmla="*/ 0 h 1231106"/>
+                      <a:gd name="connsiteX1" fmla="*/ 565521 w 2827606"/>
+                      <a:gd name="connsiteY1" fmla="*/ 0 h 1231106"/>
+                      <a:gd name="connsiteX2" fmla="*/ 1159318 w 2827606"/>
+                      <a:gd name="connsiteY2" fmla="*/ 0 h 1231106"/>
+                      <a:gd name="connsiteX3" fmla="*/ 1640011 w 2827606"/>
+                      <a:gd name="connsiteY3" fmla="*/ 0 h 1231106"/>
+                      <a:gd name="connsiteX4" fmla="*/ 2205533 w 2827606"/>
+                      <a:gd name="connsiteY4" fmla="*/ 0 h 1231106"/>
+                      <a:gd name="connsiteX5" fmla="*/ 2827606 w 2827606"/>
+                      <a:gd name="connsiteY5" fmla="*/ 0 h 1231106"/>
+                      <a:gd name="connsiteX6" fmla="*/ 2827606 w 2827606"/>
+                      <a:gd name="connsiteY6" fmla="*/ 578620 h 1231106"/>
+                      <a:gd name="connsiteX7" fmla="*/ 2827606 w 2827606"/>
+                      <a:gd name="connsiteY7" fmla="*/ 1231106 h 1231106"/>
+                      <a:gd name="connsiteX8" fmla="*/ 2346913 w 2827606"/>
+                      <a:gd name="connsiteY8" fmla="*/ 1231106 h 1231106"/>
+                      <a:gd name="connsiteX9" fmla="*/ 1809668 w 2827606"/>
+                      <a:gd name="connsiteY9" fmla="*/ 1231106 h 1231106"/>
+                      <a:gd name="connsiteX10" fmla="*/ 1215871 w 2827606"/>
+                      <a:gd name="connsiteY10" fmla="*/ 1231106 h 1231106"/>
+                      <a:gd name="connsiteX11" fmla="*/ 593797 w 2827606"/>
+                      <a:gd name="connsiteY11" fmla="*/ 1231106 h 1231106"/>
+                      <a:gd name="connsiteX12" fmla="*/ 0 w 2827606"/>
+                      <a:gd name="connsiteY12" fmla="*/ 1231106 h 1231106"/>
+                      <a:gd name="connsiteX13" fmla="*/ 0 w 2827606"/>
+                      <a:gd name="connsiteY13" fmla="*/ 627863 h 1231106"/>
+                      <a:gd name="connsiteX14" fmla="*/ 0 w 2827606"/>
+                      <a:gd name="connsiteY14" fmla="*/ 0 h 1231106"/>
+                    </a:gdLst>
+                    <a:ahLst/>
+                    <a:cxnLst>
+                      <a:cxn ang="0">
+                        <a:pos x="connsiteX0" y="connsiteY0"/>
+                      </a:cxn>
+                      <a:cxn ang="0">
+                        <a:pos x="connsiteX1" y="connsiteY1"/>
+                      </a:cxn>
+                      <a:cxn ang="0">
+                        <a:pos x="connsiteX2" y="connsiteY2"/>
+                      </a:cxn>
+                      <a:cxn ang="0">
+                        <a:pos x="connsiteX3" y="connsiteY3"/>
+                      </a:cxn>
+                      <a:cxn ang="0">
+                        <a:pos x="connsiteX4" y="connsiteY4"/>
+                      </a:cxn>
+                      <a:cxn ang="0">
+                        <a:pos x="connsiteX5" y="connsiteY5"/>
+                      </a:cxn>
+                      <a:cxn ang="0">
+                        <a:pos x="connsiteX6" y="connsiteY6"/>
+                      </a:cxn>
+                      <a:cxn ang="0">
+                        <a:pos x="connsiteX7" y="connsiteY7"/>
+                      </a:cxn>
+                      <a:cxn ang="0">
+                        <a:pos x="connsiteX8" y="connsiteY8"/>
+                      </a:cxn>
+                      <a:cxn ang="0">
+                        <a:pos x="connsiteX9" y="connsiteY9"/>
+                      </a:cxn>
+                      <a:cxn ang="0">
+                        <a:pos x="connsiteX10" y="connsiteY10"/>
+                      </a:cxn>
+                      <a:cxn ang="0">
+                        <a:pos x="connsiteX11" y="connsiteY11"/>
+                      </a:cxn>
+                      <a:cxn ang="0">
+                        <a:pos x="connsiteX12" y="connsiteY12"/>
+                      </a:cxn>
+                      <a:cxn ang="0">
+                        <a:pos x="connsiteX13" y="connsiteY13"/>
+                      </a:cxn>
+                      <a:cxn ang="0">
+                        <a:pos x="connsiteX14" y="connsiteY14"/>
+                      </a:cxn>
+                    </a:cxnLst>
+                    <a:rect l="l" t="t" r="r" b="b"/>
+                    <a:pathLst>
+                      <a:path w="2827606" h="1231106" fill="none" extrusionOk="0">
+                        <a:moveTo>
+                          <a:pt x="0" y="0"/>
+                        </a:moveTo>
+                        <a:cubicBezTo>
+                          <a:pt x="323396" y="-119148"/>
+                          <a:pt x="303076" y="79131"/>
+                          <a:pt x="622073" y="0"/>
+                        </a:cubicBezTo>
+                        <a:cubicBezTo>
+                          <a:pt x="948366" y="-97708"/>
+                          <a:pt x="1056402" y="26218"/>
+                          <a:pt x="1215871" y="0"/>
+                        </a:cubicBezTo>
+                        <a:cubicBezTo>
+                          <a:pt x="1393795" y="-30406"/>
+                          <a:pt x="1469778" y="26786"/>
+                          <a:pt x="1696564" y="0"/>
+                        </a:cubicBezTo>
+                        <a:cubicBezTo>
+                          <a:pt x="1870209" y="-38263"/>
+                          <a:pt x="2149090" y="113279"/>
+                          <a:pt x="2262085" y="0"/>
+                        </a:cubicBezTo>
+                        <a:cubicBezTo>
+                          <a:pt x="2429283" y="-122691"/>
+                          <a:pt x="2645038" y="92475"/>
+                          <a:pt x="2827606" y="0"/>
+                        </a:cubicBezTo>
+                        <a:cubicBezTo>
+                          <a:pt x="2855381" y="317420"/>
+                          <a:pt x="2752549" y="400611"/>
+                          <a:pt x="2827606" y="603242"/>
+                        </a:cubicBezTo>
+                        <a:cubicBezTo>
+                          <a:pt x="2895032" y="808464"/>
+                          <a:pt x="2755280" y="971429"/>
+                          <a:pt x="2827606" y="1231106"/>
+                        </a:cubicBezTo>
+                        <a:cubicBezTo>
+                          <a:pt x="2646831" y="1297023"/>
+                          <a:pt x="2461535" y="1182702"/>
+                          <a:pt x="2346913" y="1231106"/>
+                        </a:cubicBezTo>
+                        <a:cubicBezTo>
+                          <a:pt x="2227782" y="1341937"/>
+                          <a:pt x="2022996" y="1168205"/>
+                          <a:pt x="1809668" y="1231106"/>
+                        </a:cubicBezTo>
+                        <a:cubicBezTo>
+                          <a:pt x="1618423" y="1237196"/>
+                          <a:pt x="1481291" y="1139607"/>
+                          <a:pt x="1215871" y="1231106"/>
+                        </a:cubicBezTo>
+                        <a:cubicBezTo>
+                          <a:pt x="972517" y="1322481"/>
+                          <a:pt x="804608" y="1149594"/>
+                          <a:pt x="622073" y="1231106"/>
+                        </a:cubicBezTo>
+                        <a:cubicBezTo>
+                          <a:pt x="467063" y="1292162"/>
+                          <a:pt x="173773" y="1234537"/>
+                          <a:pt x="0" y="1231106"/>
+                        </a:cubicBezTo>
+                        <a:cubicBezTo>
+                          <a:pt x="-59994" y="1032927"/>
+                          <a:pt x="-8856" y="751109"/>
+                          <a:pt x="0" y="615553"/>
+                        </a:cubicBezTo>
+                        <a:cubicBezTo>
+                          <a:pt x="-14339" y="443150"/>
+                          <a:pt x="59507" y="111875"/>
+                          <a:pt x="0" y="0"/>
+                        </a:cubicBezTo>
+                        <a:close/>
+                      </a:path>
+                      <a:path w="2827606" h="1231106" stroke="0" extrusionOk="0">
+                        <a:moveTo>
+                          <a:pt x="0" y="0"/>
+                        </a:moveTo>
+                        <a:cubicBezTo>
+                          <a:pt x="162561" y="-31848"/>
+                          <a:pt x="427562" y="4135"/>
+                          <a:pt x="565521" y="0"/>
+                        </a:cubicBezTo>
+                        <a:cubicBezTo>
+                          <a:pt x="705126" y="-41574"/>
+                          <a:pt x="903134" y="-15256"/>
+                          <a:pt x="1159318" y="0"/>
+                        </a:cubicBezTo>
+                        <a:cubicBezTo>
+                          <a:pt x="1412965" y="-18307"/>
+                          <a:pt x="1466590" y="67310"/>
+                          <a:pt x="1640011" y="0"/>
+                        </a:cubicBezTo>
+                        <a:cubicBezTo>
+                          <a:pt x="1745504" y="-47223"/>
+                          <a:pt x="1958983" y="46108"/>
+                          <a:pt x="2205533" y="0"/>
+                        </a:cubicBezTo>
+                        <a:cubicBezTo>
+                          <a:pt x="2462077" y="-44526"/>
+                          <a:pt x="2511900" y="-12619"/>
+                          <a:pt x="2827606" y="0"/>
+                        </a:cubicBezTo>
+                        <a:cubicBezTo>
+                          <a:pt x="2876705" y="303033"/>
+                          <a:pt x="2762085" y="423304"/>
+                          <a:pt x="2827606" y="578620"/>
+                        </a:cubicBezTo>
+                        <a:cubicBezTo>
+                          <a:pt x="2881685" y="712217"/>
+                          <a:pt x="2789478" y="1013508"/>
+                          <a:pt x="2827606" y="1231106"/>
+                        </a:cubicBezTo>
+                        <a:cubicBezTo>
+                          <a:pt x="2678614" y="1247898"/>
+                          <a:pt x="2472282" y="1167305"/>
+                          <a:pt x="2346913" y="1231106"/>
+                        </a:cubicBezTo>
+                        <a:cubicBezTo>
+                          <a:pt x="2259560" y="1301389"/>
+                          <a:pt x="2097537" y="1234755"/>
+                          <a:pt x="1809668" y="1231106"/>
+                        </a:cubicBezTo>
+                        <a:cubicBezTo>
+                          <a:pt x="1595964" y="1268639"/>
+                          <a:pt x="1370029" y="1174146"/>
+                          <a:pt x="1215871" y="1231106"/>
+                        </a:cubicBezTo>
+                        <a:cubicBezTo>
+                          <a:pt x="1020470" y="1264373"/>
+                          <a:pt x="864823" y="1164076"/>
+                          <a:pt x="593797" y="1231106"/>
+                        </a:cubicBezTo>
+                        <a:cubicBezTo>
+                          <a:pt x="338151" y="1282421"/>
+                          <a:pt x="225790" y="1218161"/>
+                          <a:pt x="0" y="1231106"/>
+                        </a:cubicBezTo>
+                        <a:cubicBezTo>
+                          <a:pt x="-5613" y="1030515"/>
+                          <a:pt x="13611" y="786786"/>
+                          <a:pt x="0" y="627863"/>
+                        </a:cubicBezTo>
+                        <a:cubicBezTo>
+                          <a:pt x="42995" y="448309"/>
+                          <a:pt x="36018" y="199781"/>
+                          <a:pt x="0" y="0"/>
+                        </a:cubicBezTo>
+                        <a:close/>
+                      </a:path>
+                      <a:path w="2827606" h="1231106" fill="none" stroke="0" extrusionOk="0">
+                        <a:moveTo>
+                          <a:pt x="0" y="0"/>
+                        </a:moveTo>
+                        <a:cubicBezTo>
+                          <a:pt x="294465" y="-46746"/>
+                          <a:pt x="320088" y="91678"/>
+                          <a:pt x="622073" y="0"/>
+                        </a:cubicBezTo>
+                        <a:cubicBezTo>
+                          <a:pt x="931498" y="-77990"/>
+                          <a:pt x="1023216" y="56358"/>
+                          <a:pt x="1215871" y="0"/>
+                        </a:cubicBezTo>
+                        <a:cubicBezTo>
+                          <a:pt x="1345702" y="-62159"/>
+                          <a:pt x="1507965" y="-22056"/>
+                          <a:pt x="1696564" y="0"/>
+                        </a:cubicBezTo>
+                        <a:cubicBezTo>
+                          <a:pt x="1898596" y="-11079"/>
+                          <a:pt x="2113722" y="70484"/>
+                          <a:pt x="2262085" y="0"/>
+                        </a:cubicBezTo>
+                        <a:cubicBezTo>
+                          <a:pt x="2404612" y="-61279"/>
+                          <a:pt x="2589174" y="-13964"/>
+                          <a:pt x="2827606" y="0"/>
+                        </a:cubicBezTo>
+                        <a:cubicBezTo>
+                          <a:pt x="2860119" y="266398"/>
+                          <a:pt x="2779827" y="410041"/>
+                          <a:pt x="2827606" y="603242"/>
+                        </a:cubicBezTo>
+                        <a:cubicBezTo>
+                          <a:pt x="2919155" y="814378"/>
+                          <a:pt x="2763902" y="930410"/>
+                          <a:pt x="2827606" y="1231106"/>
+                        </a:cubicBezTo>
+                        <a:cubicBezTo>
+                          <a:pt x="2664559" y="1269272"/>
+                          <a:pt x="2466164" y="1172838"/>
+                          <a:pt x="2346913" y="1231106"/>
+                        </a:cubicBezTo>
+                        <a:cubicBezTo>
+                          <a:pt x="2249068" y="1288346"/>
+                          <a:pt x="1981199" y="1196311"/>
+                          <a:pt x="1809668" y="1231106"/>
+                        </a:cubicBezTo>
+                        <a:cubicBezTo>
+                          <a:pt x="1555253" y="1240107"/>
+                          <a:pt x="1492985" y="1170653"/>
+                          <a:pt x="1215871" y="1231106"/>
+                        </a:cubicBezTo>
+                        <a:cubicBezTo>
+                          <a:pt x="913830" y="1323783"/>
+                          <a:pt x="776321" y="1196235"/>
+                          <a:pt x="622073" y="1231106"/>
+                        </a:cubicBezTo>
+                        <a:cubicBezTo>
+                          <a:pt x="517710" y="1302710"/>
+                          <a:pt x="138948" y="1250113"/>
+                          <a:pt x="0" y="1231106"/>
+                        </a:cubicBezTo>
+                        <a:cubicBezTo>
+                          <a:pt x="-14465" y="1056467"/>
+                          <a:pt x="42844" y="779923"/>
+                          <a:pt x="0" y="615553"/>
+                        </a:cubicBezTo>
+                        <a:cubicBezTo>
+                          <a:pt x="-19537" y="430198"/>
+                          <a:pt x="34757" y="142227"/>
+                          <a:pt x="0" y="0"/>
+                        </a:cubicBezTo>
+                        <a:close/>
+                      </a:path>
+                    </a:pathLst>
+                  </a:custGeom>
+                  <ask:type>
+                    <ask:lineSketchScribble/>
+                  </ask:type>
+                </ask:lineSketchStyleProps>
+              </a:ext>
+            </a:extLst>
           </a:ln>
         </p:spPr>
-      </p:sp>
-      <p:pic>
-        <p:nvPicPr>
-          <p:cNvPr id="8" name="Picture 7">
-            <a:extLst>
-              <a:ext uri="{FF2B5EF4-FFF2-40B4-BE49-F238E27FC236}">
-                <a16:creationId xmlns:a16="http://schemas.microsoft.com/office/drawing/2014/main" id="{77C1937F-1515-4A2C-B7C7-9C155A986F03}"/>
-              </a:ext>
-            </a:extLst>
-          </p:cNvPr>
-          <p:cNvPicPr>
-            <a:picLocks noChangeAspect="1"/>
-          </p:cNvPicPr>
-          <p:nvPr/>
-        </p:nvPicPr>
-        <p:blipFill>
-          <a:blip r:embed="rId6"/>
-          <a:stretch>
-            <a:fillRect/>
-          </a:stretch>
-        </p:blipFill>
-        <p:spPr>
-          <a:xfrm>
-            <a:off x="653484" y="2818762"/>
-            <a:ext cx="5451627" cy="3121055"/>
-          </a:xfrm>
-          <a:prstGeom prst="rect">
-            <a:avLst/>
-          </a:prstGeom>
-          <a:effectLst/>
-        </p:spPr>
-      </p:pic>
-      <p:sp>
-        <p:nvSpPr>
-          <p:cNvPr id="4" name="TextBox 3">
-            <a:extLst>
-              <a:ext uri="{FF2B5EF4-FFF2-40B4-BE49-F238E27FC236}">
-                <a16:creationId xmlns:a16="http://schemas.microsoft.com/office/drawing/2014/main" id="{4161E92E-6D3C-4E30-89CF-EF612D09BB51}"/>
-              </a:ext>
-            </a:extLst>
-          </p:cNvPr>
-          <p:cNvSpPr txBox="1"/>
-          <p:nvPr/>
-        </p:nvSpPr>
-        <p:spPr>
-          <a:xfrm>
-            <a:off x="6421089" y="2548281"/>
-            <a:ext cx="5117427" cy="3680452"/>
-          </a:xfrm>
-          <a:prstGeom prst="rect">
-            <a:avLst/>
-          </a:prstGeom>
-        </p:spPr>
+        <p:style>
+          <a:lnRef idx="2">
+            <a:schemeClr val="accent2"/>
+          </a:lnRef>
+          <a:fillRef idx="1">
+            <a:schemeClr val="lt1"/>
+          </a:fillRef>
+          <a:effectRef idx="0">
+            <a:schemeClr val="accent2"/>
+          </a:effectRef>
+          <a:fontRef idx="minor">
+            <a:schemeClr val="dk1"/>
+          </a:fontRef>
+        </p:style>
         <p:txBody>
-          <a:bodyPr vert="horz" lIns="91440" tIns="45720" rIns="91440" bIns="45720" rtlCol="0">
-            <a:noAutofit/>
+          <a:bodyPr wrap="square" rtlCol="0">
+            <a:spAutoFit/>
           </a:bodyPr>
           <a:lstStyle/>
           <a:p>
-            <a:pPr>
+            <a:pPr marL="0" marR="0" lvl="0" indent="0" algn="l" defTabSz="457200" rtl="0" eaLnBrk="1" fontAlgn="auto" latinLnBrk="0" hangingPunct="1">
               <a:lnSpc>
-                <a:spcPct val="90000"/>
+                <a:spcPct val="100000"/>
               </a:lnSpc>
               <a:spcBef>
-                <a:spcPts val="1000"/>
+                <a:spcPts val="0"/>
               </a:spcBef>
-              <a:buClr>
-                <a:schemeClr val="bg2">
-                  <a:lumMod val="40000"/>
-                  <a:lumOff val="60000"/>
-                </a:schemeClr>
-              </a:buClr>
-              <a:buSzPct val="80000"/>
+              <a:spcAft>
+                <a:spcPts val="0"/>
+              </a:spcAft>
+              <a:buClrTx/>
+              <a:buSzTx/>
+              <a:buFontTx/>
+              <a:buNone/>
+              <a:tabLst/>
+              <a:defRPr/>
             </a:pPr>
             <a:r>
-              <a:rPr lang="en-US" sz="1700" dirty="0">
-                <a:latin typeface="+mj-lt"/>
-                <a:ea typeface="+mj-ea"/>
-                <a:cs typeface="+mj-cs"/>
+              <a:rPr kumimoji="0" lang="en-US" sz="2000" b="0" i="0" u="none" strike="noStrike" kern="1200" cap="none" spc="0" normalizeH="0" baseline="0" noProof="0" dirty="0">
+                <a:ln>
+                  <a:noFill/>
+                </a:ln>
+                <a:solidFill>
+                  <a:srgbClr val="000000"/>
+                </a:solidFill>
+                <a:effectLst/>
+                <a:uLnTx/>
+                <a:uFillTx/>
+                <a:latin typeface="Calibri" panose="020F0502020204030204" pitchFamily="34" charset="0"/>
+                <a:ea typeface="+mn-ea"/>
+                <a:cs typeface="+mn-cs"/>
               </a:rPr>
-              <a:t>A</a:t>
+              <a:t>Use of </a:t>
             </a:r>
             <a:r>
-              <a:rPr lang="en-US" sz="1700" u="none" strike="noStrike" baseline="0" dirty="0">
-                <a:latin typeface="+mj-lt"/>
-                <a:ea typeface="+mj-ea"/>
-                <a:cs typeface="+mj-cs"/>
+              <a:rPr kumimoji="0" lang="en-US" sz="2000" b="1" i="0" u="none" strike="noStrike" kern="1200" cap="none" spc="0" normalizeH="0" baseline="0" noProof="0" dirty="0">
+                <a:ln>
+                  <a:noFill/>
+                </a:ln>
+                <a:solidFill>
+                  <a:srgbClr val="000000"/>
+                </a:solidFill>
+                <a:effectLst/>
+                <a:uLnTx/>
+                <a:uFillTx/>
+                <a:latin typeface="Calibri" panose="020F0502020204030204" pitchFamily="34" charset="0"/>
+                <a:ea typeface="+mn-ea"/>
+                <a:cs typeface="+mn-cs"/>
               </a:rPr>
-              <a:t> modified version of recurrent neural networks, which makes it easier to remember past data in memory and learn long-term dependencies. The vanishing gradient problem of RNN is resolved. </a:t>
+              <a:t>LSTM</a:t>
+            </a:r>
+            <a:r>
+              <a:rPr kumimoji="0" lang="en-US" sz="2000" b="0" i="0" u="none" strike="noStrike" kern="1200" cap="none" spc="0" normalizeH="0" baseline="0" noProof="0" dirty="0">
+                <a:ln>
+                  <a:noFill/>
+                </a:ln>
+                <a:solidFill>
+                  <a:srgbClr val="000000"/>
+                </a:solidFill>
+                <a:effectLst/>
+                <a:uLnTx/>
+                <a:uFillTx/>
+                <a:latin typeface="Calibri" panose="020F0502020204030204" pitchFamily="34" charset="0"/>
+                <a:ea typeface="+mn-ea"/>
+                <a:cs typeface="+mn-cs"/>
+              </a:rPr>
+              <a:t>:</a:t>
             </a:r>
           </a:p>
           <a:p>
-            <a:pPr>
+            <a:pPr marL="342900" marR="0" lvl="0" indent="-342900" algn="l" defTabSz="457200" rtl="0" eaLnBrk="1" fontAlgn="auto" latinLnBrk="0" hangingPunct="1">
               <a:lnSpc>
-                <a:spcPct val="90000"/>
+                <a:spcPct val="100000"/>
               </a:lnSpc>
               <a:spcBef>
-                <a:spcPts val="1000"/>
+                <a:spcPts val="0"/>
               </a:spcBef>
-              <a:buClr>
-                <a:schemeClr val="bg2">
-                  <a:lumMod val="40000"/>
-                  <a:lumOff val="60000"/>
-                </a:schemeClr>
-              </a:buClr>
-              <a:buSzPct val="80000"/>
+              <a:spcAft>
+                <a:spcPts val="0"/>
+              </a:spcAft>
+              <a:buClrTx/>
+              <a:buSzTx/>
+              <a:buFont typeface="Arial" panose="020B0604020202020204" pitchFamily="34" charset="0"/>
+              <a:buChar char="•"/>
+              <a:tabLst/>
+              <a:defRPr/>
             </a:pPr>
             <a:r>
-              <a:rPr lang="en-US" sz="1700" dirty="0">
-                <a:latin typeface="+mj-lt"/>
-                <a:ea typeface="+mj-ea"/>
-                <a:cs typeface="+mj-cs"/>
+              <a:rPr lang="en-US" dirty="0">
+                <a:solidFill>
+                  <a:srgbClr val="000000"/>
+                </a:solidFill>
+                <a:latin typeface="Calibri" panose="020F0502020204030204" pitchFamily="34" charset="0"/>
               </a:rPr>
-              <a:t>W</a:t>
-            </a:r>
-            <a:r>
-              <a:rPr lang="en-US" sz="1700" u="none" strike="noStrike" baseline="0" dirty="0">
-                <a:latin typeface="+mj-lt"/>
-                <a:ea typeface="+mj-ea"/>
-                <a:cs typeface="+mj-cs"/>
-              </a:rPr>
-              <a:t>ell-suited to classify, process and predict time series given time lags of unknown duration. It trains the model by using back-propagation. </a:t>
+              <a:t>Resolves vanishing problem of RNN</a:t>
             </a:r>
           </a:p>
           <a:p>
-            <a:pPr>
+            <a:pPr marL="342900" marR="0" lvl="0" indent="-342900" algn="l" defTabSz="457200" rtl="0" eaLnBrk="1" fontAlgn="auto" latinLnBrk="0" hangingPunct="1">
               <a:lnSpc>
-                <a:spcPct val="90000"/>
+                <a:spcPct val="100000"/>
               </a:lnSpc>
               <a:spcBef>
-                <a:spcPts val="1000"/>
+                <a:spcPts val="0"/>
               </a:spcBef>
-              <a:buClr>
-                <a:schemeClr val="bg2">
-                  <a:lumMod val="40000"/>
-                  <a:lumOff val="60000"/>
-                </a:schemeClr>
-              </a:buClr>
-              <a:buSzPct val="80000"/>
+              <a:spcAft>
+                <a:spcPts val="0"/>
+              </a:spcAft>
+              <a:buClrTx/>
+              <a:buSzTx/>
+              <a:buFont typeface="Arial" panose="020B0604020202020204" pitchFamily="34" charset="0"/>
+              <a:buChar char="•"/>
+              <a:tabLst/>
+              <a:defRPr/>
             </a:pPr>
             <a:r>
-              <a:rPr lang="en-US" sz="1700" u="none" strike="noStrike" baseline="0" dirty="0">
-                <a:latin typeface="+mj-lt"/>
-                <a:ea typeface="+mj-ea"/>
-                <a:cs typeface="+mj-cs"/>
+              <a:rPr lang="en-US" dirty="0">
+                <a:solidFill>
+                  <a:srgbClr val="000000"/>
+                </a:solidFill>
+                <a:latin typeface="Calibri" panose="020F0502020204030204" pitchFamily="34" charset="0"/>
               </a:rPr>
-              <a:t>Multiple layers</a:t>
+              <a:t>Uses back-propagation</a:t>
             </a:r>
-          </a:p>
-          <a:p>
-            <a:pPr>
-              <a:spcBef>
-                <a:spcPts val="1000"/>
-              </a:spcBef>
-              <a:buClr>
-                <a:schemeClr val="bg2">
-                  <a:lumMod val="40000"/>
-                  <a:lumOff val="60000"/>
-                </a:schemeClr>
-              </a:buClr>
-              <a:buSzPct val="80000"/>
-            </a:pPr>
-            <a:r>
-              <a:rPr lang="en-US" sz="1700" u="none" strike="noStrike" baseline="0" dirty="0">
-                <a:latin typeface="+mj-lt"/>
-                <a:ea typeface="+mj-ea"/>
-                <a:cs typeface="+mj-cs"/>
-              </a:rPr>
-              <a:t>In an LSTM network, three gates are present: </a:t>
-            </a:r>
-          </a:p>
-          <a:p>
-            <a:pPr>
-              <a:lnSpc>
-                <a:spcPct val="90000"/>
-              </a:lnSpc>
-              <a:spcBef>
-                <a:spcPts val="1000"/>
-              </a:spcBef>
-              <a:buClr>
-                <a:schemeClr val="bg2">
-                  <a:lumMod val="40000"/>
-                  <a:lumOff val="60000"/>
-                </a:schemeClr>
-              </a:buClr>
-              <a:buSzPct val="80000"/>
-            </a:pPr>
-            <a:r>
-              <a:rPr lang="en-US" sz="1700" u="none" strike="noStrike" baseline="0" dirty="0">
-                <a:latin typeface="+mj-lt"/>
-                <a:ea typeface="+mj-ea"/>
-                <a:cs typeface="+mj-cs"/>
-              </a:rPr>
-              <a:t>- Input gate</a:t>
-            </a:r>
-          </a:p>
-          <a:p>
-            <a:pPr>
-              <a:lnSpc>
-                <a:spcPct val="90000"/>
-              </a:lnSpc>
-              <a:spcBef>
-                <a:spcPts val="1000"/>
-              </a:spcBef>
-              <a:buClr>
-                <a:schemeClr val="bg2">
-                  <a:lumMod val="40000"/>
-                  <a:lumOff val="60000"/>
-                </a:schemeClr>
-              </a:buClr>
-              <a:buSzPct val="80000"/>
-            </a:pPr>
-            <a:r>
-              <a:rPr lang="en-US" sz="1700" dirty="0">
-                <a:latin typeface="+mj-lt"/>
-                <a:ea typeface="+mj-ea"/>
-                <a:cs typeface="+mj-cs"/>
-              </a:rPr>
-              <a:t>- F</a:t>
-            </a:r>
-            <a:r>
-              <a:rPr lang="en-US" sz="1700" u="none" strike="noStrike" baseline="0" dirty="0">
-                <a:latin typeface="+mj-lt"/>
-                <a:ea typeface="+mj-ea"/>
-                <a:cs typeface="+mj-cs"/>
-              </a:rPr>
-              <a:t>orget gate</a:t>
-            </a:r>
-          </a:p>
-          <a:p>
-            <a:pPr>
-              <a:lnSpc>
-                <a:spcPct val="90000"/>
-              </a:lnSpc>
-              <a:spcBef>
-                <a:spcPts val="1000"/>
-              </a:spcBef>
-              <a:buClr>
-                <a:schemeClr val="bg2">
-                  <a:lumMod val="40000"/>
-                  <a:lumOff val="60000"/>
-                </a:schemeClr>
-              </a:buClr>
-              <a:buSzPct val="80000"/>
-            </a:pPr>
-            <a:r>
-              <a:rPr lang="en-US" sz="1700" dirty="0">
-                <a:latin typeface="+mj-lt"/>
-                <a:ea typeface="+mj-ea"/>
-                <a:cs typeface="+mj-cs"/>
-              </a:rPr>
-              <a:t>-</a:t>
-            </a:r>
-            <a:r>
-              <a:rPr lang="en-US" sz="1700" u="none" strike="noStrike" baseline="0" dirty="0">
-                <a:latin typeface="+mj-lt"/>
-                <a:ea typeface="+mj-ea"/>
-                <a:cs typeface="+mj-cs"/>
-              </a:rPr>
-              <a:t> Output gate</a:t>
-            </a:r>
+            <a:endParaRPr kumimoji="0" lang="en-US" b="0" i="0" u="none" strike="noStrike" kern="1200" cap="none" spc="0" normalizeH="0" baseline="0" noProof="0" dirty="0">
+              <a:ln>
+                <a:noFill/>
+              </a:ln>
+              <a:solidFill>
+                <a:srgbClr val="000000"/>
+              </a:solidFill>
+              <a:effectLst/>
+              <a:uLnTx/>
+              <a:uFillTx/>
+              <a:latin typeface="Calibri" panose="020F0502020204030204" pitchFamily="34" charset="0"/>
+              <a:ea typeface="+mn-ea"/>
+              <a:cs typeface="+mn-cs"/>
+            </a:endParaRPr>
           </a:p>
         </p:txBody>
       </p:sp>
     </p:spTree>
     <p:extLst>
       <p:ext uri="{BB962C8B-B14F-4D97-AF65-F5344CB8AC3E}">
-        <p14:creationId xmlns:p14="http://schemas.microsoft.com/office/powerpoint/2010/main" val="2467238970"/>
+        <p14:creationId xmlns:p14="http://schemas.microsoft.com/office/powerpoint/2010/main" val="1299820692"/>
       </p:ext>
     </p:extLst>
   </p:cSld>
   <p:clrMapOvr>
-    <a:overrideClrMapping bg1="lt1" tx1="dk1" bg2="lt2" tx2="dk2" accent1="accent1" accent2="accent2" accent3="accent3" accent4="accent4" accent5="accent5" accent6="accent6" hlink="hlink" folHlink="folHlink"/>
+    <a:masterClrMapping/>
   </p:clrMapOvr>
 </p:sld>
 </file>
 
-<file path=ppt/slides/slide16.xml><?xml version="1.0" encoding="utf-8"?>
+<file path=ppt/slides/slide15.xml><?xml version="1.0" encoding="utf-8"?>
 <p:sld xmlns:a="http://schemas.openxmlformats.org/drawingml/2006/main" xmlns:r="http://schemas.openxmlformats.org/officeDocument/2006/relationships" xmlns:p="http://schemas.openxmlformats.org/presentationml/2006/main">
   <p:cSld>
     <p:spTree>
@@ -15927,6 +15100,288 @@
       <p:bldP spid="8" grpId="0"/>
     </p:bldLst>
   </p:timing>
+</p:sld>
+</file>
+
+<file path=ppt/slides/slide16.xml><?xml version="1.0" encoding="utf-8"?>
+<p:sld xmlns:a="http://schemas.openxmlformats.org/drawingml/2006/main" xmlns:r="http://schemas.openxmlformats.org/officeDocument/2006/relationships" xmlns:p="http://schemas.openxmlformats.org/presentationml/2006/main">
+  <p:cSld>
+    <p:spTree>
+      <p:nvGrpSpPr>
+        <p:cNvPr id="1" name=""/>
+        <p:cNvGrpSpPr/>
+        <p:nvPr/>
+      </p:nvGrpSpPr>
+      <p:grpSpPr>
+        <a:xfrm>
+          <a:off x="0" y="0"/>
+          <a:ext cx="0" cy="0"/>
+          <a:chOff x="0" y="0"/>
+          <a:chExt cx="0" cy="0"/>
+        </a:xfrm>
+      </p:grpSpPr>
+      <p:sp>
+        <p:nvSpPr>
+          <p:cNvPr id="3" name="TextBox 2">
+            <a:extLst>
+              <a:ext uri="{FF2B5EF4-FFF2-40B4-BE49-F238E27FC236}">
+                <a16:creationId xmlns:a16="http://schemas.microsoft.com/office/drawing/2014/main" id="{721B89F6-8EBE-4C9D-950E-C10E8E12A093}"/>
+              </a:ext>
+            </a:extLst>
+          </p:cNvPr>
+          <p:cNvSpPr txBox="1"/>
+          <p:nvPr/>
+        </p:nvSpPr>
+        <p:spPr>
+          <a:xfrm>
+            <a:off x="604911" y="249611"/>
+            <a:ext cx="8420100" cy="692497"/>
+          </a:xfrm>
+          <a:prstGeom prst="rect">
+            <a:avLst/>
+          </a:prstGeom>
+          <a:noFill/>
+        </p:spPr>
+        <p:txBody>
+          <a:bodyPr wrap="square">
+            <a:spAutoFit/>
+          </a:bodyPr>
+          <a:lstStyle/>
+          <a:p>
+            <a:r>
+              <a:rPr lang="en-US" sz="3900" b="0" i="0" kern="1200" dirty="0">
+                <a:solidFill>
+                  <a:schemeClr val="tx2"/>
+                </a:solidFill>
+                <a:latin typeface="+mj-lt"/>
+                <a:ea typeface="+mj-ea"/>
+                <a:cs typeface="+mj-cs"/>
+              </a:rPr>
+              <a:t>Model predictions</a:t>
+            </a:r>
+            <a:endParaRPr lang="en-US" dirty="0"/>
+          </a:p>
+        </p:txBody>
+      </p:sp>
+      <p:sp>
+        <p:nvSpPr>
+          <p:cNvPr id="5" name="TextBox 4">
+            <a:extLst>
+              <a:ext uri="{FF2B5EF4-FFF2-40B4-BE49-F238E27FC236}">
+                <a16:creationId xmlns:a16="http://schemas.microsoft.com/office/drawing/2014/main" id="{F0F4BB9F-2D05-41F7-9737-30828AAA2572}"/>
+              </a:ext>
+            </a:extLst>
+          </p:cNvPr>
+          <p:cNvSpPr txBox="1"/>
+          <p:nvPr/>
+        </p:nvSpPr>
+        <p:spPr>
+          <a:xfrm>
+            <a:off x="405033" y="1122009"/>
+            <a:ext cx="6785440" cy="1460143"/>
+          </a:xfrm>
+          <a:prstGeom prst="rect">
+            <a:avLst/>
+          </a:prstGeom>
+          <a:noFill/>
+        </p:spPr>
+        <p:txBody>
+          <a:bodyPr wrap="square">
+            <a:spAutoFit/>
+          </a:bodyPr>
+          <a:lstStyle/>
+          <a:p>
+            <a:pPr marL="285750" marR="0" indent="-285750" algn="just">
+              <a:lnSpc>
+                <a:spcPct val="107000"/>
+              </a:lnSpc>
+              <a:spcBef>
+                <a:spcPts val="0"/>
+              </a:spcBef>
+              <a:spcAft>
+                <a:spcPts val="800"/>
+              </a:spcAft>
+              <a:buFont typeface="Wingdings" panose="05000000000000000000" pitchFamily="2" charset="2"/>
+              <a:buChar char="Ø"/>
+            </a:pPr>
+            <a:r>
+              <a:rPr lang="en-US" dirty="0">
+                <a:ea typeface="Calibri" panose="020F0502020204030204" pitchFamily="34" charset="0"/>
+                <a:cs typeface="Times New Roman" panose="02020603050405020304" pitchFamily="18" charset="0"/>
+              </a:rPr>
+              <a:t>Evaluation dataset consists of 99 documents. </a:t>
+            </a:r>
+          </a:p>
+          <a:p>
+            <a:pPr marL="285750" marR="0" indent="-285750" algn="just">
+              <a:lnSpc>
+                <a:spcPct val="107000"/>
+              </a:lnSpc>
+              <a:spcBef>
+                <a:spcPts val="0"/>
+              </a:spcBef>
+              <a:spcAft>
+                <a:spcPts val="800"/>
+              </a:spcAft>
+              <a:buFont typeface="Wingdings" panose="05000000000000000000" pitchFamily="2" charset="2"/>
+              <a:buChar char="Ø"/>
+            </a:pPr>
+            <a:r>
+              <a:rPr lang="en-US" sz="1800" dirty="0">
+                <a:effectLst/>
+                <a:ea typeface="Calibri" panose="020F0502020204030204" pitchFamily="34" charset="0"/>
+                <a:cs typeface="Times New Roman" panose="02020603050405020304" pitchFamily="18" charset="0"/>
+              </a:rPr>
+              <a:t>Evaluation on all 3 variations </a:t>
+            </a:r>
+          </a:p>
+          <a:p>
+            <a:pPr marL="285750" marR="0" indent="-285750" algn="just">
+              <a:lnSpc>
+                <a:spcPct val="107000"/>
+              </a:lnSpc>
+              <a:spcBef>
+                <a:spcPts val="0"/>
+              </a:spcBef>
+              <a:spcAft>
+                <a:spcPts val="800"/>
+              </a:spcAft>
+              <a:buFont typeface="Wingdings" panose="05000000000000000000" pitchFamily="2" charset="2"/>
+              <a:buChar char="Ø"/>
+            </a:pPr>
+            <a:r>
+              <a:rPr lang="en-US" dirty="0">
+                <a:ea typeface="Calibri" panose="020F0502020204030204" pitchFamily="34" charset="0"/>
+                <a:cs typeface="Times New Roman" panose="02020603050405020304" pitchFamily="18" charset="0"/>
+              </a:rPr>
+              <a:t>Create new function to take a new document and predict its SDG </a:t>
+            </a:r>
+            <a:endParaRPr lang="en-US" sz="1800" dirty="0">
+              <a:effectLst/>
+              <a:ea typeface="Calibri" panose="020F0502020204030204" pitchFamily="34" charset="0"/>
+              <a:cs typeface="Times New Roman" panose="02020603050405020304" pitchFamily="18" charset="0"/>
+            </a:endParaRPr>
+          </a:p>
+        </p:txBody>
+      </p:sp>
+      <p:sp>
+        <p:nvSpPr>
+          <p:cNvPr id="6" name="TextBox 5">
+            <a:extLst>
+              <a:ext uri="{FF2B5EF4-FFF2-40B4-BE49-F238E27FC236}">
+                <a16:creationId xmlns:a16="http://schemas.microsoft.com/office/drawing/2014/main" id="{D968B44F-E36C-40BD-855C-A17B9D8F621E}"/>
+              </a:ext>
+            </a:extLst>
+          </p:cNvPr>
+          <p:cNvSpPr txBox="1"/>
+          <p:nvPr/>
+        </p:nvSpPr>
+        <p:spPr>
+          <a:xfrm>
+            <a:off x="604911" y="2967335"/>
+            <a:ext cx="2809188" cy="461665"/>
+          </a:xfrm>
+          <a:prstGeom prst="rect">
+            <a:avLst/>
+          </a:prstGeom>
+          <a:noFill/>
+        </p:spPr>
+        <p:txBody>
+          <a:bodyPr wrap="square" rtlCol="0">
+            <a:spAutoFit/>
+          </a:bodyPr>
+          <a:lstStyle/>
+          <a:p>
+            <a:r>
+              <a:rPr lang="en-US" sz="2400" dirty="0"/>
+              <a:t>Results:</a:t>
+            </a:r>
+            <a:endParaRPr lang="el-GR" sz="2400" dirty="0"/>
+          </a:p>
+        </p:txBody>
+      </p:sp>
+      <p:pic>
+        <p:nvPicPr>
+          <p:cNvPr id="8" name="Εικόνα 7">
+            <a:extLst>
+              <a:ext uri="{FF2B5EF4-FFF2-40B4-BE49-F238E27FC236}">
+                <a16:creationId xmlns:a16="http://schemas.microsoft.com/office/drawing/2014/main" id="{2E2CC896-B717-4041-9739-CDAF713B06A0}"/>
+              </a:ext>
+            </a:extLst>
+          </p:cNvPr>
+          <p:cNvPicPr>
+            <a:picLocks noChangeAspect="1"/>
+          </p:cNvPicPr>
+          <p:nvPr/>
+        </p:nvPicPr>
+        <p:blipFill>
+          <a:blip r:embed="rId2">
+            <a:extLst>
+              <a:ext uri="{28A0092B-C50C-407E-A947-70E740481C1C}">
+                <a14:useLocalDpi xmlns:a14="http://schemas.microsoft.com/office/drawing/2010/main" val="0"/>
+              </a:ext>
+            </a:extLst>
+          </a:blip>
+          <a:stretch>
+            <a:fillRect/>
+          </a:stretch>
+        </p:blipFill>
+        <p:spPr>
+          <a:xfrm>
+            <a:off x="712912" y="3553820"/>
+            <a:ext cx="7478981" cy="1170241"/>
+          </a:xfrm>
+          <a:prstGeom prst="rect">
+            <a:avLst/>
+          </a:prstGeom>
+        </p:spPr>
+      </p:pic>
+      <p:sp>
+        <p:nvSpPr>
+          <p:cNvPr id="9" name="TextBox 8">
+            <a:extLst>
+              <a:ext uri="{FF2B5EF4-FFF2-40B4-BE49-F238E27FC236}">
+                <a16:creationId xmlns:a16="http://schemas.microsoft.com/office/drawing/2014/main" id="{D4C40564-BED4-4C23-BA18-6287341351BE}"/>
+              </a:ext>
+            </a:extLst>
+          </p:cNvPr>
+          <p:cNvSpPr txBox="1"/>
+          <p:nvPr/>
+        </p:nvSpPr>
+        <p:spPr>
+          <a:xfrm>
+            <a:off x="712912" y="5193864"/>
+            <a:ext cx="11174288" cy="646331"/>
+          </a:xfrm>
+          <a:prstGeom prst="rect">
+            <a:avLst/>
+          </a:prstGeom>
+          <a:noFill/>
+        </p:spPr>
+        <p:txBody>
+          <a:bodyPr wrap="square" rtlCol="0">
+            <a:spAutoFit/>
+          </a:bodyPr>
+          <a:lstStyle/>
+          <a:p>
+            <a:r>
+              <a:rPr lang="en-US" dirty="0"/>
+              <a:t>Important note: The lowest accuracy achieved only in the 2 specific SDGs with the smallest number of documents in our initial dataset (SDG7, SDG12)</a:t>
+            </a:r>
+            <a:endParaRPr lang="el-GR" dirty="0"/>
+          </a:p>
+        </p:txBody>
+      </p:sp>
+    </p:spTree>
+    <p:extLst>
+      <p:ext uri="{BB962C8B-B14F-4D97-AF65-F5344CB8AC3E}">
+        <p14:creationId xmlns:p14="http://schemas.microsoft.com/office/powerpoint/2010/main" val="829225555"/>
+      </p:ext>
+    </p:extLst>
+  </p:cSld>
+  <p:clrMapOvr>
+    <a:masterClrMapping/>
+  </p:clrMapOvr>
 </p:sld>
 </file>
 
@@ -26745,315 +26200,6 @@
       </p:grpSpPr>
       <p:pic>
         <p:nvPicPr>
-          <p:cNvPr id="3" name="Picture 2" descr="Diagram&#10;&#10;Description automatically generated">
-            <a:extLst>
-              <a:ext uri="{FF2B5EF4-FFF2-40B4-BE49-F238E27FC236}">
-                <a16:creationId xmlns:a16="http://schemas.microsoft.com/office/drawing/2014/main" id="{FBD50805-22CB-4456-9A58-099D5D7559A1}"/>
-              </a:ext>
-            </a:extLst>
-          </p:cNvPr>
-          <p:cNvPicPr>
-            <a:picLocks noChangeAspect="1"/>
-          </p:cNvPicPr>
-          <p:nvPr/>
-        </p:nvPicPr>
-        <p:blipFill>
-          <a:blip r:embed="rId3">
-            <a:extLst>
-              <a:ext uri="{28A0092B-C50C-407E-A947-70E740481C1C}">
-                <a14:useLocalDpi xmlns:a14="http://schemas.microsoft.com/office/drawing/2010/main" val="0"/>
-              </a:ext>
-            </a:extLst>
-          </a:blip>
-          <a:stretch>
-            <a:fillRect/>
-          </a:stretch>
-        </p:blipFill>
-        <p:spPr>
-          <a:xfrm>
-            <a:off x="927711" y="652188"/>
-            <a:ext cx="8047223" cy="4023612"/>
-          </a:xfrm>
-          <a:prstGeom prst="rect">
-            <a:avLst/>
-          </a:prstGeom>
-          <a:solidFill>
-            <a:srgbClr val="FFFFFF">
-              <a:shade val="85000"/>
-            </a:srgbClr>
-          </a:solidFill>
-          <a:ln w="190500" cap="sq">
-            <a:solidFill>
-              <a:srgbClr val="FFFFFF"/>
-            </a:solidFill>
-            <a:miter lim="800000"/>
-          </a:ln>
-          <a:effectLst>
-            <a:outerShdw blurRad="65000" dist="50800" dir="12900000" kx="195000" ky="145000" algn="tl" rotWithShape="0">
-              <a:srgbClr val="000000">
-                <a:alpha val="30000"/>
-              </a:srgbClr>
-            </a:outerShdw>
-          </a:effectLst>
-          <a:scene3d>
-            <a:camera prst="orthographicFront">
-              <a:rot lat="0" lon="0" rev="360000"/>
-            </a:camera>
-            <a:lightRig rig="twoPt" dir="t">
-              <a:rot lat="0" lon="0" rev="7200000"/>
-            </a:lightRig>
-          </a:scene3d>
-          <a:sp3d contourW="12700">
-            <a:bevelT w="25400" h="19050"/>
-            <a:contourClr>
-              <a:srgbClr val="969696"/>
-            </a:contourClr>
-          </a:sp3d>
-        </p:spPr>
-      </p:pic>
-      <p:sp>
-        <p:nvSpPr>
-          <p:cNvPr id="4" name="TextBox 3">
-            <a:extLst>
-              <a:ext uri="{FF2B5EF4-FFF2-40B4-BE49-F238E27FC236}">
-                <a16:creationId xmlns:a16="http://schemas.microsoft.com/office/drawing/2014/main" id="{41295D36-73D9-4257-BC4E-AB7867DC81BB}"/>
-              </a:ext>
-            </a:extLst>
-          </p:cNvPr>
-          <p:cNvSpPr txBox="1"/>
-          <p:nvPr/>
-        </p:nvSpPr>
-        <p:spPr>
-          <a:xfrm>
-            <a:off x="6096000" y="5444197"/>
-            <a:ext cx="3976468" cy="646331"/>
-          </a:xfrm>
-          <a:prstGeom prst="rect">
-            <a:avLst/>
-          </a:prstGeom>
-          <a:noFill/>
-        </p:spPr>
-        <p:txBody>
-          <a:bodyPr wrap="square" rtlCol="0">
-            <a:spAutoFit/>
-          </a:bodyPr>
-          <a:lstStyle/>
-          <a:p>
-            <a:r>
-              <a:rPr lang="en-US" sz="3600" dirty="0"/>
-              <a:t>Model Process</a:t>
-            </a:r>
-          </a:p>
-        </p:txBody>
-      </p:sp>
-    </p:spTree>
-    <p:extLst>
-      <p:ext uri="{BB962C8B-B14F-4D97-AF65-F5344CB8AC3E}">
-        <p14:creationId xmlns:p14="http://schemas.microsoft.com/office/powerpoint/2010/main" val="1473233097"/>
-      </p:ext>
-    </p:extLst>
-  </p:cSld>
-  <p:clrMapOvr>
-    <a:masterClrMapping/>
-  </p:clrMapOvr>
-  <p:timing>
-    <p:tnLst>
-      <p:par>
-        <p:cTn id="1" dur="indefinite" restart="never" nodeType="tmRoot">
-          <p:childTnLst>
-            <p:seq concurrent="1" nextAc="seek">
-              <p:cTn id="2" dur="indefinite" nodeType="mainSeq">
-                <p:childTnLst>
-                  <p:par>
-                    <p:cTn id="3" fill="hold">
-                      <p:stCondLst>
-                        <p:cond delay="indefinite"/>
-                      </p:stCondLst>
-                      <p:childTnLst>
-                        <p:par>
-                          <p:cTn id="4" fill="hold">
-                            <p:stCondLst>
-                              <p:cond delay="0"/>
-                            </p:stCondLst>
-                            <p:childTnLst>
-                              <p:par>
-                                <p:cTn id="5" presetID="31" presetClass="entr" presetSubtype="0" fill="hold" nodeType="clickEffect">
-                                  <p:stCondLst>
-                                    <p:cond delay="0"/>
-                                  </p:stCondLst>
-                                  <p:childTnLst>
-                                    <p:set>
-                                      <p:cBhvr>
-                                        <p:cTn id="6" dur="1" fill="hold">
-                                          <p:stCondLst>
-                                            <p:cond delay="0"/>
-                                          </p:stCondLst>
-                                        </p:cTn>
-                                        <p:tgtEl>
-                                          <p:spTgt spid="3"/>
-                                        </p:tgtEl>
-                                        <p:attrNameLst>
-                                          <p:attrName>style.visibility</p:attrName>
-                                        </p:attrNameLst>
-                                      </p:cBhvr>
-                                      <p:to>
-                                        <p:strVal val="visible"/>
-                                      </p:to>
-                                    </p:set>
-                                    <p:anim calcmode="lin" valueType="num">
-                                      <p:cBhvr>
-                                        <p:cTn id="7" dur="1000" fill="hold"/>
-                                        <p:tgtEl>
-                                          <p:spTgt spid="3"/>
-                                        </p:tgtEl>
-                                        <p:attrNameLst>
-                                          <p:attrName>ppt_w</p:attrName>
-                                        </p:attrNameLst>
-                                      </p:cBhvr>
-                                      <p:tavLst>
-                                        <p:tav tm="0">
-                                          <p:val>
-                                            <p:fltVal val="0"/>
-                                          </p:val>
-                                        </p:tav>
-                                        <p:tav tm="100000">
-                                          <p:val>
-                                            <p:strVal val="#ppt_w"/>
-                                          </p:val>
-                                        </p:tav>
-                                      </p:tavLst>
-                                    </p:anim>
-                                    <p:anim calcmode="lin" valueType="num">
-                                      <p:cBhvr>
-                                        <p:cTn id="8" dur="1000" fill="hold"/>
-                                        <p:tgtEl>
-                                          <p:spTgt spid="3"/>
-                                        </p:tgtEl>
-                                        <p:attrNameLst>
-                                          <p:attrName>ppt_h</p:attrName>
-                                        </p:attrNameLst>
-                                      </p:cBhvr>
-                                      <p:tavLst>
-                                        <p:tav tm="0">
-                                          <p:val>
-                                            <p:fltVal val="0"/>
-                                          </p:val>
-                                        </p:tav>
-                                        <p:tav tm="100000">
-                                          <p:val>
-                                            <p:strVal val="#ppt_h"/>
-                                          </p:val>
-                                        </p:tav>
-                                      </p:tavLst>
-                                    </p:anim>
-                                    <p:anim calcmode="lin" valueType="num">
-                                      <p:cBhvr>
-                                        <p:cTn id="9" dur="1000" fill="hold"/>
-                                        <p:tgtEl>
-                                          <p:spTgt spid="3"/>
-                                        </p:tgtEl>
-                                        <p:attrNameLst>
-                                          <p:attrName>style.rotation</p:attrName>
-                                        </p:attrNameLst>
-                                      </p:cBhvr>
-                                      <p:tavLst>
-                                        <p:tav tm="0">
-                                          <p:val>
-                                            <p:fltVal val="90"/>
-                                          </p:val>
-                                        </p:tav>
-                                        <p:tav tm="100000">
-                                          <p:val>
-                                            <p:fltVal val="0"/>
-                                          </p:val>
-                                        </p:tav>
-                                      </p:tavLst>
-                                    </p:anim>
-                                    <p:animEffect transition="in" filter="fade">
-                                      <p:cBhvr>
-                                        <p:cTn id="10" dur="1000"/>
-                                        <p:tgtEl>
-                                          <p:spTgt spid="3"/>
-                                        </p:tgtEl>
-                                      </p:cBhvr>
-                                    </p:animEffect>
-                                  </p:childTnLst>
-                                </p:cTn>
-                              </p:par>
-                            </p:childTnLst>
-                          </p:cTn>
-                        </p:par>
-                      </p:childTnLst>
-                    </p:cTn>
-                  </p:par>
-                </p:childTnLst>
-              </p:cTn>
-              <p:prevCondLst>
-                <p:cond evt="onPrev" delay="0">
-                  <p:tgtEl>
-                    <p:sldTgt/>
-                  </p:tgtEl>
-                </p:cond>
-              </p:prevCondLst>
-              <p:nextCondLst>
-                <p:cond evt="onNext" delay="0">
-                  <p:tgtEl>
-                    <p:sldTgt/>
-                  </p:tgtEl>
-                </p:cond>
-              </p:nextCondLst>
-            </p:seq>
-          </p:childTnLst>
-        </p:cTn>
-      </p:par>
-    </p:tnLst>
-  </p:timing>
-</p:sld>
-</file>
-
-<file path=ppt/slides/slide6.xml><?xml version="1.0" encoding="utf-8"?>
-<p:sld xmlns:a="http://schemas.openxmlformats.org/drawingml/2006/main" xmlns:r="http://schemas.openxmlformats.org/officeDocument/2006/relationships" xmlns:p="http://schemas.openxmlformats.org/presentationml/2006/main">
-  <p:cSld>
-    <p:bg>
-      <p:bgPr>
-        <a:blipFill rotWithShape="1">
-          <a:blip r:embed="rId2">
-            <a:duotone>
-              <a:schemeClr val="bg2">
-                <a:shade val="69000"/>
-                <a:hueMod val="108000"/>
-                <a:satMod val="164000"/>
-                <a:lumMod val="74000"/>
-              </a:schemeClr>
-              <a:schemeClr val="bg2">
-                <a:tint val="96000"/>
-                <a:hueMod val="88000"/>
-                <a:satMod val="140000"/>
-                <a:lumMod val="132000"/>
-              </a:schemeClr>
-            </a:duotone>
-          </a:blip>
-          <a:stretch/>
-        </a:blipFill>
-        <a:effectLst/>
-      </p:bgPr>
-    </p:bg>
-    <p:spTree>
-      <p:nvGrpSpPr>
-        <p:cNvPr id="1" name=""/>
-        <p:cNvGrpSpPr/>
-        <p:nvPr/>
-      </p:nvGrpSpPr>
-      <p:grpSpPr>
-        <a:xfrm>
-          <a:off x="0" y="0"/>
-          <a:ext cx="0" cy="0"/>
-          <a:chOff x="0" y="0"/>
-          <a:chExt cx="0" cy="0"/>
-        </a:xfrm>
-      </p:grpSpPr>
-      <p:pic>
-        <p:nvPicPr>
           <p:cNvPr id="7" name="Picture 6" descr="Text, whiteboard&#10;&#10;Description automatically generated">
             <a:extLst>
               <a:ext uri="{FF2B5EF4-FFF2-40B4-BE49-F238E27FC236}">
@@ -27257,7 +26403,7 @@
 </p:sld>
 </file>
 
-<file path=ppt/slides/slide7.xml><?xml version="1.0" encoding="utf-8"?>
+<file path=ppt/slides/slide6.xml><?xml version="1.0" encoding="utf-8"?>
 <p:sld xmlns:a="http://schemas.openxmlformats.org/drawingml/2006/main" xmlns:r="http://schemas.openxmlformats.org/officeDocument/2006/relationships" xmlns:p="http://schemas.openxmlformats.org/presentationml/2006/main">
   <p:cSld>
     <p:spTree>
@@ -32890,6 +32036,291 @@
       <p:bldP spid="6" grpId="0" animBg="1"/>
       <p:bldP spid="11" grpId="0" animBg="1"/>
     </p:bldLst>
+  </p:timing>
+</p:sld>
+</file>
+
+<file path=ppt/slides/slide7.xml><?xml version="1.0" encoding="utf-8"?>
+<p:sld xmlns:a="http://schemas.openxmlformats.org/drawingml/2006/main" xmlns:r="http://schemas.openxmlformats.org/officeDocument/2006/relationships" xmlns:p="http://schemas.openxmlformats.org/presentationml/2006/main">
+  <p:cSld>
+    <p:spTree>
+      <p:nvGrpSpPr>
+        <p:cNvPr id="1" name=""/>
+        <p:cNvGrpSpPr/>
+        <p:nvPr/>
+      </p:nvGrpSpPr>
+      <p:grpSpPr>
+        <a:xfrm>
+          <a:off x="0" y="0"/>
+          <a:ext cx="0" cy="0"/>
+          <a:chOff x="0" y="0"/>
+          <a:chExt cx="0" cy="0"/>
+        </a:xfrm>
+      </p:grpSpPr>
+      <p:pic>
+        <p:nvPicPr>
+          <p:cNvPr id="3" name="Picture 2" descr="Diagram&#10;&#10;Description automatically generated">
+            <a:extLst>
+              <a:ext uri="{FF2B5EF4-FFF2-40B4-BE49-F238E27FC236}">
+                <a16:creationId xmlns:a16="http://schemas.microsoft.com/office/drawing/2014/main" id="{FBD50805-22CB-4456-9A58-099D5D7559A1}"/>
+              </a:ext>
+            </a:extLst>
+          </p:cNvPr>
+          <p:cNvPicPr>
+            <a:picLocks noChangeAspect="1"/>
+          </p:cNvPicPr>
+          <p:nvPr/>
+        </p:nvPicPr>
+        <p:blipFill>
+          <a:blip r:embed="rId2">
+            <a:extLst>
+              <a:ext uri="{28A0092B-C50C-407E-A947-70E740481C1C}">
+                <a14:useLocalDpi xmlns:a14="http://schemas.microsoft.com/office/drawing/2010/main" val="0"/>
+              </a:ext>
+            </a:extLst>
+          </a:blip>
+          <a:stretch>
+            <a:fillRect/>
+          </a:stretch>
+        </p:blipFill>
+        <p:spPr>
+          <a:xfrm>
+            <a:off x="927711" y="652188"/>
+            <a:ext cx="8047223" cy="4023612"/>
+          </a:xfrm>
+          <a:prstGeom prst="rect">
+            <a:avLst/>
+          </a:prstGeom>
+          <a:solidFill>
+            <a:srgbClr val="FFFFFF">
+              <a:shade val="85000"/>
+            </a:srgbClr>
+          </a:solidFill>
+          <a:ln w="190500" cap="sq">
+            <a:solidFill>
+              <a:srgbClr val="FFFFFF"/>
+            </a:solidFill>
+            <a:miter lim="800000"/>
+          </a:ln>
+          <a:effectLst>
+            <a:outerShdw blurRad="65000" dist="50800" dir="12900000" kx="195000" ky="145000" algn="tl" rotWithShape="0">
+              <a:srgbClr val="000000">
+                <a:alpha val="30000"/>
+              </a:srgbClr>
+            </a:outerShdw>
+          </a:effectLst>
+          <a:scene3d>
+            <a:camera prst="orthographicFront">
+              <a:rot lat="0" lon="0" rev="360000"/>
+            </a:camera>
+            <a:lightRig rig="twoPt" dir="t">
+              <a:rot lat="0" lon="0" rev="7200000"/>
+            </a:lightRig>
+          </a:scene3d>
+          <a:sp3d contourW="12700">
+            <a:bevelT w="25400" h="19050"/>
+            <a:contourClr>
+              <a:srgbClr val="969696"/>
+            </a:contourClr>
+          </a:sp3d>
+        </p:spPr>
+      </p:pic>
+      <p:sp>
+        <p:nvSpPr>
+          <p:cNvPr id="4" name="TextBox 3">
+            <a:extLst>
+              <a:ext uri="{FF2B5EF4-FFF2-40B4-BE49-F238E27FC236}">
+                <a16:creationId xmlns:a16="http://schemas.microsoft.com/office/drawing/2014/main" id="{41295D36-73D9-4257-BC4E-AB7867DC81BB}"/>
+              </a:ext>
+            </a:extLst>
+          </p:cNvPr>
+          <p:cNvSpPr txBox="1"/>
+          <p:nvPr/>
+        </p:nvSpPr>
+        <p:spPr>
+          <a:xfrm>
+            <a:off x="6096000" y="5444197"/>
+            <a:ext cx="3976468" cy="646331"/>
+          </a:xfrm>
+          <a:prstGeom prst="rect">
+            <a:avLst/>
+          </a:prstGeom>
+          <a:noFill/>
+        </p:spPr>
+        <p:txBody>
+          <a:bodyPr wrap="square" rtlCol="0">
+            <a:spAutoFit/>
+          </a:bodyPr>
+          <a:lstStyle/>
+          <a:p>
+            <a:r>
+              <a:rPr lang="en-US" sz="3600" dirty="0"/>
+              <a:t>Model Process</a:t>
+            </a:r>
+          </a:p>
+        </p:txBody>
+      </p:sp>
+    </p:spTree>
+    <p:extLst>
+      <p:ext uri="{BB962C8B-B14F-4D97-AF65-F5344CB8AC3E}">
+        <p14:creationId xmlns:p14="http://schemas.microsoft.com/office/powerpoint/2010/main" val="3287708945"/>
+      </p:ext>
+    </p:extLst>
+  </p:cSld>
+  <p:clrMapOvr>
+    <a:masterClrMapping/>
+  </p:clrMapOvr>
+  <p:timing>
+    <p:tnLst>
+      <p:par>
+        <p:cTn id="1" dur="indefinite" restart="never" nodeType="tmRoot">
+          <p:childTnLst>
+            <p:seq concurrent="1" nextAc="seek">
+              <p:cTn id="2" dur="indefinite" nodeType="mainSeq">
+                <p:childTnLst>
+                  <p:par>
+                    <p:cTn id="3" fill="hold">
+                      <p:stCondLst>
+                        <p:cond delay="indefinite"/>
+                      </p:stCondLst>
+                      <p:childTnLst>
+                        <p:par>
+                          <p:cTn id="4" fill="hold">
+                            <p:stCondLst>
+                              <p:cond delay="0"/>
+                            </p:stCondLst>
+                            <p:childTnLst>
+                              <p:par>
+                                <p:cTn id="5" presetID="31" presetClass="entr" presetSubtype="0" fill="hold" nodeType="clickEffect">
+                                  <p:stCondLst>
+                                    <p:cond delay="0"/>
+                                  </p:stCondLst>
+                                  <p:childTnLst>
+                                    <p:set>
+                                      <p:cBhvr>
+                                        <p:cTn id="6" dur="1" fill="hold">
+                                          <p:stCondLst>
+                                            <p:cond delay="0"/>
+                                          </p:stCondLst>
+                                        </p:cTn>
+                                        <p:tgtEl>
+                                          <p:spTgt spid="3"/>
+                                        </p:tgtEl>
+                                        <p:attrNameLst>
+                                          <p:attrName>style.visibility</p:attrName>
+                                        </p:attrNameLst>
+                                      </p:cBhvr>
+                                      <p:to>
+                                        <p:strVal val="visible"/>
+                                      </p:to>
+                                    </p:set>
+                                    <p:anim calcmode="lin" valueType="num">
+                                      <p:cBhvr>
+                                        <p:cTn id="7" dur="1000" fill="hold"/>
+                                        <p:tgtEl>
+                                          <p:spTgt spid="3"/>
+                                        </p:tgtEl>
+                                        <p:attrNameLst>
+                                          <p:attrName>ppt_w</p:attrName>
+                                        </p:attrNameLst>
+                                      </p:cBhvr>
+                                      <p:tavLst>
+                                        <p:tav tm="0">
+                                          <p:val>
+                                            <p:fltVal val="0"/>
+                                          </p:val>
+                                        </p:tav>
+                                        <p:tav tm="100000">
+                                          <p:val>
+                                            <p:strVal val="#ppt_w"/>
+                                          </p:val>
+                                        </p:tav>
+                                      </p:tavLst>
+                                    </p:anim>
+                                    <p:anim calcmode="lin" valueType="num">
+                                      <p:cBhvr>
+                                        <p:cTn id="8" dur="1000" fill="hold"/>
+                                        <p:tgtEl>
+                                          <p:spTgt spid="3"/>
+                                        </p:tgtEl>
+                                        <p:attrNameLst>
+                                          <p:attrName>ppt_h</p:attrName>
+                                        </p:attrNameLst>
+                                      </p:cBhvr>
+                                      <p:tavLst>
+                                        <p:tav tm="0">
+                                          <p:val>
+                                            <p:fltVal val="0"/>
+                                          </p:val>
+                                        </p:tav>
+                                        <p:tav tm="100000">
+                                          <p:val>
+                                            <p:strVal val="#ppt_h"/>
+                                          </p:val>
+                                        </p:tav>
+                                      </p:tavLst>
+                                    </p:anim>
+                                    <p:anim calcmode="lin" valueType="num">
+                                      <p:cBhvr>
+                                        <p:cTn id="9" dur="1000" fill="hold"/>
+                                        <p:tgtEl>
+                                          <p:spTgt spid="3"/>
+                                        </p:tgtEl>
+                                        <p:attrNameLst>
+                                          <p:attrName>style.rotation</p:attrName>
+                                        </p:attrNameLst>
+                                      </p:cBhvr>
+                                      <p:tavLst>
+                                        <p:tav tm="0">
+                                          <p:val>
+                                            <p:fltVal val="90"/>
+                                          </p:val>
+                                        </p:tav>
+                                        <p:tav tm="100000">
+                                          <p:val>
+                                            <p:fltVal val="0"/>
+                                          </p:val>
+                                        </p:tav>
+                                      </p:tavLst>
+                                    </p:anim>
+                                    <p:animEffect transition="in" filter="fade">
+                                      <p:cBhvr>
+                                        <p:cTn id="10" dur="1000"/>
+                                        <p:tgtEl>
+                                          <p:spTgt spid="3"/>
+                                        </p:tgtEl>
+                                      </p:cBhvr>
+                                    </p:animEffect>
+                                  </p:childTnLst>
+                                </p:cTn>
+                              </p:par>
+                            </p:childTnLst>
+                          </p:cTn>
+                        </p:par>
+                      </p:childTnLst>
+                    </p:cTn>
+                  </p:par>
+                </p:childTnLst>
+              </p:cTn>
+              <p:prevCondLst>
+                <p:cond evt="onPrev" delay="0">
+                  <p:tgtEl>
+                    <p:sldTgt/>
+                  </p:tgtEl>
+                </p:cond>
+              </p:prevCondLst>
+              <p:nextCondLst>
+                <p:cond evt="onNext" delay="0">
+                  <p:tgtEl>
+                    <p:sldTgt/>
+                  </p:tgtEl>
+                </p:cond>
+              </p:nextCondLst>
+            </p:seq>
+          </p:childTnLst>
+        </p:cTn>
+      </p:par>
+    </p:tnLst>
   </p:timing>
 </p:sld>
 </file>
@@ -34302,10 +33733,14 @@
                   </a:schemeClr>
                 </a:solidFill>
               </a:rPr>
-              <a:t>Split the dataset into train and validation and we use the blind dataset for testing.</a:t>
+              <a:t>Our final dataset contains information about 889 documents from different SDG’s.</a:t>
             </a:r>
           </a:p>
           <a:p>
+            <a:pPr>
+              <a:buFont typeface="Arial" pitchFamily="34" charset="0"/>
+              <a:buChar char="•"/>
+            </a:pPr>
             <a:endParaRPr lang="en-US" dirty="0">
               <a:solidFill>
                 <a:schemeClr val="bg2">
@@ -34327,7 +33762,7 @@
                   </a:schemeClr>
                 </a:solidFill>
               </a:rPr>
-              <a:t>Our final dataset contains information about 889 documents from different SDG’s.</a:t>
+              <a:t> We split the dataset into train and validation and we use the blind dataset for testing.</a:t>
             </a:r>
           </a:p>
           <a:p>

--- a/ML&CA.pptx
+++ b/ML&CA.pptx
@@ -246,7 +246,7 @@
           <a:p>
             <a:fld id="{9A49465F-C275-46C4-9F58-FF79DE6B5F19}" type="datetimeFigureOut">
               <a:rPr lang="en-US" smtClean="0"/>
-              <a:t>11/18/2020</a:t>
+              <a:t>2020-11-15</a:t>
             </a:fld>
             <a:endParaRPr lang="en-US"/>
           </a:p>
@@ -1383,7 +1383,7 @@
           <a:p>
             <a:fld id="{AA70F276-1833-4A75-9C1D-A56E2295A68D}" type="datetimeFigureOut">
               <a:rPr lang="en-US" smtClean="0"/>
-              <a:t>11/18/2020</a:t>
+              <a:t>2020-11-15</a:t>
             </a:fld>
             <a:endParaRPr lang="en-US"/>
           </a:p>
@@ -1659,7 +1659,7 @@
             <a:fld id="{AA70F276-1833-4A75-9C1D-A56E2295A68D}" type="datetimeFigureOut">
               <a:rPr lang="en-US" smtClean="0"/>
               <a:pPr/>
-              <a:t>11/18/2020</a:t>
+              <a:t>2020-11-15</a:t>
             </a:fld>
             <a:endParaRPr lang="en-US" dirty="0"/>
           </a:p>
@@ -1859,7 +1859,7 @@
             <a:fld id="{AA70F276-1833-4A75-9C1D-A56E2295A68D}" type="datetimeFigureOut">
               <a:rPr lang="en-US" smtClean="0"/>
               <a:pPr/>
-              <a:t>11/18/2020</a:t>
+              <a:t>2020-11-15</a:t>
             </a:fld>
             <a:endParaRPr lang="en-US" dirty="0"/>
           </a:p>
@@ -2138,7 +2138,7 @@
             <a:fld id="{AA70F276-1833-4A75-9C1D-A56E2295A68D}" type="datetimeFigureOut">
               <a:rPr lang="en-US" smtClean="0"/>
               <a:pPr/>
-              <a:t>11/18/2020</a:t>
+              <a:t>2020-11-15</a:t>
             </a:fld>
             <a:endParaRPr lang="en-US" dirty="0"/>
           </a:p>
@@ -2485,7 +2485,7 @@
             <a:fld id="{AA70F276-1833-4A75-9C1D-A56E2295A68D}" type="datetimeFigureOut">
               <a:rPr lang="en-US" smtClean="0"/>
               <a:pPr/>
-              <a:t>11/18/2020</a:t>
+              <a:t>2020-11-15</a:t>
             </a:fld>
             <a:endParaRPr lang="en-US" dirty="0"/>
           </a:p>
@@ -3114,7 +3114,7 @@
             <a:fld id="{AA70F276-1833-4A75-9C1D-A56E2295A68D}" type="datetimeFigureOut">
               <a:rPr lang="en-US" smtClean="0"/>
               <a:pPr/>
-              <a:t>11/18/2020</a:t>
+              <a:t>2020-11-15</a:t>
             </a:fld>
             <a:endParaRPr lang="en-US" dirty="0"/>
           </a:p>
@@ -3980,7 +3980,7 @@
             <a:fld id="{AA70F276-1833-4A75-9C1D-A56E2295A68D}" type="datetimeFigureOut">
               <a:rPr lang="en-US" smtClean="0"/>
               <a:pPr/>
-              <a:t>11/18/2020</a:t>
+              <a:t>2020-11-15</a:t>
             </a:fld>
             <a:endParaRPr lang="en-US" dirty="0"/>
           </a:p>
@@ -4155,7 +4155,7 @@
           <a:p>
             <a:fld id="{AA70F276-1833-4A75-9C1D-A56E2295A68D}" type="datetimeFigureOut">
               <a:rPr lang="en-US" smtClean="0"/>
-              <a:t>11/18/2020</a:t>
+              <a:t>2020-11-15</a:t>
             </a:fld>
             <a:endParaRPr lang="en-US"/>
           </a:p>
@@ -4335,7 +4335,7 @@
           <a:p>
             <a:fld id="{AA70F276-1833-4A75-9C1D-A56E2295A68D}" type="datetimeFigureOut">
               <a:rPr lang="en-US" smtClean="0"/>
-              <a:t>11/18/2020</a:t>
+              <a:t>2020-11-15</a:t>
             </a:fld>
             <a:endParaRPr lang="en-US"/>
           </a:p>
@@ -4505,7 +4505,7 @@
           <a:p>
             <a:fld id="{AA70F276-1833-4A75-9C1D-A56E2295A68D}" type="datetimeFigureOut">
               <a:rPr lang="en-US" smtClean="0"/>
-              <a:t>11/18/2020</a:t>
+              <a:t>2020-11-15</a:t>
             </a:fld>
             <a:endParaRPr lang="en-US"/>
           </a:p>
@@ -4752,7 +4752,7 @@
           <a:p>
             <a:fld id="{AA70F276-1833-4A75-9C1D-A56E2295A68D}" type="datetimeFigureOut">
               <a:rPr lang="en-US" smtClean="0"/>
-              <a:t>11/18/2020</a:t>
+              <a:t>2020-11-15</a:t>
             </a:fld>
             <a:endParaRPr lang="en-US"/>
           </a:p>
@@ -5044,7 +5044,7 @@
           <a:p>
             <a:fld id="{AA70F276-1833-4A75-9C1D-A56E2295A68D}" type="datetimeFigureOut">
               <a:rPr lang="en-US" smtClean="0"/>
-              <a:t>11/18/2020</a:t>
+              <a:t>2020-11-15</a:t>
             </a:fld>
             <a:endParaRPr lang="en-US"/>
           </a:p>
@@ -5488,7 +5488,7 @@
           <a:p>
             <a:fld id="{AA70F276-1833-4A75-9C1D-A56E2295A68D}" type="datetimeFigureOut">
               <a:rPr lang="en-US" smtClean="0"/>
-              <a:t>11/18/2020</a:t>
+              <a:t>2020-11-15</a:t>
             </a:fld>
             <a:endParaRPr lang="en-US"/>
           </a:p>
@@ -5606,7 +5606,7 @@
           <a:p>
             <a:fld id="{AA70F276-1833-4A75-9C1D-A56E2295A68D}" type="datetimeFigureOut">
               <a:rPr lang="en-US" smtClean="0"/>
-              <a:t>11/18/2020</a:t>
+              <a:t>2020-11-15</a:t>
             </a:fld>
             <a:endParaRPr lang="en-US"/>
           </a:p>
@@ -5701,7 +5701,7 @@
           <a:p>
             <a:fld id="{AA70F276-1833-4A75-9C1D-A56E2295A68D}" type="datetimeFigureOut">
               <a:rPr lang="en-US" smtClean="0"/>
-              <a:t>11/18/2020</a:t>
+              <a:t>2020-11-15</a:t>
             </a:fld>
             <a:endParaRPr lang="en-US"/>
           </a:p>
@@ -5980,7 +5980,7 @@
           <a:p>
             <a:fld id="{AA70F276-1833-4A75-9C1D-A56E2295A68D}" type="datetimeFigureOut">
               <a:rPr lang="en-US" smtClean="0"/>
-              <a:t>11/18/2020</a:t>
+              <a:t>2020-11-15</a:t>
             </a:fld>
             <a:endParaRPr lang="en-US"/>
           </a:p>
@@ -6255,7 +6255,7 @@
           <a:p>
             <a:fld id="{AA70F276-1833-4A75-9C1D-A56E2295A68D}" type="datetimeFigureOut">
               <a:rPr lang="en-US" smtClean="0"/>
-              <a:t>11/18/2020</a:t>
+              <a:t>2020-11-15</a:t>
             </a:fld>
             <a:endParaRPr lang="en-US"/>
           </a:p>
@@ -6685,7 +6685,7 @@
             <a:fld id="{AA70F276-1833-4A75-9C1D-A56E2295A68D}" type="datetimeFigureOut">
               <a:rPr lang="en-US" smtClean="0"/>
               <a:pPr/>
-              <a:t>11/18/2020</a:t>
+              <a:t>2020-11-15</a:t>
             </a:fld>
             <a:endParaRPr lang="en-US" dirty="0"/>
           </a:p>
@@ -11876,7 +11876,7 @@
         </p:nvSpPr>
         <p:spPr>
           <a:xfrm>
-            <a:off x="7513321" y="1110652"/>
+            <a:off x="7499253" y="970501"/>
             <a:ext cx="4539174" cy="5693866"/>
           </a:xfrm>
           <a:custGeom>
@@ -12542,7 +12542,7 @@
               <a:buChar char="ü"/>
             </a:pPr>
             <a:r>
-              <a:rPr lang="en-US" sz="2000" i="0" u="none" strike="noStrike" baseline="0" dirty="0" err="1">
+              <a:rPr lang="en-US" sz="2000" b="1" i="0" u="none" strike="noStrike" baseline="0" dirty="0" err="1">
                 <a:solidFill>
                   <a:srgbClr val="000000"/>
                 </a:solidFill>
@@ -13226,7 +13226,7 @@
         </p:blipFill>
         <p:spPr>
           <a:xfrm>
-            <a:off x="871673" y="4344421"/>
+            <a:off x="871673" y="4435041"/>
             <a:ext cx="2926080" cy="1996440"/>
           </a:xfrm>
           <a:prstGeom prst="rect">
@@ -13255,35 +13255,95 @@
             <a:avLst/>
             <a:gdLst>
               <a:gd name="connsiteX0" fmla="*/ 0 w 2827606"/>
-              <a:gd name="connsiteY0" fmla="*/ 0 h 1015663"/>
+              <a:gd name="connsiteY0" fmla="*/ 0 h 1231106"/>
               <a:gd name="connsiteX1" fmla="*/ 622073 w 2827606"/>
-              <a:gd name="connsiteY1" fmla="*/ 0 h 1015663"/>
+              <a:gd name="connsiteY1" fmla="*/ 0 h 1231106"/>
               <a:gd name="connsiteX2" fmla="*/ 1215871 w 2827606"/>
-              <a:gd name="connsiteY2" fmla="*/ 0 h 1015663"/>
+              <a:gd name="connsiteY2" fmla="*/ 0 h 1231106"/>
               <a:gd name="connsiteX3" fmla="*/ 1696564 w 2827606"/>
-              <a:gd name="connsiteY3" fmla="*/ 0 h 1015663"/>
+              <a:gd name="connsiteY3" fmla="*/ 0 h 1231106"/>
               <a:gd name="connsiteX4" fmla="*/ 2262085 w 2827606"/>
-              <a:gd name="connsiteY4" fmla="*/ 0 h 1015663"/>
+              <a:gd name="connsiteY4" fmla="*/ 0 h 1231106"/>
               <a:gd name="connsiteX5" fmla="*/ 2827606 w 2827606"/>
-              <a:gd name="connsiteY5" fmla="*/ 0 h 1015663"/>
+              <a:gd name="connsiteY5" fmla="*/ 0 h 1231106"/>
               <a:gd name="connsiteX6" fmla="*/ 2827606 w 2827606"/>
-              <a:gd name="connsiteY6" fmla="*/ 497675 h 1015663"/>
+              <a:gd name="connsiteY6" fmla="*/ 603242 h 1231106"/>
               <a:gd name="connsiteX7" fmla="*/ 2827606 w 2827606"/>
-              <a:gd name="connsiteY7" fmla="*/ 1015663 h 1015663"/>
+              <a:gd name="connsiteY7" fmla="*/ 1231106 h 1231106"/>
               <a:gd name="connsiteX8" fmla="*/ 2346913 w 2827606"/>
-              <a:gd name="connsiteY8" fmla="*/ 1015663 h 1015663"/>
+              <a:gd name="connsiteY8" fmla="*/ 1231106 h 1231106"/>
               <a:gd name="connsiteX9" fmla="*/ 1809668 w 2827606"/>
-              <a:gd name="connsiteY9" fmla="*/ 1015663 h 1015663"/>
+              <a:gd name="connsiteY9" fmla="*/ 1231106 h 1231106"/>
               <a:gd name="connsiteX10" fmla="*/ 1215871 w 2827606"/>
-              <a:gd name="connsiteY10" fmla="*/ 1015663 h 1015663"/>
+              <a:gd name="connsiteY10" fmla="*/ 1231106 h 1231106"/>
               <a:gd name="connsiteX11" fmla="*/ 622073 w 2827606"/>
-              <a:gd name="connsiteY11" fmla="*/ 1015663 h 1015663"/>
+              <a:gd name="connsiteY11" fmla="*/ 1231106 h 1231106"/>
               <a:gd name="connsiteX12" fmla="*/ 0 w 2827606"/>
-              <a:gd name="connsiteY12" fmla="*/ 1015663 h 1015663"/>
+              <a:gd name="connsiteY12" fmla="*/ 1231106 h 1231106"/>
               <a:gd name="connsiteX13" fmla="*/ 0 w 2827606"/>
-              <a:gd name="connsiteY13" fmla="*/ 507832 h 1015663"/>
+              <a:gd name="connsiteY13" fmla="*/ 615553 h 1231106"/>
               <a:gd name="connsiteX14" fmla="*/ 0 w 2827606"/>
-              <a:gd name="connsiteY14" fmla="*/ 0 h 1015663"/>
+              <a:gd name="connsiteY14" fmla="*/ 0 h 1231106"/>
+              <a:gd name="connsiteX0" fmla="*/ 0 w 2827606"/>
+              <a:gd name="connsiteY0" fmla="*/ 0 h 1231106"/>
+              <a:gd name="connsiteX1" fmla="*/ 565521 w 2827606"/>
+              <a:gd name="connsiteY1" fmla="*/ 0 h 1231106"/>
+              <a:gd name="connsiteX2" fmla="*/ 1159318 w 2827606"/>
+              <a:gd name="connsiteY2" fmla="*/ 0 h 1231106"/>
+              <a:gd name="connsiteX3" fmla="*/ 1640011 w 2827606"/>
+              <a:gd name="connsiteY3" fmla="*/ 0 h 1231106"/>
+              <a:gd name="connsiteX4" fmla="*/ 2205533 w 2827606"/>
+              <a:gd name="connsiteY4" fmla="*/ 0 h 1231106"/>
+              <a:gd name="connsiteX5" fmla="*/ 2827606 w 2827606"/>
+              <a:gd name="connsiteY5" fmla="*/ 0 h 1231106"/>
+              <a:gd name="connsiteX6" fmla="*/ 2827606 w 2827606"/>
+              <a:gd name="connsiteY6" fmla="*/ 578620 h 1231106"/>
+              <a:gd name="connsiteX7" fmla="*/ 2827606 w 2827606"/>
+              <a:gd name="connsiteY7" fmla="*/ 1231106 h 1231106"/>
+              <a:gd name="connsiteX8" fmla="*/ 2346913 w 2827606"/>
+              <a:gd name="connsiteY8" fmla="*/ 1231106 h 1231106"/>
+              <a:gd name="connsiteX9" fmla="*/ 1809668 w 2827606"/>
+              <a:gd name="connsiteY9" fmla="*/ 1231106 h 1231106"/>
+              <a:gd name="connsiteX10" fmla="*/ 1215871 w 2827606"/>
+              <a:gd name="connsiteY10" fmla="*/ 1231106 h 1231106"/>
+              <a:gd name="connsiteX11" fmla="*/ 593797 w 2827606"/>
+              <a:gd name="connsiteY11" fmla="*/ 1231106 h 1231106"/>
+              <a:gd name="connsiteX12" fmla="*/ 0 w 2827606"/>
+              <a:gd name="connsiteY12" fmla="*/ 1231106 h 1231106"/>
+              <a:gd name="connsiteX13" fmla="*/ 0 w 2827606"/>
+              <a:gd name="connsiteY13" fmla="*/ 627863 h 1231106"/>
+              <a:gd name="connsiteX14" fmla="*/ 0 w 2827606"/>
+              <a:gd name="connsiteY14" fmla="*/ 0 h 1231106"/>
+              <a:gd name="connsiteX0" fmla="*/ 0 w 2827606"/>
+              <a:gd name="connsiteY0" fmla="*/ 0 h 1231106"/>
+              <a:gd name="connsiteX1" fmla="*/ 622073 w 2827606"/>
+              <a:gd name="connsiteY1" fmla="*/ 0 h 1231106"/>
+              <a:gd name="connsiteX2" fmla="*/ 1215871 w 2827606"/>
+              <a:gd name="connsiteY2" fmla="*/ 0 h 1231106"/>
+              <a:gd name="connsiteX3" fmla="*/ 1696564 w 2827606"/>
+              <a:gd name="connsiteY3" fmla="*/ 0 h 1231106"/>
+              <a:gd name="connsiteX4" fmla="*/ 2262085 w 2827606"/>
+              <a:gd name="connsiteY4" fmla="*/ 0 h 1231106"/>
+              <a:gd name="connsiteX5" fmla="*/ 2827606 w 2827606"/>
+              <a:gd name="connsiteY5" fmla="*/ 0 h 1231106"/>
+              <a:gd name="connsiteX6" fmla="*/ 2827606 w 2827606"/>
+              <a:gd name="connsiteY6" fmla="*/ 603242 h 1231106"/>
+              <a:gd name="connsiteX7" fmla="*/ 2827606 w 2827606"/>
+              <a:gd name="connsiteY7" fmla="*/ 1231106 h 1231106"/>
+              <a:gd name="connsiteX8" fmla="*/ 2346913 w 2827606"/>
+              <a:gd name="connsiteY8" fmla="*/ 1231106 h 1231106"/>
+              <a:gd name="connsiteX9" fmla="*/ 1809668 w 2827606"/>
+              <a:gd name="connsiteY9" fmla="*/ 1231106 h 1231106"/>
+              <a:gd name="connsiteX10" fmla="*/ 1215871 w 2827606"/>
+              <a:gd name="connsiteY10" fmla="*/ 1231106 h 1231106"/>
+              <a:gd name="connsiteX11" fmla="*/ 622073 w 2827606"/>
+              <a:gd name="connsiteY11" fmla="*/ 1231106 h 1231106"/>
+              <a:gd name="connsiteX12" fmla="*/ 0 w 2827606"/>
+              <a:gd name="connsiteY12" fmla="*/ 1231106 h 1231106"/>
+              <a:gd name="connsiteX13" fmla="*/ 0 w 2827606"/>
+              <a:gd name="connsiteY13" fmla="*/ 615553 h 1231106"/>
+              <a:gd name="connsiteX14" fmla="*/ 0 w 2827606"/>
+              <a:gd name="connsiteY14" fmla="*/ 0 h 1231106"/>
             </a:gdLst>
             <a:ahLst/>
             <a:cxnLst>
@@ -13335,154 +13395,306 @@
             </a:cxnLst>
             <a:rect l="l" t="t" r="r" b="b"/>
             <a:pathLst>
-              <a:path w="2827606" h="1015663" fill="none" extrusionOk="0">
+              <a:path w="2827606" h="1231106" fill="none" extrusionOk="0">
                 <a:moveTo>
                   <a:pt x="0" y="0"/>
                 </a:moveTo>
                 <a:cubicBezTo>
-                  <a:pt x="295948" y="-71944"/>
-                  <a:pt x="313030" y="67701"/>
+                  <a:pt x="340762" y="-139358"/>
+                  <a:pt x="270329" y="69491"/>
                   <a:pt x="622073" y="0"/>
                 </a:cubicBezTo>
                 <a:cubicBezTo>
-                  <a:pt x="931116" y="-67701"/>
-                  <a:pt x="1061771" y="41529"/>
+                  <a:pt x="980296" y="-126669"/>
+                  <a:pt x="1053331" y="12424"/>
                   <a:pt x="1215871" y="0"/>
                 </a:cubicBezTo>
                 <a:cubicBezTo>
-                  <a:pt x="1369971" y="-41529"/>
-                  <a:pt x="1500097" y="3157"/>
+                  <a:pt x="1408629" y="-17994"/>
+                  <a:pt x="1467299" y="28664"/>
                   <a:pt x="1696564" y="0"/>
                 </a:cubicBezTo>
                 <a:cubicBezTo>
-                  <a:pt x="1893031" y="-3157"/>
-                  <a:pt x="2124539" y="65154"/>
+                  <a:pt x="1852109" y="-65574"/>
+                  <a:pt x="2176285" y="151278"/>
                   <a:pt x="2262085" y="0"/>
                 </a:cubicBezTo>
                 <a:cubicBezTo>
-                  <a:pt x="2399631" y="-65154"/>
-                  <a:pt x="2599208" y="45752"/>
+                  <a:pt x="2433240" y="-128525"/>
+                  <a:pt x="2657878" y="102846"/>
                   <a:pt x="2827606" y="0"/>
                 </a:cubicBezTo>
                 <a:cubicBezTo>
-                  <a:pt x="2836870" y="241078"/>
-                  <a:pt x="2781299" y="331848"/>
-                  <a:pt x="2827606" y="497675"/>
+                  <a:pt x="2876010" y="345508"/>
+                  <a:pt x="2737772" y="399774"/>
+                  <a:pt x="2827606" y="603242"/>
                 </a:cubicBezTo>
                 <a:cubicBezTo>
-                  <a:pt x="2873913" y="663502"/>
-                  <a:pt x="2775105" y="781660"/>
-                  <a:pt x="2827606" y="1015663"/>
+                  <a:pt x="2927723" y="814996"/>
+                  <a:pt x="2715484" y="1019532"/>
+                  <a:pt x="2827606" y="1231106"/>
                 </a:cubicBezTo>
                 <a:cubicBezTo>
-                  <a:pt x="2632501" y="1047687"/>
-                  <a:pt x="2460575" y="966647"/>
-                  <a:pt x="2346913" y="1015663"/>
+                  <a:pt x="2648577" y="1300324"/>
+                  <a:pt x="2462696" y="1196007"/>
+                  <a:pt x="2346913" y="1231106"/>
                 </a:cubicBezTo>
                 <a:cubicBezTo>
-                  <a:pt x="2233251" y="1064679"/>
-                  <a:pt x="2030414" y="987434"/>
-                  <a:pt x="1809668" y="1015663"/>
+                  <a:pt x="2222612" y="1390537"/>
+                  <a:pt x="2006765" y="1105441"/>
+                  <a:pt x="1809668" y="1231106"/>
                 </a:cubicBezTo>
                 <a:cubicBezTo>
-                  <a:pt x="1588923" y="1043892"/>
-                  <a:pt x="1476447" y="948793"/>
-                  <a:pt x="1215871" y="1015663"/>
+                  <a:pt x="1638728" y="1217836"/>
+                  <a:pt x="1493663" y="1112931"/>
+                  <a:pt x="1215871" y="1231106"/>
                 </a:cubicBezTo>
                 <a:cubicBezTo>
-                  <a:pt x="955295" y="1082533"/>
-                  <a:pt x="769783" y="973085"/>
-                  <a:pt x="622073" y="1015663"/>
+                  <a:pt x="1006959" y="1343122"/>
+                  <a:pt x="842109" y="1117394"/>
+                  <a:pt x="622073" y="1231106"/>
                 </a:cubicBezTo>
                 <a:cubicBezTo>
-                  <a:pt x="474363" y="1058241"/>
-                  <a:pt x="188861" y="1013889"/>
-                  <a:pt x="0" y="1015663"/>
+                  <a:pt x="453993" y="1309077"/>
+                  <a:pt x="168160" y="1236614"/>
+                  <a:pt x="0" y="1231106"/>
                 </a:cubicBezTo>
                 <a:cubicBezTo>
-                  <a:pt x="-37435" y="879317"/>
-                  <a:pt x="3940" y="645052"/>
-                  <a:pt x="0" y="507832"/>
+                  <a:pt x="-76766" y="1008458"/>
+                  <a:pt x="-11820" y="743980"/>
+                  <a:pt x="0" y="615553"/>
                 </a:cubicBezTo>
                 <a:cubicBezTo>
-                  <a:pt x="-3940" y="370612"/>
-                  <a:pt x="42361" y="120915"/>
+                  <a:pt x="-37776" y="429457"/>
+                  <a:pt x="63814" y="103161"/>
                   <a:pt x="0" y="0"/>
                 </a:cubicBezTo>
                 <a:close/>
               </a:path>
-              <a:path w="2827606" h="1015663" stroke="0" extrusionOk="0">
+              <a:path w="2827606" h="1231106" stroke="0" extrusionOk="0">
                 <a:moveTo>
                   <a:pt x="0" y="0"/>
                 </a:moveTo>
                 <a:cubicBezTo>
-                  <a:pt x="155634" y="-27539"/>
-                  <a:pt x="440276" y="21119"/>
+                  <a:pt x="199795" y="-23608"/>
+                  <a:pt x="419443" y="-9571"/>
                   <a:pt x="565521" y="0"/>
                 </a:cubicBezTo>
                 <a:cubicBezTo>
-                  <a:pt x="690766" y="-21119"/>
-                  <a:pt x="912794" y="7776"/>
+                  <a:pt x="736516" y="-76495"/>
+                  <a:pt x="887272" y="-55782"/>
                   <a:pt x="1159318" y="0"/>
                 </a:cubicBezTo>
                 <a:cubicBezTo>
-                  <a:pt x="1405842" y="-7776"/>
-                  <a:pt x="1489557" y="42933"/>
+                  <a:pt x="1422692" y="-30436"/>
+                  <a:pt x="1451883" y="77089"/>
                   <a:pt x="1640011" y="0"/>
                 </a:cubicBezTo>
                 <a:cubicBezTo>
-                  <a:pt x="1790465" y="-42933"/>
-                  <a:pt x="1960319" y="44827"/>
+                  <a:pt x="1711608" y="-43591"/>
+                  <a:pt x="1949708" y="-10997"/>
                   <a:pt x="2205533" y="0"/>
                 </a:cubicBezTo>
                 <a:cubicBezTo>
-                  <a:pt x="2450747" y="-44827"/>
-                  <a:pt x="2516944" y="7397"/>
+                  <a:pt x="2473365" y="-34752"/>
+                  <a:pt x="2511529" y="-14206"/>
                   <a:pt x="2827606" y="0"/>
                 </a:cubicBezTo>
                 <a:cubicBezTo>
-                  <a:pt x="2858683" y="231376"/>
-                  <a:pt x="2771618" y="372373"/>
-                  <a:pt x="2827606" y="477362"/>
+                  <a:pt x="2882934" y="310837"/>
+                  <a:pt x="2757963" y="411171"/>
+                  <a:pt x="2827606" y="578620"/>
                 </a:cubicBezTo>
                 <a:cubicBezTo>
-                  <a:pt x="2883594" y="582351"/>
-                  <a:pt x="2783171" y="823595"/>
-                  <a:pt x="2827606" y="1015663"/>
+                  <a:pt x="2876562" y="729227"/>
+                  <a:pt x="2797127" y="1031959"/>
+                  <a:pt x="2827606" y="1231106"/>
                 </a:cubicBezTo>
                 <a:cubicBezTo>
-                  <a:pt x="2672325" y="1048050"/>
-                  <a:pt x="2478326" y="960946"/>
-                  <a:pt x="2346913" y="1015663"/>
+                  <a:pt x="2684570" y="1226622"/>
+                  <a:pt x="2456005" y="1174099"/>
+                  <a:pt x="2346913" y="1231106"/>
                 </a:cubicBezTo>
                 <a:cubicBezTo>
-                  <a:pt x="2215500" y="1070380"/>
-                  <a:pt x="2074018" y="992123"/>
-                  <a:pt x="1809668" y="1015663"/>
+                  <a:pt x="2297061" y="1304759"/>
+                  <a:pt x="2120303" y="1265908"/>
+                  <a:pt x="1809668" y="1231106"/>
                 </a:cubicBezTo>
                 <a:cubicBezTo>
-                  <a:pt x="1545318" y="1039203"/>
-                  <a:pt x="1395237" y="955813"/>
-                  <a:pt x="1215871" y="1015663"/>
+                  <a:pt x="1620795" y="1273052"/>
+                  <a:pt x="1341076" y="1192048"/>
+                  <a:pt x="1215871" y="1231106"/>
                 </a:cubicBezTo>
                 <a:cubicBezTo>
-                  <a:pt x="1036505" y="1075513"/>
-                  <a:pt x="865307" y="955457"/>
-                  <a:pt x="593797" y="1015663"/>
+                  <a:pt x="1013530" y="1247375"/>
+                  <a:pt x="862191" y="1196408"/>
+                  <a:pt x="593797" y="1231106"/>
                 </a:cubicBezTo>
                 <a:cubicBezTo>
-                  <a:pt x="322287" y="1075869"/>
-                  <a:pt x="206790" y="974851"/>
-                  <a:pt x="0" y="1015663"/>
+                  <a:pt x="348080" y="1268863"/>
+                  <a:pt x="233349" y="1232692"/>
+                  <a:pt x="0" y="1231106"/>
                 </a:cubicBezTo>
                 <a:cubicBezTo>
-                  <a:pt x="-33116" y="870170"/>
-                  <a:pt x="7775" y="656774"/>
-                  <a:pt x="0" y="517988"/>
+                  <a:pt x="28182" y="1000735"/>
+                  <a:pt x="26084" y="766902"/>
+                  <a:pt x="0" y="627863"/>
                 </a:cubicBezTo>
                 <a:cubicBezTo>
-                  <a:pt x="-7775" y="379202"/>
-                  <a:pt x="50017" y="170989"/>
+                  <a:pt x="79747" y="440108"/>
+                  <a:pt x="21583" y="192070"/>
+                  <a:pt x="0" y="0"/>
+                </a:cubicBezTo>
+                <a:close/>
+              </a:path>
+              <a:path w="2827606" h="1231106" fill="none" stroke="0" extrusionOk="0">
+                <a:moveTo>
+                  <a:pt x="0" y="0"/>
+                </a:moveTo>
+                <a:cubicBezTo>
+                  <a:pt x="285735" y="-52016"/>
+                  <a:pt x="291000" y="78092"/>
+                  <a:pt x="622073" y="0"/>
+                </a:cubicBezTo>
+                <a:cubicBezTo>
+                  <a:pt x="939449" y="-98651"/>
+                  <a:pt x="1040579" y="74483"/>
+                  <a:pt x="1215871" y="0"/>
+                </a:cubicBezTo>
+                <a:cubicBezTo>
+                  <a:pt x="1364951" y="-99316"/>
+                  <a:pt x="1522988" y="-4893"/>
+                  <a:pt x="1696564" y="0"/>
+                </a:cubicBezTo>
+                <a:cubicBezTo>
+                  <a:pt x="1872418" y="-8428"/>
+                  <a:pt x="2106700" y="70252"/>
+                  <a:pt x="2262085" y="0"/>
+                </a:cubicBezTo>
+                <a:cubicBezTo>
+                  <a:pt x="2382762" y="-73073"/>
+                  <a:pt x="2554788" y="19942"/>
+                  <a:pt x="2827606" y="0"/>
+                </a:cubicBezTo>
+                <a:cubicBezTo>
+                  <a:pt x="2870289" y="300202"/>
+                  <a:pt x="2802537" y="402467"/>
+                  <a:pt x="2827606" y="603242"/>
+                </a:cubicBezTo>
+                <a:cubicBezTo>
+                  <a:pt x="2919816" y="830276"/>
+                  <a:pt x="2781459" y="896435"/>
+                  <a:pt x="2827606" y="1231106"/>
+                </a:cubicBezTo>
+                <a:cubicBezTo>
+                  <a:pt x="2646258" y="1253624"/>
+                  <a:pt x="2480607" y="1185203"/>
+                  <a:pt x="2346913" y="1231106"/>
+                </a:cubicBezTo>
+                <a:cubicBezTo>
+                  <a:pt x="2268163" y="1336797"/>
+                  <a:pt x="1976049" y="1194753"/>
+                  <a:pt x="1809668" y="1231106"/>
+                </a:cubicBezTo>
+                <a:cubicBezTo>
+                  <a:pt x="1559246" y="1248490"/>
+                  <a:pt x="1497840" y="1180456"/>
+                  <a:pt x="1215871" y="1231106"/>
+                </a:cubicBezTo>
+                <a:cubicBezTo>
+                  <a:pt x="928990" y="1344600"/>
+                  <a:pt x="760797" y="1191597"/>
+                  <a:pt x="622073" y="1231106"/>
+                </a:cubicBezTo>
+                <a:cubicBezTo>
+                  <a:pt x="527860" y="1271329"/>
+                  <a:pt x="174778" y="1254699"/>
+                  <a:pt x="0" y="1231106"/>
+                </a:cubicBezTo>
+                <a:cubicBezTo>
+                  <a:pt x="-18962" y="1057351"/>
+                  <a:pt x="62966" y="769401"/>
+                  <a:pt x="0" y="615553"/>
+                </a:cubicBezTo>
+                <a:cubicBezTo>
+                  <a:pt x="-22478" y="425085"/>
+                  <a:pt x="23432" y="183948"/>
+                  <a:pt x="0" y="0"/>
+                </a:cubicBezTo>
+                <a:close/>
+              </a:path>
+              <a:path w="2827606" h="1231106" fill="none" stroke="0" extrusionOk="0">
+                <a:moveTo>
+                  <a:pt x="0" y="0"/>
+                </a:moveTo>
+                <a:cubicBezTo>
+                  <a:pt x="323068" y="-110191"/>
+                  <a:pt x="310921" y="89822"/>
+                  <a:pt x="622073" y="0"/>
+                </a:cubicBezTo>
+                <a:cubicBezTo>
+                  <a:pt x="949317" y="-87573"/>
+                  <a:pt x="1015619" y="32586"/>
+                  <a:pt x="1215871" y="0"/>
+                </a:cubicBezTo>
+                <a:cubicBezTo>
+                  <a:pt x="1389638" y="-32431"/>
+                  <a:pt x="1472390" y="18194"/>
+                  <a:pt x="1696564" y="0"/>
+                </a:cubicBezTo>
+                <a:cubicBezTo>
+                  <a:pt x="1896742" y="-72840"/>
+                  <a:pt x="2132538" y="100288"/>
+                  <a:pt x="2262085" y="0"/>
+                </a:cubicBezTo>
+                <a:cubicBezTo>
+                  <a:pt x="2435709" y="-99865"/>
+                  <a:pt x="2643583" y="82412"/>
+                  <a:pt x="2827606" y="0"/>
+                </a:cubicBezTo>
+                <a:cubicBezTo>
+                  <a:pt x="2874242" y="296476"/>
+                  <a:pt x="2746051" y="435042"/>
+                  <a:pt x="2827606" y="603242"/>
+                </a:cubicBezTo>
+                <a:cubicBezTo>
+                  <a:pt x="2933850" y="817159"/>
+                  <a:pt x="2740210" y="948487"/>
+                  <a:pt x="2827606" y="1231106"/>
+                </a:cubicBezTo>
+                <a:cubicBezTo>
+                  <a:pt x="2659733" y="1296762"/>
+                  <a:pt x="2484408" y="1187392"/>
+                  <a:pt x="2346913" y="1231106"/>
+                </a:cubicBezTo>
+                <a:cubicBezTo>
+                  <a:pt x="2257839" y="1337808"/>
+                  <a:pt x="1987390" y="1167787"/>
+                  <a:pt x="1809668" y="1231106"/>
+                </a:cubicBezTo>
+                <a:cubicBezTo>
+                  <a:pt x="1615527" y="1235027"/>
+                  <a:pt x="1510890" y="1176480"/>
+                  <a:pt x="1215871" y="1231106"/>
+                </a:cubicBezTo>
+                <a:cubicBezTo>
+                  <a:pt x="949749" y="1328863"/>
+                  <a:pt x="814264" y="1174316"/>
+                  <a:pt x="622073" y="1231106"/>
+                </a:cubicBezTo>
+                <a:cubicBezTo>
+                  <a:pt x="510865" y="1312366"/>
+                  <a:pt x="164419" y="1238502"/>
+                  <a:pt x="0" y="1231106"/>
+                </a:cubicBezTo>
+                <a:cubicBezTo>
+                  <a:pt x="-50883" y="1029210"/>
+                  <a:pt x="18256" y="749745"/>
+                  <a:pt x="0" y="615553"/>
+                </a:cubicBezTo>
+                <a:cubicBezTo>
+                  <a:pt x="-27890" y="426618"/>
+                  <a:pt x="38453" y="99869"/>
                   <a:pt x="0" y="0"/>
                 </a:cubicBezTo>
                 <a:close/>
@@ -14334,7 +14546,7 @@
                   </a:schemeClr>
                 </a:solidFill>
               </a:rPr>
-              <a:t>CNN metrics</a:t>
+              <a:t>Evaluation metrics</a:t>
             </a:r>
             <a:endParaRPr lang="el-GR" sz="2400" b="1" dirty="0">
               <a:ln/>
@@ -15365,8 +15577,12 @@
           <a:lstStyle/>
           <a:p>
             <a:r>
+              <a:rPr lang="en-US" u="sng" dirty="0"/>
+              <a:t>Important note</a:t>
+            </a:r>
+            <a:r>
               <a:rPr lang="en-US" dirty="0"/>
-              <a:t>Important note: The lowest accuracy achieved only in the 2 specific SDGs with the smallest number of documents in our initial dataset (SDG7, SDG12)</a:t>
+              <a:t>: The lowest accuracy achieved only in the 2 specific SDGs with the smallest number of documents in our initial dataset (SDG7, SDG12)</a:t>
             </a:r>
             <a:endParaRPr lang="el-GR" dirty="0"/>
           </a:p>
@@ -33587,7 +33803,7 @@
         </p:nvSpPr>
         <p:spPr>
           <a:xfrm>
-            <a:off x="286989" y="4188692"/>
+            <a:off x="6116864" y="1361498"/>
             <a:ext cx="2423886" cy="646331"/>
           </a:xfrm>
           <a:prstGeom prst="rect">
@@ -33630,7 +33846,7 @@
         <p:spPr>
           <a:xfrm>
             <a:off x="4933950" y="4961220"/>
-            <a:ext cx="2365828" cy="1477328"/>
+            <a:ext cx="2365828" cy="1754326"/>
           </a:xfrm>
           <a:prstGeom prst="rect">
             <a:avLst/>
@@ -33651,7 +33867,7 @@
                   </a:schemeClr>
                 </a:solidFill>
               </a:rPr>
-              <a:t>Remove frequently-used words that are not stop-words</a:t>
+              <a:t>Remove frequently-used words that are not stop-words (e.g. ‘Title:’, ’using’)</a:t>
             </a:r>
           </a:p>
           <a:p>
@@ -33932,7 +34148,7 @@
         </p:nvSpPr>
         <p:spPr>
           <a:xfrm>
-            <a:off x="1553028" y="5384800"/>
+            <a:off x="626891" y="4956703"/>
             <a:ext cx="3090041" cy="1200329"/>
           </a:xfrm>
           <a:prstGeom prst="rect">
@@ -33955,48 +34171,6 @@
                 </a:solidFill>
               </a:rPr>
               <a:t>One Hot Encoding and Count Vectorizer to convert the data to numerical</a:t>
-            </a:r>
-            <a:endParaRPr lang="el-GR" dirty="0">
-              <a:solidFill>
-                <a:schemeClr val="bg2">
-                  <a:lumMod val="50000"/>
-                </a:schemeClr>
-              </a:solidFill>
-            </a:endParaRPr>
-          </a:p>
-        </p:txBody>
-      </p:sp>
-      <p:sp>
-        <p:nvSpPr>
-          <p:cNvPr id="68" name="67 - TextBox"/>
-          <p:cNvSpPr txBox="1"/>
-          <p:nvPr/>
-        </p:nvSpPr>
-        <p:spPr>
-          <a:xfrm>
-            <a:off x="5373803" y="1450494"/>
-            <a:ext cx="3454400" cy="646331"/>
-          </a:xfrm>
-          <a:prstGeom prst="rect">
-            <a:avLst/>
-          </a:prstGeom>
-          <a:noFill/>
-        </p:spPr>
-        <p:txBody>
-          <a:bodyPr wrap="square" rtlCol="0">
-            <a:spAutoFit/>
-          </a:bodyPr>
-          <a:lstStyle/>
-          <a:p>
-            <a:r>
-              <a:rPr lang="en-US" dirty="0">
-                <a:solidFill>
-                  <a:schemeClr val="bg2">
-                    <a:lumMod val="50000"/>
-                  </a:schemeClr>
-                </a:solidFill>
-              </a:rPr>
-              <a:t>Normalization of both input and output variables to 0,1</a:t>
             </a:r>
             <a:endParaRPr lang="el-GR" dirty="0">
               <a:solidFill>

--- a/ML&CA.pptx
+++ b/ML&CA.pptx
@@ -5,7 +5,7 @@
     <p:sldMasterId id="2147483692" r:id="rId1"/>
   </p:sldMasterIdLst>
   <p:notesMasterIdLst>
-    <p:notesMasterId r:id="rId20"/>
+    <p:notesMasterId r:id="rId19"/>
   </p:notesMasterIdLst>
   <p:sldIdLst>
     <p:sldId id="524" r:id="rId2"/>
@@ -20,33 +20,32 @@
     <p:sldId id="512" r:id="rId11"/>
     <p:sldId id="522" r:id="rId12"/>
     <p:sldId id="507" r:id="rId13"/>
-    <p:sldId id="511" r:id="rId14"/>
-    <p:sldId id="508" r:id="rId15"/>
-    <p:sldId id="516" r:id="rId16"/>
-    <p:sldId id="525" r:id="rId17"/>
-    <p:sldId id="514" r:id="rId18"/>
-    <p:sldId id="515" r:id="rId19"/>
+    <p:sldId id="508" r:id="rId14"/>
+    <p:sldId id="516" r:id="rId15"/>
+    <p:sldId id="525" r:id="rId16"/>
+    <p:sldId id="514" r:id="rId17"/>
+    <p:sldId id="515" r:id="rId18"/>
   </p:sldIdLst>
   <p:sldSz cx="12192000" cy="6858000"/>
   <p:notesSz cx="6858000" cy="9144000"/>
   <p:embeddedFontLst>
     <p:embeddedFont>
       <p:font typeface="Calibri" panose="020F0502020204030204" pitchFamily="34" charset="0"/>
-      <p:regular r:id="rId21"/>
-      <p:bold r:id="rId22"/>
-      <p:italic r:id="rId23"/>
-      <p:boldItalic r:id="rId24"/>
+      <p:regular r:id="rId20"/>
+      <p:bold r:id="rId21"/>
+      <p:italic r:id="rId22"/>
+      <p:boldItalic r:id="rId23"/>
     </p:embeddedFont>
     <p:embeddedFont>
       <p:font typeface="Century Gothic" panose="020B0502020202020204" pitchFamily="34" charset="0"/>
-      <p:regular r:id="rId25"/>
-      <p:bold r:id="rId26"/>
-      <p:italic r:id="rId27"/>
-      <p:boldItalic r:id="rId28"/>
+      <p:regular r:id="rId24"/>
+      <p:bold r:id="rId25"/>
+      <p:italic r:id="rId26"/>
+      <p:boldItalic r:id="rId27"/>
     </p:embeddedFont>
     <p:embeddedFont>
       <p:font typeface="Wingdings 3" panose="05040102010807070707" pitchFamily="18" charset="2"/>
-      <p:regular r:id="rId29"/>
+      <p:regular r:id="rId28"/>
     </p:embeddedFont>
   </p:embeddedFontLst>
   <p:defaultTextStyle>
@@ -246,7 +245,7 @@
           <a:p>
             <a:fld id="{9A49465F-C275-46C4-9F58-FF79DE6B5F19}" type="datetimeFigureOut">
               <a:rPr lang="en-US" smtClean="0"/>
-              <a:t>2020-11-15</a:t>
+              <a:t>11/19/2020</a:t>
             </a:fld>
             <a:endParaRPr lang="en-US"/>
           </a:p>
@@ -1383,7 +1382,7 @@
           <a:p>
             <a:fld id="{AA70F276-1833-4A75-9C1D-A56E2295A68D}" type="datetimeFigureOut">
               <a:rPr lang="en-US" smtClean="0"/>
-              <a:t>2020-11-15</a:t>
+              <a:t>11/19/2020</a:t>
             </a:fld>
             <a:endParaRPr lang="en-US"/>
           </a:p>
@@ -1659,7 +1658,7 @@
             <a:fld id="{AA70F276-1833-4A75-9C1D-A56E2295A68D}" type="datetimeFigureOut">
               <a:rPr lang="en-US" smtClean="0"/>
               <a:pPr/>
-              <a:t>2020-11-15</a:t>
+              <a:t>11/19/2020</a:t>
             </a:fld>
             <a:endParaRPr lang="en-US" dirty="0"/>
           </a:p>
@@ -1859,7 +1858,7 @@
             <a:fld id="{AA70F276-1833-4A75-9C1D-A56E2295A68D}" type="datetimeFigureOut">
               <a:rPr lang="en-US" smtClean="0"/>
               <a:pPr/>
-              <a:t>2020-11-15</a:t>
+              <a:t>11/19/2020</a:t>
             </a:fld>
             <a:endParaRPr lang="en-US" dirty="0"/>
           </a:p>
@@ -2138,7 +2137,7 @@
             <a:fld id="{AA70F276-1833-4A75-9C1D-A56E2295A68D}" type="datetimeFigureOut">
               <a:rPr lang="en-US" smtClean="0"/>
               <a:pPr/>
-              <a:t>2020-11-15</a:t>
+              <a:t>11/19/2020</a:t>
             </a:fld>
             <a:endParaRPr lang="en-US" dirty="0"/>
           </a:p>
@@ -2485,7 +2484,7 @@
             <a:fld id="{AA70F276-1833-4A75-9C1D-A56E2295A68D}" type="datetimeFigureOut">
               <a:rPr lang="en-US" smtClean="0"/>
               <a:pPr/>
-              <a:t>2020-11-15</a:t>
+              <a:t>11/19/2020</a:t>
             </a:fld>
             <a:endParaRPr lang="en-US" dirty="0"/>
           </a:p>
@@ -3114,7 +3113,7 @@
             <a:fld id="{AA70F276-1833-4A75-9C1D-A56E2295A68D}" type="datetimeFigureOut">
               <a:rPr lang="en-US" smtClean="0"/>
               <a:pPr/>
-              <a:t>2020-11-15</a:t>
+              <a:t>11/19/2020</a:t>
             </a:fld>
             <a:endParaRPr lang="en-US" dirty="0"/>
           </a:p>
@@ -3980,7 +3979,7 @@
             <a:fld id="{AA70F276-1833-4A75-9C1D-A56E2295A68D}" type="datetimeFigureOut">
               <a:rPr lang="en-US" smtClean="0"/>
               <a:pPr/>
-              <a:t>2020-11-15</a:t>
+              <a:t>11/19/2020</a:t>
             </a:fld>
             <a:endParaRPr lang="en-US" dirty="0"/>
           </a:p>
@@ -4155,7 +4154,7 @@
           <a:p>
             <a:fld id="{AA70F276-1833-4A75-9C1D-A56E2295A68D}" type="datetimeFigureOut">
               <a:rPr lang="en-US" smtClean="0"/>
-              <a:t>2020-11-15</a:t>
+              <a:t>11/19/2020</a:t>
             </a:fld>
             <a:endParaRPr lang="en-US"/>
           </a:p>
@@ -4335,7 +4334,7 @@
           <a:p>
             <a:fld id="{AA70F276-1833-4A75-9C1D-A56E2295A68D}" type="datetimeFigureOut">
               <a:rPr lang="en-US" smtClean="0"/>
-              <a:t>2020-11-15</a:t>
+              <a:t>11/19/2020</a:t>
             </a:fld>
             <a:endParaRPr lang="en-US"/>
           </a:p>
@@ -4505,7 +4504,7 @@
           <a:p>
             <a:fld id="{AA70F276-1833-4A75-9C1D-A56E2295A68D}" type="datetimeFigureOut">
               <a:rPr lang="en-US" smtClean="0"/>
-              <a:t>2020-11-15</a:t>
+              <a:t>11/19/2020</a:t>
             </a:fld>
             <a:endParaRPr lang="en-US"/>
           </a:p>
@@ -4752,7 +4751,7 @@
           <a:p>
             <a:fld id="{AA70F276-1833-4A75-9C1D-A56E2295A68D}" type="datetimeFigureOut">
               <a:rPr lang="en-US" smtClean="0"/>
-              <a:t>2020-11-15</a:t>
+              <a:t>11/19/2020</a:t>
             </a:fld>
             <a:endParaRPr lang="en-US"/>
           </a:p>
@@ -5044,7 +5043,7 @@
           <a:p>
             <a:fld id="{AA70F276-1833-4A75-9C1D-A56E2295A68D}" type="datetimeFigureOut">
               <a:rPr lang="en-US" smtClean="0"/>
-              <a:t>2020-11-15</a:t>
+              <a:t>11/19/2020</a:t>
             </a:fld>
             <a:endParaRPr lang="en-US"/>
           </a:p>
@@ -5488,7 +5487,7 @@
           <a:p>
             <a:fld id="{AA70F276-1833-4A75-9C1D-A56E2295A68D}" type="datetimeFigureOut">
               <a:rPr lang="en-US" smtClean="0"/>
-              <a:t>2020-11-15</a:t>
+              <a:t>11/19/2020</a:t>
             </a:fld>
             <a:endParaRPr lang="en-US"/>
           </a:p>
@@ -5606,7 +5605,7 @@
           <a:p>
             <a:fld id="{AA70F276-1833-4A75-9C1D-A56E2295A68D}" type="datetimeFigureOut">
               <a:rPr lang="en-US" smtClean="0"/>
-              <a:t>2020-11-15</a:t>
+              <a:t>11/19/2020</a:t>
             </a:fld>
             <a:endParaRPr lang="en-US"/>
           </a:p>
@@ -5701,7 +5700,7 @@
           <a:p>
             <a:fld id="{AA70F276-1833-4A75-9C1D-A56E2295A68D}" type="datetimeFigureOut">
               <a:rPr lang="en-US" smtClean="0"/>
-              <a:t>2020-11-15</a:t>
+              <a:t>11/19/2020</a:t>
             </a:fld>
             <a:endParaRPr lang="en-US"/>
           </a:p>
@@ -5980,7 +5979,7 @@
           <a:p>
             <a:fld id="{AA70F276-1833-4A75-9C1D-A56E2295A68D}" type="datetimeFigureOut">
               <a:rPr lang="en-US" smtClean="0"/>
-              <a:t>2020-11-15</a:t>
+              <a:t>11/19/2020</a:t>
             </a:fld>
             <a:endParaRPr lang="en-US"/>
           </a:p>
@@ -6255,7 +6254,7 @@
           <a:p>
             <a:fld id="{AA70F276-1833-4A75-9C1D-A56E2295A68D}" type="datetimeFigureOut">
               <a:rPr lang="en-US" smtClean="0"/>
-              <a:t>2020-11-15</a:t>
+              <a:t>11/19/2020</a:t>
             </a:fld>
             <a:endParaRPr lang="en-US"/>
           </a:p>
@@ -6685,7 +6684,7 @@
             <a:fld id="{AA70F276-1833-4A75-9C1D-A56E2295A68D}" type="datetimeFigureOut">
               <a:rPr lang="en-US" smtClean="0"/>
               <a:pPr/>
-              <a:t>2020-11-15</a:t>
+              <a:t>11/19/2020</a:t>
             </a:fld>
             <a:endParaRPr lang="en-US" dirty="0"/>
           </a:p>
@@ -9761,8 +9760,8 @@
         </p:nvSpPr>
         <p:spPr>
           <a:xfrm>
-            <a:off x="444520" y="1102816"/>
-            <a:ext cx="5772150" cy="4154984"/>
+            <a:off x="444519" y="972263"/>
+            <a:ext cx="6837785" cy="3416320"/>
           </a:xfrm>
           <a:prstGeom prst="rect">
             <a:avLst/>
@@ -9775,7 +9774,7 @@
           </a:bodyPr>
           <a:lstStyle/>
           <a:p>
-            <a:pPr marL="285750" indent="-285750" algn="l">
+            <a:pPr marL="285750" indent="-285750" algn="just">
               <a:buFont typeface="Wingdings" panose="05000000000000000000" pitchFamily="2" charset="2"/>
               <a:buChar char="Ø"/>
             </a:pPr>
@@ -9793,7 +9792,7 @@
             </a:r>
           </a:p>
           <a:p>
-            <a:pPr marL="285750" indent="-285750" algn="l">
+            <a:pPr marL="285750" indent="-285750" algn="just">
               <a:buFont typeface="Wingdings" panose="05000000000000000000" pitchFamily="2" charset="2"/>
               <a:buChar char="Ø"/>
             </a:pPr>
@@ -9811,7 +9810,7 @@
             </a:r>
           </a:p>
           <a:p>
-            <a:pPr marL="342900" indent="-342900">
+            <a:pPr marL="342900" indent="-342900" algn="just">
               <a:buFont typeface="Wingdings" panose="05000000000000000000" pitchFamily="2" charset="2"/>
               <a:buChar char="Ø"/>
             </a:pPr>
@@ -9829,10 +9828,10 @@
       </p:sp>
       <p:sp>
         <p:nvSpPr>
-          <p:cNvPr id="8" name="TextBox 7">
+          <p:cNvPr id="22" name="TextBox 21">
             <a:extLst>
               <a:ext uri="{FF2B5EF4-FFF2-40B4-BE49-F238E27FC236}">
-                <a16:creationId xmlns:a16="http://schemas.microsoft.com/office/drawing/2014/main" id="{E875A1F8-455A-4CCE-A31A-1E3F41D0ABB9}"/>
+                <a16:creationId xmlns:a16="http://schemas.microsoft.com/office/drawing/2014/main" id="{26F1C461-984D-4077-B8D4-AE1671A0B567}"/>
               </a:ext>
             </a:extLst>
           </p:cNvPr>
@@ -9841,58 +9840,104 @@
         </p:nvSpPr>
         <p:spPr>
           <a:xfrm>
-            <a:off x="2941748" y="4824121"/>
-            <a:ext cx="3887968" cy="2000548"/>
+            <a:off x="98473" y="4279359"/>
+            <a:ext cx="9594167" cy="2585323"/>
           </a:xfrm>
           <a:custGeom>
             <a:avLst/>
             <a:gdLst>
-              <a:gd name="connsiteX0" fmla="*/ 0 w 3887968"/>
-              <a:gd name="connsiteY0" fmla="*/ 0 h 2000548"/>
-              <a:gd name="connsiteX1" fmla="*/ 438785 w 3887968"/>
-              <a:gd name="connsiteY1" fmla="*/ 0 h 2000548"/>
-              <a:gd name="connsiteX2" fmla="*/ 1033089 w 3887968"/>
-              <a:gd name="connsiteY2" fmla="*/ 0 h 2000548"/>
-              <a:gd name="connsiteX3" fmla="*/ 1627392 w 3887968"/>
-              <a:gd name="connsiteY3" fmla="*/ 0 h 2000548"/>
-              <a:gd name="connsiteX4" fmla="*/ 2105057 w 3887968"/>
-              <a:gd name="connsiteY4" fmla="*/ 0 h 2000548"/>
-              <a:gd name="connsiteX5" fmla="*/ 2699361 w 3887968"/>
-              <a:gd name="connsiteY5" fmla="*/ 0 h 2000548"/>
-              <a:gd name="connsiteX6" fmla="*/ 3254785 w 3887968"/>
-              <a:gd name="connsiteY6" fmla="*/ 0 h 2000548"/>
-              <a:gd name="connsiteX7" fmla="*/ 3887968 w 3887968"/>
-              <a:gd name="connsiteY7" fmla="*/ 0 h 2000548"/>
-              <a:gd name="connsiteX8" fmla="*/ 3887968 w 3887968"/>
-              <a:gd name="connsiteY8" fmla="*/ 520142 h 2000548"/>
-              <a:gd name="connsiteX9" fmla="*/ 3887968 w 3887968"/>
-              <a:gd name="connsiteY9" fmla="*/ 1020279 h 2000548"/>
-              <a:gd name="connsiteX10" fmla="*/ 3887968 w 3887968"/>
-              <a:gd name="connsiteY10" fmla="*/ 1520416 h 2000548"/>
-              <a:gd name="connsiteX11" fmla="*/ 3887968 w 3887968"/>
-              <a:gd name="connsiteY11" fmla="*/ 2000548 h 2000548"/>
-              <a:gd name="connsiteX12" fmla="*/ 3371424 w 3887968"/>
-              <a:gd name="connsiteY12" fmla="*/ 2000548 h 2000548"/>
-              <a:gd name="connsiteX13" fmla="*/ 2738240 w 3887968"/>
-              <a:gd name="connsiteY13" fmla="*/ 2000548 h 2000548"/>
-              <a:gd name="connsiteX14" fmla="*/ 2299455 w 3887968"/>
-              <a:gd name="connsiteY14" fmla="*/ 2000548 h 2000548"/>
-              <a:gd name="connsiteX15" fmla="*/ 1705152 w 3887968"/>
-              <a:gd name="connsiteY15" fmla="*/ 2000548 h 2000548"/>
-              <a:gd name="connsiteX16" fmla="*/ 1149728 w 3887968"/>
-              <a:gd name="connsiteY16" fmla="*/ 2000548 h 2000548"/>
-              <a:gd name="connsiteX17" fmla="*/ 633183 w 3887968"/>
-              <a:gd name="connsiteY17" fmla="*/ 2000548 h 2000548"/>
-              <a:gd name="connsiteX18" fmla="*/ 0 w 3887968"/>
-              <a:gd name="connsiteY18" fmla="*/ 2000548 h 2000548"/>
-              <a:gd name="connsiteX19" fmla="*/ 0 w 3887968"/>
-              <a:gd name="connsiteY19" fmla="*/ 1520416 h 2000548"/>
-              <a:gd name="connsiteX20" fmla="*/ 0 w 3887968"/>
-              <a:gd name="connsiteY20" fmla="*/ 1060290 h 2000548"/>
-              <a:gd name="connsiteX21" fmla="*/ 0 w 3887968"/>
-              <a:gd name="connsiteY21" fmla="*/ 580159 h 2000548"/>
-              <a:gd name="connsiteX22" fmla="*/ 0 w 3887968"/>
-              <a:gd name="connsiteY22" fmla="*/ 0 h 2000548"/>
+              <a:gd name="connsiteX0" fmla="*/ 0 w 9594167"/>
+              <a:gd name="connsiteY0" fmla="*/ 0 h 2585323"/>
+              <a:gd name="connsiteX1" fmla="*/ 311810 w 9594167"/>
+              <a:gd name="connsiteY1" fmla="*/ 0 h 2585323"/>
+              <a:gd name="connsiteX2" fmla="*/ 1103329 w 9594167"/>
+              <a:gd name="connsiteY2" fmla="*/ 0 h 2585323"/>
+              <a:gd name="connsiteX3" fmla="*/ 1511081 w 9594167"/>
+              <a:gd name="connsiteY3" fmla="*/ 0 h 2585323"/>
+              <a:gd name="connsiteX4" fmla="*/ 2110717 w 9594167"/>
+              <a:gd name="connsiteY4" fmla="*/ 0 h 2585323"/>
+              <a:gd name="connsiteX5" fmla="*/ 2614411 w 9594167"/>
+              <a:gd name="connsiteY5" fmla="*/ 0 h 2585323"/>
+              <a:gd name="connsiteX6" fmla="*/ 3405929 w 9594167"/>
+              <a:gd name="connsiteY6" fmla="*/ 0 h 2585323"/>
+              <a:gd name="connsiteX7" fmla="*/ 3909623 w 9594167"/>
+              <a:gd name="connsiteY7" fmla="*/ 0 h 2585323"/>
+              <a:gd name="connsiteX8" fmla="*/ 4221433 w 9594167"/>
+              <a:gd name="connsiteY8" fmla="*/ 0 h 2585323"/>
+              <a:gd name="connsiteX9" fmla="*/ 4533244 w 9594167"/>
+              <a:gd name="connsiteY9" fmla="*/ 0 h 2585323"/>
+              <a:gd name="connsiteX10" fmla="*/ 4940996 w 9594167"/>
+              <a:gd name="connsiteY10" fmla="*/ 0 h 2585323"/>
+              <a:gd name="connsiteX11" fmla="*/ 5540631 w 9594167"/>
+              <a:gd name="connsiteY11" fmla="*/ 0 h 2585323"/>
+              <a:gd name="connsiteX12" fmla="*/ 5948384 w 9594167"/>
+              <a:gd name="connsiteY12" fmla="*/ 0 h 2585323"/>
+              <a:gd name="connsiteX13" fmla="*/ 6356136 w 9594167"/>
+              <a:gd name="connsiteY13" fmla="*/ 0 h 2585323"/>
+              <a:gd name="connsiteX14" fmla="*/ 6763888 w 9594167"/>
+              <a:gd name="connsiteY14" fmla="*/ 0 h 2585323"/>
+              <a:gd name="connsiteX15" fmla="*/ 7171640 w 9594167"/>
+              <a:gd name="connsiteY15" fmla="*/ 0 h 2585323"/>
+              <a:gd name="connsiteX16" fmla="*/ 7483450 w 9594167"/>
+              <a:gd name="connsiteY16" fmla="*/ 0 h 2585323"/>
+              <a:gd name="connsiteX17" fmla="*/ 7795261 w 9594167"/>
+              <a:gd name="connsiteY17" fmla="*/ 0 h 2585323"/>
+              <a:gd name="connsiteX18" fmla="*/ 8203013 w 9594167"/>
+              <a:gd name="connsiteY18" fmla="*/ 0 h 2585323"/>
+              <a:gd name="connsiteX19" fmla="*/ 8802648 w 9594167"/>
+              <a:gd name="connsiteY19" fmla="*/ 0 h 2585323"/>
+              <a:gd name="connsiteX20" fmla="*/ 9594167 w 9594167"/>
+              <a:gd name="connsiteY20" fmla="*/ 0 h 2585323"/>
+              <a:gd name="connsiteX21" fmla="*/ 9594167 w 9594167"/>
+              <a:gd name="connsiteY21" fmla="*/ 465358 h 2585323"/>
+              <a:gd name="connsiteX22" fmla="*/ 9594167 w 9594167"/>
+              <a:gd name="connsiteY22" fmla="*/ 1034129 h 2585323"/>
+              <a:gd name="connsiteX23" fmla="*/ 9594167 w 9594167"/>
+              <a:gd name="connsiteY23" fmla="*/ 1577047 h 2585323"/>
+              <a:gd name="connsiteX24" fmla="*/ 9594167 w 9594167"/>
+              <a:gd name="connsiteY24" fmla="*/ 2094112 h 2585323"/>
+              <a:gd name="connsiteX25" fmla="*/ 9594167 w 9594167"/>
+              <a:gd name="connsiteY25" fmla="*/ 2585323 h 2585323"/>
+              <a:gd name="connsiteX26" fmla="*/ 9090473 w 9594167"/>
+              <a:gd name="connsiteY26" fmla="*/ 2585323 h 2585323"/>
+              <a:gd name="connsiteX27" fmla="*/ 8394896 w 9594167"/>
+              <a:gd name="connsiteY27" fmla="*/ 2585323 h 2585323"/>
+              <a:gd name="connsiteX28" fmla="*/ 7603377 w 9594167"/>
+              <a:gd name="connsiteY28" fmla="*/ 2585323 h 2585323"/>
+              <a:gd name="connsiteX29" fmla="*/ 6907800 w 9594167"/>
+              <a:gd name="connsiteY29" fmla="*/ 2585323 h 2585323"/>
+              <a:gd name="connsiteX30" fmla="*/ 6212223 w 9594167"/>
+              <a:gd name="connsiteY30" fmla="*/ 2585323 h 2585323"/>
+              <a:gd name="connsiteX31" fmla="*/ 5420704 w 9594167"/>
+              <a:gd name="connsiteY31" fmla="*/ 2585323 h 2585323"/>
+              <a:gd name="connsiteX32" fmla="*/ 4821069 w 9594167"/>
+              <a:gd name="connsiteY32" fmla="*/ 2585323 h 2585323"/>
+              <a:gd name="connsiteX33" fmla="*/ 4509258 w 9594167"/>
+              <a:gd name="connsiteY33" fmla="*/ 2585323 h 2585323"/>
+              <a:gd name="connsiteX34" fmla="*/ 4005565 w 9594167"/>
+              <a:gd name="connsiteY34" fmla="*/ 2585323 h 2585323"/>
+              <a:gd name="connsiteX35" fmla="*/ 3309988 w 9594167"/>
+              <a:gd name="connsiteY35" fmla="*/ 2585323 h 2585323"/>
+              <a:gd name="connsiteX36" fmla="*/ 2614411 w 9594167"/>
+              <a:gd name="connsiteY36" fmla="*/ 2585323 h 2585323"/>
+              <a:gd name="connsiteX37" fmla="*/ 2110717 w 9594167"/>
+              <a:gd name="connsiteY37" fmla="*/ 2585323 h 2585323"/>
+              <a:gd name="connsiteX38" fmla="*/ 1511081 w 9594167"/>
+              <a:gd name="connsiteY38" fmla="*/ 2585323 h 2585323"/>
+              <a:gd name="connsiteX39" fmla="*/ 911446 w 9594167"/>
+              <a:gd name="connsiteY39" fmla="*/ 2585323 h 2585323"/>
+              <a:gd name="connsiteX40" fmla="*/ 0 w 9594167"/>
+              <a:gd name="connsiteY40" fmla="*/ 2585323 h 2585323"/>
+              <a:gd name="connsiteX41" fmla="*/ 0 w 9594167"/>
+              <a:gd name="connsiteY41" fmla="*/ 2042405 h 2585323"/>
+              <a:gd name="connsiteX42" fmla="*/ 0 w 9594167"/>
+              <a:gd name="connsiteY42" fmla="*/ 1525341 h 2585323"/>
+              <a:gd name="connsiteX43" fmla="*/ 0 w 9594167"/>
+              <a:gd name="connsiteY43" fmla="*/ 1059982 h 2585323"/>
+              <a:gd name="connsiteX44" fmla="*/ 0 w 9594167"/>
+              <a:gd name="connsiteY44" fmla="*/ 568771 h 2585323"/>
+              <a:gd name="connsiteX45" fmla="*/ 0 w 9594167"/>
+              <a:gd name="connsiteY45" fmla="*/ 0 h 2585323"/>
             </a:gdLst>
             <a:ahLst/>
             <a:cxnLst>
@@ -9965,237 +10010,1190 @@
               <a:cxn ang="0">
                 <a:pos x="connsiteX22" y="connsiteY22"/>
               </a:cxn>
+              <a:cxn ang="0">
+                <a:pos x="connsiteX23" y="connsiteY23"/>
+              </a:cxn>
+              <a:cxn ang="0">
+                <a:pos x="connsiteX24" y="connsiteY24"/>
+              </a:cxn>
+              <a:cxn ang="0">
+                <a:pos x="connsiteX25" y="connsiteY25"/>
+              </a:cxn>
+              <a:cxn ang="0">
+                <a:pos x="connsiteX26" y="connsiteY26"/>
+              </a:cxn>
+              <a:cxn ang="0">
+                <a:pos x="connsiteX27" y="connsiteY27"/>
+              </a:cxn>
+              <a:cxn ang="0">
+                <a:pos x="connsiteX28" y="connsiteY28"/>
+              </a:cxn>
+              <a:cxn ang="0">
+                <a:pos x="connsiteX29" y="connsiteY29"/>
+              </a:cxn>
+              <a:cxn ang="0">
+                <a:pos x="connsiteX30" y="connsiteY30"/>
+              </a:cxn>
+              <a:cxn ang="0">
+                <a:pos x="connsiteX31" y="connsiteY31"/>
+              </a:cxn>
+              <a:cxn ang="0">
+                <a:pos x="connsiteX32" y="connsiteY32"/>
+              </a:cxn>
+              <a:cxn ang="0">
+                <a:pos x="connsiteX33" y="connsiteY33"/>
+              </a:cxn>
+              <a:cxn ang="0">
+                <a:pos x="connsiteX34" y="connsiteY34"/>
+              </a:cxn>
+              <a:cxn ang="0">
+                <a:pos x="connsiteX35" y="connsiteY35"/>
+              </a:cxn>
+              <a:cxn ang="0">
+                <a:pos x="connsiteX36" y="connsiteY36"/>
+              </a:cxn>
+              <a:cxn ang="0">
+                <a:pos x="connsiteX37" y="connsiteY37"/>
+              </a:cxn>
+              <a:cxn ang="0">
+                <a:pos x="connsiteX38" y="connsiteY38"/>
+              </a:cxn>
+              <a:cxn ang="0">
+                <a:pos x="connsiteX39" y="connsiteY39"/>
+              </a:cxn>
+              <a:cxn ang="0">
+                <a:pos x="connsiteX40" y="connsiteY40"/>
+              </a:cxn>
+              <a:cxn ang="0">
+                <a:pos x="connsiteX41" y="connsiteY41"/>
+              </a:cxn>
+              <a:cxn ang="0">
+                <a:pos x="connsiteX42" y="connsiteY42"/>
+              </a:cxn>
+              <a:cxn ang="0">
+                <a:pos x="connsiteX43" y="connsiteY43"/>
+              </a:cxn>
+              <a:cxn ang="0">
+                <a:pos x="connsiteX44" y="connsiteY44"/>
+              </a:cxn>
+              <a:cxn ang="0">
+                <a:pos x="connsiteX45" y="connsiteY45"/>
+              </a:cxn>
             </a:cxnLst>
             <a:rect l="l" t="t" r="r" b="b"/>
             <a:pathLst>
-              <a:path w="3887968" h="2000548" fill="none" extrusionOk="0">
+              <a:path w="9594167" h="2585323" fill="none" extrusionOk="0">
                 <a:moveTo>
                   <a:pt x="0" y="0"/>
                 </a:moveTo>
                 <a:cubicBezTo>
-                  <a:pt x="134832" y="-8268"/>
-                  <a:pt x="245149" y="18189"/>
-                  <a:pt x="438785" y="0"/>
+                  <a:pt x="125161" y="-14936"/>
+                  <a:pt x="230112" y="6464"/>
+                  <a:pt x="311810" y="0"/>
                 </a:cubicBezTo>
                 <a:cubicBezTo>
-                  <a:pt x="632421" y="-18189"/>
-                  <a:pt x="862766" y="20279"/>
-                  <a:pt x="1033089" y="0"/>
+                  <a:pt x="393508" y="-6464"/>
+                  <a:pt x="857335" y="11417"/>
+                  <a:pt x="1103329" y="0"/>
                 </a:cubicBezTo>
                 <a:cubicBezTo>
-                  <a:pt x="1203412" y="-20279"/>
-                  <a:pt x="1350777" y="47543"/>
-                  <a:pt x="1627392" y="0"/>
+                  <a:pt x="1349323" y="-11417"/>
+                  <a:pt x="1361351" y="36076"/>
+                  <a:pt x="1511081" y="0"/>
                 </a:cubicBezTo>
                 <a:cubicBezTo>
-                  <a:pt x="1904007" y="-47543"/>
-                  <a:pt x="1991374" y="43924"/>
-                  <a:pt x="2105057" y="0"/>
+                  <a:pt x="1660811" y="-36076"/>
+                  <a:pt x="1911325" y="62935"/>
+                  <a:pt x="2110717" y="0"/>
                 </a:cubicBezTo>
                 <a:cubicBezTo>
-                  <a:pt x="2218741" y="-43924"/>
-                  <a:pt x="2424520" y="36350"/>
-                  <a:pt x="2699361" y="0"/>
+                  <a:pt x="2310109" y="-62935"/>
+                  <a:pt x="2491900" y="30783"/>
+                  <a:pt x="2614411" y="0"/>
                 </a:cubicBezTo>
                 <a:cubicBezTo>
-                  <a:pt x="2974202" y="-36350"/>
-                  <a:pt x="3010758" y="11623"/>
-                  <a:pt x="3254785" y="0"/>
+                  <a:pt x="2736922" y="-30783"/>
+                  <a:pt x="3065706" y="47047"/>
+                  <a:pt x="3405929" y="0"/>
                 </a:cubicBezTo>
                 <a:cubicBezTo>
-                  <a:pt x="3498812" y="-11623"/>
-                  <a:pt x="3582977" y="58866"/>
-                  <a:pt x="3887968" y="0"/>
+                  <a:pt x="3746152" y="-47047"/>
+                  <a:pt x="3722683" y="8175"/>
+                  <a:pt x="3909623" y="0"/>
                 </a:cubicBezTo>
                 <a:cubicBezTo>
-                  <a:pt x="3926335" y="187968"/>
-                  <a:pt x="3871128" y="405770"/>
-                  <a:pt x="3887968" y="520142"/>
+                  <a:pt x="4096563" y="-8175"/>
+                  <a:pt x="4158828" y="8726"/>
+                  <a:pt x="4221433" y="0"/>
                 </a:cubicBezTo>
                 <a:cubicBezTo>
-                  <a:pt x="3904808" y="634514"/>
-                  <a:pt x="3881592" y="771401"/>
-                  <a:pt x="3887968" y="1020279"/>
+                  <a:pt x="4284038" y="-8726"/>
+                  <a:pt x="4458991" y="20196"/>
+                  <a:pt x="4533244" y="0"/>
                 </a:cubicBezTo>
                 <a:cubicBezTo>
-                  <a:pt x="3894344" y="1269157"/>
-                  <a:pt x="3861934" y="1290696"/>
-                  <a:pt x="3887968" y="1520416"/>
+                  <a:pt x="4607497" y="-20196"/>
+                  <a:pt x="4848049" y="21471"/>
+                  <a:pt x="4940996" y="0"/>
                 </a:cubicBezTo>
                 <a:cubicBezTo>
-                  <a:pt x="3914002" y="1750136"/>
-                  <a:pt x="3854804" y="1762278"/>
-                  <a:pt x="3887968" y="2000548"/>
+                  <a:pt x="5033943" y="-21471"/>
+                  <a:pt x="5406429" y="29642"/>
+                  <a:pt x="5540631" y="0"/>
                 </a:cubicBezTo>
                 <a:cubicBezTo>
-                  <a:pt x="3672933" y="2034749"/>
-                  <a:pt x="3515027" y="1967905"/>
-                  <a:pt x="3371424" y="2000548"/>
+                  <a:pt x="5674833" y="-29642"/>
+                  <a:pt x="5754013" y="20329"/>
+                  <a:pt x="5948384" y="0"/>
                 </a:cubicBezTo>
                 <a:cubicBezTo>
-                  <a:pt x="3227821" y="2033191"/>
-                  <a:pt x="2941026" y="1935632"/>
-                  <a:pt x="2738240" y="2000548"/>
+                  <a:pt x="6142755" y="-20329"/>
+                  <a:pt x="6175277" y="22420"/>
+                  <a:pt x="6356136" y="0"/>
                 </a:cubicBezTo>
                 <a:cubicBezTo>
-                  <a:pt x="2535454" y="2065464"/>
-                  <a:pt x="2513513" y="1951116"/>
-                  <a:pt x="2299455" y="2000548"/>
+                  <a:pt x="6536995" y="-22420"/>
+                  <a:pt x="6612658" y="17809"/>
+                  <a:pt x="6763888" y="0"/>
                 </a:cubicBezTo>
                 <a:cubicBezTo>
-                  <a:pt x="2085397" y="2049980"/>
-                  <a:pt x="1990115" y="1942225"/>
-                  <a:pt x="1705152" y="2000548"/>
+                  <a:pt x="6915118" y="-17809"/>
+                  <a:pt x="7079357" y="46547"/>
+                  <a:pt x="7171640" y="0"/>
                 </a:cubicBezTo>
                 <a:cubicBezTo>
-                  <a:pt x="1420189" y="2058871"/>
-                  <a:pt x="1392007" y="1965189"/>
-                  <a:pt x="1149728" y="2000548"/>
+                  <a:pt x="7263923" y="-46547"/>
+                  <a:pt x="7366945" y="8258"/>
+                  <a:pt x="7483450" y="0"/>
                 </a:cubicBezTo>
                 <a:cubicBezTo>
-                  <a:pt x="907449" y="2035907"/>
-                  <a:pt x="846351" y="1942093"/>
-                  <a:pt x="633183" y="2000548"/>
+                  <a:pt x="7599955" y="-8258"/>
+                  <a:pt x="7667671" y="20362"/>
+                  <a:pt x="7795261" y="0"/>
                 </a:cubicBezTo>
                 <a:cubicBezTo>
-                  <a:pt x="420016" y="2059003"/>
-                  <a:pt x="294535" y="1996655"/>
-                  <a:pt x="0" y="2000548"/>
+                  <a:pt x="7922851" y="-20362"/>
+                  <a:pt x="8053689" y="48532"/>
+                  <a:pt x="8203013" y="0"/>
                 </a:cubicBezTo>
                 <a:cubicBezTo>
-                  <a:pt x="-30400" y="1820371"/>
-                  <a:pt x="29790" y="1625217"/>
-                  <a:pt x="0" y="1520416"/>
+                  <a:pt x="8352337" y="-48532"/>
+                  <a:pt x="8628836" y="10251"/>
+                  <a:pt x="8802648" y="0"/>
                 </a:cubicBezTo>
                 <a:cubicBezTo>
-                  <a:pt x="-29790" y="1415615"/>
-                  <a:pt x="7100" y="1235602"/>
-                  <a:pt x="0" y="1060290"/>
+                  <a:pt x="8976461" y="-10251"/>
+                  <a:pt x="9342045" y="29908"/>
+                  <a:pt x="9594167" y="0"/>
                 </a:cubicBezTo>
                 <a:cubicBezTo>
-                  <a:pt x="-7100" y="884978"/>
-                  <a:pt x="35694" y="707778"/>
-                  <a:pt x="0" y="580159"/>
+                  <a:pt x="9630139" y="130553"/>
+                  <a:pt x="9547082" y="339976"/>
+                  <a:pt x="9594167" y="465358"/>
                 </a:cubicBezTo>
                 <a:cubicBezTo>
-                  <a:pt x="-35694" y="452540"/>
-                  <a:pt x="36815" y="141341"/>
+                  <a:pt x="9641252" y="590740"/>
+                  <a:pt x="9557233" y="824341"/>
+                  <a:pt x="9594167" y="1034129"/>
+                </a:cubicBezTo>
+                <a:cubicBezTo>
+                  <a:pt x="9631101" y="1243917"/>
+                  <a:pt x="9554890" y="1346772"/>
+                  <a:pt x="9594167" y="1577047"/>
+                </a:cubicBezTo>
+                <a:cubicBezTo>
+                  <a:pt x="9633444" y="1807322"/>
+                  <a:pt x="9568649" y="1974370"/>
+                  <a:pt x="9594167" y="2094112"/>
+                </a:cubicBezTo>
+                <a:cubicBezTo>
+                  <a:pt x="9619685" y="2213854"/>
+                  <a:pt x="9567196" y="2378198"/>
+                  <a:pt x="9594167" y="2585323"/>
+                </a:cubicBezTo>
+                <a:cubicBezTo>
+                  <a:pt x="9373664" y="2590933"/>
+                  <a:pt x="9321057" y="2537227"/>
+                  <a:pt x="9090473" y="2585323"/>
+                </a:cubicBezTo>
+                <a:cubicBezTo>
+                  <a:pt x="8859889" y="2633419"/>
+                  <a:pt x="8565276" y="2533356"/>
+                  <a:pt x="8394896" y="2585323"/>
+                </a:cubicBezTo>
+                <a:cubicBezTo>
+                  <a:pt x="8224516" y="2637290"/>
+                  <a:pt x="7996464" y="2538222"/>
+                  <a:pt x="7603377" y="2585323"/>
+                </a:cubicBezTo>
+                <a:cubicBezTo>
+                  <a:pt x="7210290" y="2632424"/>
+                  <a:pt x="7217340" y="2566942"/>
+                  <a:pt x="6907800" y="2585323"/>
+                </a:cubicBezTo>
+                <a:cubicBezTo>
+                  <a:pt x="6598260" y="2603704"/>
+                  <a:pt x="6541193" y="2539921"/>
+                  <a:pt x="6212223" y="2585323"/>
+                </a:cubicBezTo>
+                <a:cubicBezTo>
+                  <a:pt x="5883253" y="2630725"/>
+                  <a:pt x="5599375" y="2504817"/>
+                  <a:pt x="5420704" y="2585323"/>
+                </a:cubicBezTo>
+                <a:cubicBezTo>
+                  <a:pt x="5242033" y="2665829"/>
+                  <a:pt x="4941669" y="2540624"/>
+                  <a:pt x="4821069" y="2585323"/>
+                </a:cubicBezTo>
+                <a:cubicBezTo>
+                  <a:pt x="4700469" y="2630022"/>
+                  <a:pt x="4590946" y="2566630"/>
+                  <a:pt x="4509258" y="2585323"/>
+                </a:cubicBezTo>
+                <a:cubicBezTo>
+                  <a:pt x="4427570" y="2604016"/>
+                  <a:pt x="4218681" y="2527929"/>
+                  <a:pt x="4005565" y="2585323"/>
+                </a:cubicBezTo>
+                <a:cubicBezTo>
+                  <a:pt x="3792449" y="2642717"/>
+                  <a:pt x="3478076" y="2541385"/>
+                  <a:pt x="3309988" y="2585323"/>
+                </a:cubicBezTo>
+                <a:cubicBezTo>
+                  <a:pt x="3141900" y="2629261"/>
+                  <a:pt x="2877802" y="2585177"/>
+                  <a:pt x="2614411" y="2585323"/>
+                </a:cubicBezTo>
+                <a:cubicBezTo>
+                  <a:pt x="2351020" y="2585469"/>
+                  <a:pt x="2223838" y="2571829"/>
+                  <a:pt x="2110717" y="2585323"/>
+                </a:cubicBezTo>
+                <a:cubicBezTo>
+                  <a:pt x="1997596" y="2598817"/>
+                  <a:pt x="1644120" y="2555680"/>
+                  <a:pt x="1511081" y="2585323"/>
+                </a:cubicBezTo>
+                <a:cubicBezTo>
+                  <a:pt x="1378042" y="2614966"/>
+                  <a:pt x="1117929" y="2514132"/>
+                  <a:pt x="911446" y="2585323"/>
+                </a:cubicBezTo>
+                <a:cubicBezTo>
+                  <a:pt x="704963" y="2656514"/>
+                  <a:pt x="185797" y="2510447"/>
+                  <a:pt x="0" y="2585323"/>
+                </a:cubicBezTo>
+                <a:cubicBezTo>
+                  <a:pt x="-54841" y="2474689"/>
+                  <a:pt x="18564" y="2156869"/>
+                  <a:pt x="0" y="2042405"/>
+                </a:cubicBezTo>
+                <a:cubicBezTo>
+                  <a:pt x="-18564" y="1927941"/>
+                  <a:pt x="17759" y="1678482"/>
+                  <a:pt x="0" y="1525341"/>
+                </a:cubicBezTo>
+                <a:cubicBezTo>
+                  <a:pt x="-17759" y="1372200"/>
+                  <a:pt x="51396" y="1192772"/>
+                  <a:pt x="0" y="1059982"/>
+                </a:cubicBezTo>
+                <a:cubicBezTo>
+                  <a:pt x="-51396" y="927192"/>
+                  <a:pt x="26993" y="759836"/>
+                  <a:pt x="0" y="568771"/>
+                </a:cubicBezTo>
+                <a:cubicBezTo>
+                  <a:pt x="-26993" y="377706"/>
+                  <a:pt x="42875" y="144668"/>
                   <a:pt x="0" y="0"/>
                 </a:cubicBezTo>
                 <a:close/>
               </a:path>
-              <a:path w="3887968" h="2000548" stroke="0" extrusionOk="0">
+              <a:path w="9594167" h="2585323" stroke="0" extrusionOk="0">
                 <a:moveTo>
                   <a:pt x="0" y="0"/>
                 </a:moveTo>
                 <a:cubicBezTo>
-                  <a:pt x="273700" y="-61998"/>
-                  <a:pt x="347930" y="46555"/>
-                  <a:pt x="555424" y="0"/>
+                  <a:pt x="199712" y="-64871"/>
+                  <a:pt x="410360" y="30590"/>
+                  <a:pt x="791519" y="0"/>
                 </a:cubicBezTo>
                 <a:cubicBezTo>
-                  <a:pt x="762918" y="-46555"/>
-                  <a:pt x="967931" y="68590"/>
-                  <a:pt x="1149728" y="0"/>
+                  <a:pt x="1172678" y="-30590"/>
+                  <a:pt x="1389296" y="34655"/>
+                  <a:pt x="1583038" y="0"/>
                 </a:cubicBezTo>
                 <a:cubicBezTo>
-                  <a:pt x="1331525" y="-68590"/>
-                  <a:pt x="1388355" y="10105"/>
-                  <a:pt x="1588513" y="0"/>
+                  <a:pt x="1776780" y="-34655"/>
+                  <a:pt x="1942085" y="36211"/>
+                  <a:pt x="2278615" y="0"/>
                 </a:cubicBezTo>
                 <a:cubicBezTo>
-                  <a:pt x="1788671" y="-10105"/>
-                  <a:pt x="1947606" y="39074"/>
-                  <a:pt x="2143937" y="0"/>
+                  <a:pt x="2615145" y="-36211"/>
+                  <a:pt x="2475480" y="11870"/>
+                  <a:pt x="2590425" y="0"/>
                 </a:cubicBezTo>
                 <a:cubicBezTo>
-                  <a:pt x="2340268" y="-39074"/>
-                  <a:pt x="2546536" y="18432"/>
-                  <a:pt x="2738240" y="0"/>
+                  <a:pt x="2705370" y="-11870"/>
+                  <a:pt x="3028145" y="20810"/>
+                  <a:pt x="3190061" y="0"/>
                 </a:cubicBezTo>
                 <a:cubicBezTo>
-                  <a:pt x="2929944" y="-18432"/>
-                  <a:pt x="3062689" y="34492"/>
-                  <a:pt x="3177025" y="0"/>
+                  <a:pt x="3351977" y="-20810"/>
+                  <a:pt x="3347713" y="2981"/>
+                  <a:pt x="3501871" y="0"/>
                 </a:cubicBezTo>
                 <a:cubicBezTo>
-                  <a:pt x="3291361" y="-34492"/>
-                  <a:pt x="3711296" y="8437"/>
-                  <a:pt x="3887968" y="0"/>
+                  <a:pt x="3656029" y="-2981"/>
+                  <a:pt x="3694689" y="7135"/>
+                  <a:pt x="3813681" y="0"/>
                 </a:cubicBezTo>
                 <a:cubicBezTo>
-                  <a:pt x="3937552" y="129774"/>
-                  <a:pt x="3839340" y="251079"/>
-                  <a:pt x="3887968" y="480132"/>
+                  <a:pt x="3932673" y="-7135"/>
+                  <a:pt x="4270169" y="183"/>
+                  <a:pt x="4413317" y="0"/>
                 </a:cubicBezTo>
                 <a:cubicBezTo>
-                  <a:pt x="3936596" y="709185"/>
-                  <a:pt x="3844573" y="782086"/>
-                  <a:pt x="3887968" y="960263"/>
+                  <a:pt x="4556465" y="-183"/>
+                  <a:pt x="4869663" y="3869"/>
+                  <a:pt x="5108894" y="0"/>
                 </a:cubicBezTo>
                 <a:cubicBezTo>
-                  <a:pt x="3931363" y="1138440"/>
-                  <a:pt x="3861110" y="1222115"/>
-                  <a:pt x="3887968" y="1480406"/>
+                  <a:pt x="5348125" y="-3869"/>
+                  <a:pt x="5552039" y="58461"/>
+                  <a:pt x="5900413" y="0"/>
                 </a:cubicBezTo>
                 <a:cubicBezTo>
-                  <a:pt x="3914826" y="1738697"/>
-                  <a:pt x="3848583" y="1777796"/>
-                  <a:pt x="3887968" y="2000548"/>
+                  <a:pt x="6248787" y="-58461"/>
+                  <a:pt x="6323891" y="54877"/>
+                  <a:pt x="6500048" y="0"/>
                 </a:cubicBezTo>
                 <a:cubicBezTo>
-                  <a:pt x="3702473" y="2000586"/>
-                  <a:pt x="3513869" y="1951317"/>
-                  <a:pt x="3254785" y="2000548"/>
+                  <a:pt x="6676206" y="-54877"/>
+                  <a:pt x="6938648" y="6881"/>
+                  <a:pt x="7291567" y="0"/>
                 </a:cubicBezTo>
                 <a:cubicBezTo>
-                  <a:pt x="2995701" y="2049779"/>
-                  <a:pt x="2885457" y="1981205"/>
-                  <a:pt x="2738240" y="2000548"/>
+                  <a:pt x="7644486" y="-6881"/>
+                  <a:pt x="7716713" y="25314"/>
+                  <a:pt x="7987144" y="0"/>
                 </a:cubicBezTo>
                 <a:cubicBezTo>
-                  <a:pt x="2591023" y="2019891"/>
-                  <a:pt x="2457212" y="1991695"/>
-                  <a:pt x="2260576" y="2000548"/>
+                  <a:pt x="8257575" y="-25314"/>
+                  <a:pt x="8494489" y="73232"/>
+                  <a:pt x="8778663" y="0"/>
                 </a:cubicBezTo>
                 <a:cubicBezTo>
-                  <a:pt x="2063940" y="2009401"/>
-                  <a:pt x="1950129" y="1998000"/>
-                  <a:pt x="1782911" y="2000548"/>
+                  <a:pt x="9062837" y="-73232"/>
+                  <a:pt x="9419816" y="2585"/>
+                  <a:pt x="9594167" y="0"/>
                 </a:cubicBezTo>
                 <a:cubicBezTo>
-                  <a:pt x="1615694" y="2003096"/>
-                  <a:pt x="1401010" y="1989274"/>
-                  <a:pt x="1227487" y="2000548"/>
+                  <a:pt x="9605298" y="138010"/>
+                  <a:pt x="9536226" y="370326"/>
+                  <a:pt x="9594167" y="491211"/>
                 </a:cubicBezTo>
                 <a:cubicBezTo>
-                  <a:pt x="1053964" y="2011822"/>
-                  <a:pt x="928163" y="1994723"/>
-                  <a:pt x="672063" y="2000548"/>
+                  <a:pt x="9652108" y="612096"/>
+                  <a:pt x="9577860" y="879920"/>
+                  <a:pt x="9594167" y="1008276"/>
                 </a:cubicBezTo>
                 <a:cubicBezTo>
-                  <a:pt x="415963" y="2006373"/>
-                  <a:pt x="173602" y="1987955"/>
-                  <a:pt x="0" y="2000548"/>
+                  <a:pt x="9610474" y="1136633"/>
+                  <a:pt x="9580606" y="1323772"/>
+                  <a:pt x="9594167" y="1551194"/>
                 </a:cubicBezTo>
                 <a:cubicBezTo>
-                  <a:pt x="-32784" y="1852333"/>
-                  <a:pt x="13548" y="1594337"/>
-                  <a:pt x="0" y="1480406"/>
+                  <a:pt x="9607728" y="1778616"/>
+                  <a:pt x="9546072" y="1892810"/>
+                  <a:pt x="9594167" y="2016552"/>
                 </a:cubicBezTo>
                 <a:cubicBezTo>
-                  <a:pt x="-13548" y="1366475"/>
-                  <a:pt x="37883" y="1176407"/>
-                  <a:pt x="0" y="1020279"/>
+                  <a:pt x="9642262" y="2140294"/>
+                  <a:pt x="9537999" y="2303086"/>
+                  <a:pt x="9594167" y="2585323"/>
                 </a:cubicBezTo>
                 <a:cubicBezTo>
-                  <a:pt x="-37883" y="864151"/>
-                  <a:pt x="3422" y="618546"/>
-                  <a:pt x="0" y="480132"/>
+                  <a:pt x="9451596" y="2588470"/>
+                  <a:pt x="9421711" y="2563920"/>
+                  <a:pt x="9282357" y="2585323"/>
                 </a:cubicBezTo>
                 <a:cubicBezTo>
-                  <a:pt x="-3422" y="341718"/>
-                  <a:pt x="17760" y="218003"/>
+                  <a:pt x="9143003" y="2606726"/>
+                  <a:pt x="8956860" y="2557860"/>
+                  <a:pt x="8874604" y="2585323"/>
+                </a:cubicBezTo>
+                <a:cubicBezTo>
+                  <a:pt x="8792348" y="2612786"/>
+                  <a:pt x="8688503" y="2557531"/>
+                  <a:pt x="8562794" y="2585323"/>
+                </a:cubicBezTo>
+                <a:cubicBezTo>
+                  <a:pt x="8437085" y="2613115"/>
+                  <a:pt x="8198204" y="2543277"/>
+                  <a:pt x="7867217" y="2585323"/>
+                </a:cubicBezTo>
+                <a:cubicBezTo>
+                  <a:pt x="7536230" y="2627369"/>
+                  <a:pt x="7697836" y="2557885"/>
+                  <a:pt x="7555407" y="2585323"/>
+                </a:cubicBezTo>
+                <a:cubicBezTo>
+                  <a:pt x="7412978" y="2612761"/>
+                  <a:pt x="7089092" y="2515295"/>
+                  <a:pt x="6763888" y="2585323"/>
+                </a:cubicBezTo>
+                <a:cubicBezTo>
+                  <a:pt x="6438684" y="2655351"/>
+                  <a:pt x="6548120" y="2541448"/>
+                  <a:pt x="6356136" y="2585323"/>
+                </a:cubicBezTo>
+                <a:cubicBezTo>
+                  <a:pt x="6164152" y="2629198"/>
+                  <a:pt x="6059507" y="2540046"/>
+                  <a:pt x="5852442" y="2585323"/>
+                </a:cubicBezTo>
+                <a:cubicBezTo>
+                  <a:pt x="5645377" y="2630600"/>
+                  <a:pt x="5612977" y="2573348"/>
+                  <a:pt x="5540631" y="2585323"/>
+                </a:cubicBezTo>
+                <a:cubicBezTo>
+                  <a:pt x="5468285" y="2597298"/>
+                  <a:pt x="4911037" y="2493154"/>
+                  <a:pt x="4749113" y="2585323"/>
+                </a:cubicBezTo>
+                <a:cubicBezTo>
+                  <a:pt x="4587189" y="2677492"/>
+                  <a:pt x="4482254" y="2569550"/>
+                  <a:pt x="4341361" y="2585323"/>
+                </a:cubicBezTo>
+                <a:cubicBezTo>
+                  <a:pt x="4200468" y="2601096"/>
+                  <a:pt x="3746773" y="2491796"/>
+                  <a:pt x="3549842" y="2585323"/>
+                </a:cubicBezTo>
+                <a:cubicBezTo>
+                  <a:pt x="3352911" y="2678850"/>
+                  <a:pt x="3067292" y="2573236"/>
+                  <a:pt x="2758323" y="2585323"/>
+                </a:cubicBezTo>
+                <a:cubicBezTo>
+                  <a:pt x="2449354" y="2597410"/>
+                  <a:pt x="2390962" y="2551638"/>
+                  <a:pt x="2254629" y="2585323"/>
+                </a:cubicBezTo>
+                <a:cubicBezTo>
+                  <a:pt x="2118296" y="2619008"/>
+                  <a:pt x="1665555" y="2562538"/>
+                  <a:pt x="1463110" y="2585323"/>
+                </a:cubicBezTo>
+                <a:cubicBezTo>
+                  <a:pt x="1260665" y="2608108"/>
+                  <a:pt x="1152099" y="2548979"/>
+                  <a:pt x="959417" y="2585323"/>
+                </a:cubicBezTo>
+                <a:cubicBezTo>
+                  <a:pt x="766735" y="2621667"/>
+                  <a:pt x="661657" y="2576337"/>
+                  <a:pt x="551665" y="2585323"/>
+                </a:cubicBezTo>
+                <a:cubicBezTo>
+                  <a:pt x="441673" y="2594309"/>
+                  <a:pt x="174716" y="2535246"/>
+                  <a:pt x="0" y="2585323"/>
+                </a:cubicBezTo>
+                <a:cubicBezTo>
+                  <a:pt x="-12884" y="2437776"/>
+                  <a:pt x="59283" y="2285369"/>
+                  <a:pt x="0" y="2042405"/>
+                </a:cubicBezTo>
+                <a:cubicBezTo>
+                  <a:pt x="-59283" y="1799441"/>
+                  <a:pt x="58548" y="1701246"/>
+                  <a:pt x="0" y="1525341"/>
+                </a:cubicBezTo>
+                <a:cubicBezTo>
+                  <a:pt x="-58548" y="1349436"/>
+                  <a:pt x="12600" y="1224569"/>
+                  <a:pt x="0" y="1059982"/>
+                </a:cubicBezTo>
+                <a:cubicBezTo>
+                  <a:pt x="-12600" y="895395"/>
+                  <a:pt x="18743" y="784788"/>
+                  <a:pt x="0" y="568771"/>
+                </a:cubicBezTo>
+                <a:cubicBezTo>
+                  <a:pt x="-18743" y="352754"/>
+                  <a:pt x="31411" y="263436"/>
+                  <a:pt x="0" y="0"/>
+                </a:cubicBezTo>
+                <a:close/>
+              </a:path>
+            </a:pathLst>
+          </a:custGeom>
+          <a:solidFill>
+            <a:schemeClr val="accent4">
+              <a:lumMod val="20000"/>
+              <a:lumOff val="80000"/>
+            </a:schemeClr>
+          </a:solidFill>
+          <a:ln>
+            <a:extLst>
+              <a:ext uri="{C807C97D-BFC1-408E-A445-0C87EB9F89A2}">
+                <ask:lineSketchStyleProps xmlns:ask="http://schemas.microsoft.com/office/drawing/2018/sketchyshapes" sd="3823374539">
+                  <a:prstGeom prst="rect">
+                    <a:avLst/>
+                  </a:prstGeom>
+                  <ask:type>
+                    <ask:lineSketchScribble/>
+                  </ask:type>
+                </ask:lineSketchStyleProps>
+              </a:ext>
+            </a:extLst>
+          </a:ln>
+          <a:effectLst>
+            <a:glow rad="228600">
+              <a:schemeClr val="accent5">
+                <a:satMod val="175000"/>
+                <a:alpha val="40000"/>
+              </a:schemeClr>
+            </a:glow>
+          </a:effectLst>
+        </p:spPr>
+        <p:style>
+          <a:lnRef idx="2">
+            <a:schemeClr val="accent2"/>
+          </a:lnRef>
+          <a:fillRef idx="1">
+            <a:schemeClr val="lt1"/>
+          </a:fillRef>
+          <a:effectRef idx="0">
+            <a:schemeClr val="accent2"/>
+          </a:effectRef>
+          <a:fontRef idx="minor">
+            <a:schemeClr val="dk1"/>
+          </a:fontRef>
+        </p:style>
+        <p:txBody>
+          <a:bodyPr wrap="square">
+            <a:spAutoFit/>
+          </a:bodyPr>
+          <a:lstStyle/>
+          <a:p>
+            <a:r>
+              <a:rPr lang="en-US" b="1" dirty="0">
+                <a:solidFill>
+                  <a:srgbClr val="000000"/>
+                </a:solidFill>
+                <a:latin typeface="Calibri" panose="020F0502020204030204" pitchFamily="34" charset="0"/>
+              </a:rPr>
+              <a:t>Parameters Configuration </a:t>
+            </a:r>
+          </a:p>
+          <a:p>
+            <a:pPr marL="285750" indent="-285750">
+              <a:buFont typeface="Wingdings" panose="05000000000000000000" pitchFamily="2" charset="2"/>
+              <a:buChar char="ü"/>
+            </a:pPr>
+            <a:r>
+              <a:rPr lang="en-US" b="1" i="0" u="none" strike="noStrike" baseline="0" dirty="0" err="1">
+                <a:solidFill>
+                  <a:srgbClr val="000000"/>
+                </a:solidFill>
+                <a:latin typeface="Calibri" panose="020F0502020204030204" pitchFamily="34" charset="0"/>
+              </a:rPr>
+              <a:t>embedding_dims</a:t>
+            </a:r>
+            <a:r>
+              <a:rPr lang="en-US" b="0" i="0" u="none" strike="noStrike" baseline="0" dirty="0">
+                <a:solidFill>
+                  <a:srgbClr val="000000"/>
+                </a:solidFill>
+                <a:latin typeface="Calibri" panose="020F0502020204030204" pitchFamily="34" charset="0"/>
+              </a:rPr>
+              <a:t>: word embedding dimension(</a:t>
+            </a:r>
+            <a:r>
+              <a:rPr lang="en-US" b="0" i="0" u="none" strike="noStrike" baseline="0" dirty="0" err="1">
+                <a:solidFill>
+                  <a:srgbClr val="000000"/>
+                </a:solidFill>
+                <a:latin typeface="Calibri" panose="020F0502020204030204" pitchFamily="34" charset="0"/>
+              </a:rPr>
+              <a:t>embedding_dims</a:t>
+            </a:r>
+            <a:r>
+              <a:rPr lang="en-US" b="0" i="0" u="none" strike="noStrike" baseline="0" dirty="0">
+                <a:solidFill>
+                  <a:srgbClr val="000000"/>
+                </a:solidFill>
+                <a:latin typeface="Calibri" panose="020F0502020204030204" pitchFamily="34" charset="0"/>
+              </a:rPr>
+              <a:t> = 50) </a:t>
+            </a:r>
+          </a:p>
+          <a:p>
+            <a:pPr marL="285750" indent="-285750">
+              <a:buFont typeface="Wingdings" panose="05000000000000000000" pitchFamily="2" charset="2"/>
+              <a:buChar char="ü"/>
+            </a:pPr>
+            <a:r>
+              <a:rPr lang="en-US" b="1" i="0" u="none" strike="noStrike" baseline="0" dirty="0" err="1">
+                <a:solidFill>
+                  <a:srgbClr val="000000"/>
+                </a:solidFill>
+                <a:latin typeface="Calibri" panose="020F0502020204030204" pitchFamily="34" charset="0"/>
+              </a:rPr>
+              <a:t>nof_filters</a:t>
+            </a:r>
+            <a:r>
+              <a:rPr lang="en-US" b="0" i="0" u="none" strike="noStrike" baseline="0" dirty="0">
+                <a:solidFill>
+                  <a:srgbClr val="000000"/>
+                </a:solidFill>
+                <a:latin typeface="Calibri" panose="020F0502020204030204" pitchFamily="34" charset="0"/>
+              </a:rPr>
+              <a:t>: number of filters (</a:t>
+            </a:r>
+            <a:r>
+              <a:rPr lang="en-US" b="0" i="0" u="none" strike="noStrike" baseline="0" dirty="0" err="1">
+                <a:solidFill>
+                  <a:srgbClr val="000000"/>
+                </a:solidFill>
+                <a:latin typeface="Calibri" panose="020F0502020204030204" pitchFamily="34" charset="0"/>
+              </a:rPr>
+              <a:t>nof_filters</a:t>
+            </a:r>
+            <a:r>
+              <a:rPr lang="en-US" b="0" i="0" u="none" strike="noStrike" baseline="0" dirty="0">
+                <a:solidFill>
+                  <a:srgbClr val="000000"/>
+                </a:solidFill>
+                <a:latin typeface="Calibri" panose="020F0502020204030204" pitchFamily="34" charset="0"/>
+              </a:rPr>
+              <a:t> = 25) </a:t>
+            </a:r>
+          </a:p>
+          <a:p>
+            <a:pPr marL="285750" indent="-285750">
+              <a:buFont typeface="Wingdings" panose="05000000000000000000" pitchFamily="2" charset="2"/>
+              <a:buChar char="ü"/>
+            </a:pPr>
+            <a:r>
+              <a:rPr lang="en-US" b="1" i="0" u="none" strike="noStrike" baseline="0" dirty="0" err="1">
+                <a:solidFill>
+                  <a:srgbClr val="000000"/>
+                </a:solidFill>
+                <a:latin typeface="Calibri" panose="020F0502020204030204" pitchFamily="34" charset="0"/>
+              </a:rPr>
+              <a:t>batch_size</a:t>
+            </a:r>
+            <a:r>
+              <a:rPr lang="en-US" b="0" i="0" u="none" strike="noStrike" baseline="0" dirty="0">
+                <a:solidFill>
+                  <a:srgbClr val="000000"/>
+                </a:solidFill>
+                <a:latin typeface="Calibri" panose="020F0502020204030204" pitchFamily="34" charset="0"/>
+              </a:rPr>
+              <a:t>: the batch size of the data that will be fed to the model while training (</a:t>
+            </a:r>
+            <a:r>
+              <a:rPr lang="en-US" b="0" i="0" u="none" strike="noStrike" baseline="0" dirty="0" err="1">
+                <a:solidFill>
+                  <a:srgbClr val="000000"/>
+                </a:solidFill>
+                <a:latin typeface="Calibri" panose="020F0502020204030204" pitchFamily="34" charset="0"/>
+              </a:rPr>
+              <a:t>batch_size</a:t>
+            </a:r>
+            <a:r>
+              <a:rPr lang="en-US" b="0" i="0" u="none" strike="noStrike" baseline="0" dirty="0">
+                <a:solidFill>
+                  <a:srgbClr val="000000"/>
+                </a:solidFill>
+                <a:latin typeface="Calibri" panose="020F0502020204030204" pitchFamily="34" charset="0"/>
+              </a:rPr>
+              <a:t> = 64) </a:t>
+            </a:r>
+          </a:p>
+          <a:p>
+            <a:pPr marL="285750" indent="-285750">
+              <a:buFont typeface="Wingdings" panose="05000000000000000000" pitchFamily="2" charset="2"/>
+              <a:buChar char="ü"/>
+            </a:pPr>
+            <a:r>
+              <a:rPr lang="en-US" b="1" i="0" u="none" strike="noStrike" baseline="0" dirty="0" err="1">
+                <a:solidFill>
+                  <a:srgbClr val="000000"/>
+                </a:solidFill>
+                <a:latin typeface="Calibri" panose="020F0502020204030204" pitchFamily="34" charset="0"/>
+              </a:rPr>
+              <a:t>kernel_size</a:t>
+            </a:r>
+            <a:r>
+              <a:rPr lang="en-US" b="0" i="0" u="none" strike="noStrike" baseline="0" dirty="0">
+                <a:solidFill>
+                  <a:srgbClr val="000000"/>
+                </a:solidFill>
+                <a:latin typeface="Calibri" panose="020F0502020204030204" pitchFamily="34" charset="0"/>
+              </a:rPr>
+              <a:t>: (width)*(height) of the filter mask (</a:t>
+            </a:r>
+            <a:r>
+              <a:rPr lang="en-US" b="0" i="0" u="none" strike="noStrike" baseline="0" dirty="0" err="1">
+                <a:solidFill>
+                  <a:srgbClr val="000000"/>
+                </a:solidFill>
+                <a:latin typeface="Calibri" panose="020F0502020204030204" pitchFamily="34" charset="0"/>
+              </a:rPr>
+              <a:t>kernel_size</a:t>
+            </a:r>
+            <a:r>
+              <a:rPr lang="en-US" b="0" i="0" u="none" strike="noStrike" baseline="0" dirty="0">
+                <a:solidFill>
+                  <a:srgbClr val="000000"/>
+                </a:solidFill>
+                <a:latin typeface="Calibri" panose="020F0502020204030204" pitchFamily="34" charset="0"/>
+              </a:rPr>
+              <a:t> = 3) </a:t>
+            </a:r>
+          </a:p>
+          <a:p>
+            <a:pPr marL="285750" indent="-285750">
+              <a:buFont typeface="Wingdings" panose="05000000000000000000" pitchFamily="2" charset="2"/>
+              <a:buChar char="ü"/>
+            </a:pPr>
+            <a:r>
+              <a:rPr lang="en-US" b="1" i="0" u="none" strike="noStrike" baseline="0" dirty="0" err="1">
+                <a:solidFill>
+                  <a:srgbClr val="000000"/>
+                </a:solidFill>
+                <a:latin typeface="Calibri" panose="020F0502020204030204" pitchFamily="34" charset="0"/>
+              </a:rPr>
+              <a:t>hidden_dims</a:t>
+            </a:r>
+            <a:r>
+              <a:rPr lang="en-US" b="0" i="0" u="none" strike="noStrike" baseline="0" dirty="0">
+                <a:solidFill>
+                  <a:srgbClr val="000000"/>
+                </a:solidFill>
+                <a:latin typeface="Calibri" panose="020F0502020204030204" pitchFamily="34" charset="0"/>
+              </a:rPr>
+              <a:t>: the number of neurons in the hidden layer (</a:t>
+            </a:r>
+            <a:r>
+              <a:rPr lang="en-US" b="0" i="0" u="none" strike="noStrike" baseline="0" dirty="0" err="1">
+                <a:solidFill>
+                  <a:srgbClr val="000000"/>
+                </a:solidFill>
+                <a:latin typeface="Calibri" panose="020F0502020204030204" pitchFamily="34" charset="0"/>
+              </a:rPr>
+              <a:t>hidden_dims</a:t>
+            </a:r>
+            <a:r>
+              <a:rPr lang="en-US" b="0" i="0" u="none" strike="noStrike" baseline="0" dirty="0">
+                <a:solidFill>
+                  <a:srgbClr val="000000"/>
+                </a:solidFill>
+                <a:latin typeface="Calibri" panose="020F0502020204030204" pitchFamily="34" charset="0"/>
+              </a:rPr>
+              <a:t> = 50) </a:t>
+            </a:r>
+          </a:p>
+          <a:p>
+            <a:pPr marL="285750" indent="-285750">
+              <a:buFont typeface="Wingdings" panose="05000000000000000000" pitchFamily="2" charset="2"/>
+              <a:buChar char="ü"/>
+            </a:pPr>
+            <a:r>
+              <a:rPr lang="en-US" b="1" i="0" u="none" strike="noStrike" baseline="0" dirty="0">
+                <a:solidFill>
+                  <a:srgbClr val="000000"/>
+                </a:solidFill>
+                <a:latin typeface="Calibri" panose="020F0502020204030204" pitchFamily="34" charset="0"/>
+              </a:rPr>
+              <a:t>loss</a:t>
+            </a:r>
+            <a:r>
+              <a:rPr lang="en-US" b="0" i="0" u="none" strike="noStrike" baseline="0" dirty="0">
+                <a:solidFill>
+                  <a:srgbClr val="000000"/>
+                </a:solidFill>
+                <a:latin typeface="Calibri" panose="020F0502020204030204" pitchFamily="34" charset="0"/>
+              </a:rPr>
+              <a:t>: “</a:t>
+            </a:r>
+            <a:r>
+              <a:rPr lang="en-US" b="0" i="0" u="none" strike="noStrike" baseline="0" dirty="0" err="1">
+                <a:solidFill>
+                  <a:srgbClr val="000000"/>
+                </a:solidFill>
+                <a:latin typeface="Calibri" panose="020F0502020204030204" pitchFamily="34" charset="0"/>
+              </a:rPr>
+              <a:t>categorical_crossentropy</a:t>
+            </a:r>
+            <a:r>
+              <a:rPr lang="en-US" b="0" i="0" u="none" strike="noStrike" baseline="0" dirty="0">
+                <a:solidFill>
+                  <a:srgbClr val="000000"/>
+                </a:solidFill>
+                <a:latin typeface="Calibri" panose="020F0502020204030204" pitchFamily="34" charset="0"/>
+              </a:rPr>
+              <a:t>”, since we have categorical output values </a:t>
+            </a:r>
+          </a:p>
+          <a:p>
+            <a:pPr marL="285750" indent="-285750">
+              <a:buFont typeface="Wingdings" panose="05000000000000000000" pitchFamily="2" charset="2"/>
+              <a:buChar char="ü"/>
+            </a:pPr>
+            <a:r>
+              <a:rPr lang="en-US" b="1" i="0" u="none" strike="noStrike" baseline="0" dirty="0">
+                <a:solidFill>
+                  <a:srgbClr val="000000"/>
+                </a:solidFill>
+                <a:latin typeface="Calibri" panose="020F0502020204030204" pitchFamily="34" charset="0"/>
+              </a:rPr>
+              <a:t>optimizer</a:t>
+            </a:r>
+            <a:r>
+              <a:rPr lang="en-US" b="0" i="0" u="none" strike="noStrike" baseline="0" dirty="0">
+                <a:solidFill>
+                  <a:srgbClr val="000000"/>
+                </a:solidFill>
+                <a:latin typeface="Calibri" panose="020F0502020204030204" pitchFamily="34" charset="0"/>
+              </a:rPr>
+              <a:t>: “</a:t>
+            </a:r>
+            <a:r>
+              <a:rPr lang="en-US" b="0" i="0" u="none" strike="noStrike" baseline="0" dirty="0" err="1">
+                <a:solidFill>
+                  <a:srgbClr val="000000"/>
+                </a:solidFill>
+                <a:latin typeface="Calibri" panose="020F0502020204030204" pitchFamily="34" charset="0"/>
+              </a:rPr>
+              <a:t>adam</a:t>
+            </a:r>
+            <a:r>
+              <a:rPr lang="en-US" b="0" i="0" u="none" strike="noStrike" baseline="0" dirty="0">
+                <a:solidFill>
+                  <a:srgbClr val="000000"/>
+                </a:solidFill>
+                <a:latin typeface="Calibri" panose="020F0502020204030204" pitchFamily="34" charset="0"/>
+              </a:rPr>
+              <a:t>”, Adam optimization is a stochastic gradient descent method that is based on adaptive estimation of first-order and second-order moments. </a:t>
+            </a:r>
+          </a:p>
+        </p:txBody>
+      </p:sp>
+      <p:pic>
+        <p:nvPicPr>
+          <p:cNvPr id="3" name="Picture 2">
+            <a:extLst>
+              <a:ext uri="{FF2B5EF4-FFF2-40B4-BE49-F238E27FC236}">
+                <a16:creationId xmlns:a16="http://schemas.microsoft.com/office/drawing/2014/main" id="{BC62BD02-8057-4F52-BE2C-B138451E4CC2}"/>
+              </a:ext>
+            </a:extLst>
+          </p:cNvPr>
+          <p:cNvPicPr>
+            <a:picLocks noChangeAspect="1"/>
+          </p:cNvPicPr>
+          <p:nvPr/>
+        </p:nvPicPr>
+        <p:blipFill>
+          <a:blip r:embed="rId3"/>
+          <a:stretch>
+            <a:fillRect/>
+          </a:stretch>
+        </p:blipFill>
+        <p:spPr>
+          <a:xfrm>
+            <a:off x="7637968" y="221618"/>
+            <a:ext cx="4385286" cy="5067613"/>
+          </a:xfrm>
+          <a:prstGeom prst="roundRect">
+            <a:avLst>
+              <a:gd name="adj" fmla="val 16667"/>
+            </a:avLst>
+          </a:prstGeom>
+          <a:ln>
+            <a:noFill/>
+          </a:ln>
+          <a:effectLst>
+            <a:outerShdw blurRad="152400" dist="12000" dir="900000" sy="98000" kx="110000" ky="200000" algn="tl" rotWithShape="0">
+              <a:srgbClr val="000000">
+                <a:alpha val="30000"/>
+              </a:srgbClr>
+            </a:outerShdw>
+          </a:effectLst>
+          <a:scene3d>
+            <a:camera prst="perspectiveRelaxed">
+              <a:rot lat="19800000" lon="1200000" rev="20820000"/>
+            </a:camera>
+            <a:lightRig rig="threePt" dir="t"/>
+          </a:scene3d>
+          <a:sp3d contourW="6350" prstMaterial="matte">
+            <a:bevelT w="101600" h="101600"/>
+            <a:contourClr>
+              <a:srgbClr val="969696"/>
+            </a:contourClr>
+          </a:sp3d>
+        </p:spPr>
+      </p:pic>
+      <p:sp>
+        <p:nvSpPr>
+          <p:cNvPr id="8" name="TextBox 7">
+            <a:extLst>
+              <a:ext uri="{FF2B5EF4-FFF2-40B4-BE49-F238E27FC236}">
+                <a16:creationId xmlns:a16="http://schemas.microsoft.com/office/drawing/2014/main" id="{E875A1F8-455A-4CCE-A31A-1E3F41D0ABB9}"/>
+              </a:ext>
+            </a:extLst>
+          </p:cNvPr>
+          <p:cNvSpPr txBox="1"/>
+          <p:nvPr/>
+        </p:nvSpPr>
+        <p:spPr>
+          <a:xfrm>
+            <a:off x="9305925" y="5559164"/>
+            <a:ext cx="2820424" cy="1077218"/>
+          </a:xfrm>
+          <a:custGeom>
+            <a:avLst/>
+            <a:gdLst>
+              <a:gd name="connsiteX0" fmla="*/ 0 w 2820424"/>
+              <a:gd name="connsiteY0" fmla="*/ 0 h 1077218"/>
+              <a:gd name="connsiteX1" fmla="*/ 620493 w 2820424"/>
+              <a:gd name="connsiteY1" fmla="*/ 0 h 1077218"/>
+              <a:gd name="connsiteX2" fmla="*/ 1212782 w 2820424"/>
+              <a:gd name="connsiteY2" fmla="*/ 0 h 1077218"/>
+              <a:gd name="connsiteX3" fmla="*/ 1692254 w 2820424"/>
+              <a:gd name="connsiteY3" fmla="*/ 0 h 1077218"/>
+              <a:gd name="connsiteX4" fmla="*/ 2256339 w 2820424"/>
+              <a:gd name="connsiteY4" fmla="*/ 0 h 1077218"/>
+              <a:gd name="connsiteX5" fmla="*/ 2820424 w 2820424"/>
+              <a:gd name="connsiteY5" fmla="*/ 0 h 1077218"/>
+              <a:gd name="connsiteX6" fmla="*/ 2820424 w 2820424"/>
+              <a:gd name="connsiteY6" fmla="*/ 527837 h 1077218"/>
+              <a:gd name="connsiteX7" fmla="*/ 2820424 w 2820424"/>
+              <a:gd name="connsiteY7" fmla="*/ 1077218 h 1077218"/>
+              <a:gd name="connsiteX8" fmla="*/ 2340952 w 2820424"/>
+              <a:gd name="connsiteY8" fmla="*/ 1077218 h 1077218"/>
+              <a:gd name="connsiteX9" fmla="*/ 1805071 w 2820424"/>
+              <a:gd name="connsiteY9" fmla="*/ 1077218 h 1077218"/>
+              <a:gd name="connsiteX10" fmla="*/ 1212782 w 2820424"/>
+              <a:gd name="connsiteY10" fmla="*/ 1077218 h 1077218"/>
+              <a:gd name="connsiteX11" fmla="*/ 620493 w 2820424"/>
+              <a:gd name="connsiteY11" fmla="*/ 1077218 h 1077218"/>
+              <a:gd name="connsiteX12" fmla="*/ 0 w 2820424"/>
+              <a:gd name="connsiteY12" fmla="*/ 1077218 h 1077218"/>
+              <a:gd name="connsiteX13" fmla="*/ 0 w 2820424"/>
+              <a:gd name="connsiteY13" fmla="*/ 538609 h 1077218"/>
+              <a:gd name="connsiteX14" fmla="*/ 0 w 2820424"/>
+              <a:gd name="connsiteY14" fmla="*/ 0 h 1077218"/>
+            </a:gdLst>
+            <a:ahLst/>
+            <a:cxnLst>
+              <a:cxn ang="0">
+                <a:pos x="connsiteX0" y="connsiteY0"/>
+              </a:cxn>
+              <a:cxn ang="0">
+                <a:pos x="connsiteX1" y="connsiteY1"/>
+              </a:cxn>
+              <a:cxn ang="0">
+                <a:pos x="connsiteX2" y="connsiteY2"/>
+              </a:cxn>
+              <a:cxn ang="0">
+                <a:pos x="connsiteX3" y="connsiteY3"/>
+              </a:cxn>
+              <a:cxn ang="0">
+                <a:pos x="connsiteX4" y="connsiteY4"/>
+              </a:cxn>
+              <a:cxn ang="0">
+                <a:pos x="connsiteX5" y="connsiteY5"/>
+              </a:cxn>
+              <a:cxn ang="0">
+                <a:pos x="connsiteX6" y="connsiteY6"/>
+              </a:cxn>
+              <a:cxn ang="0">
+                <a:pos x="connsiteX7" y="connsiteY7"/>
+              </a:cxn>
+              <a:cxn ang="0">
+                <a:pos x="connsiteX8" y="connsiteY8"/>
+              </a:cxn>
+              <a:cxn ang="0">
+                <a:pos x="connsiteX9" y="connsiteY9"/>
+              </a:cxn>
+              <a:cxn ang="0">
+                <a:pos x="connsiteX10" y="connsiteY10"/>
+              </a:cxn>
+              <a:cxn ang="0">
+                <a:pos x="connsiteX11" y="connsiteY11"/>
+              </a:cxn>
+              <a:cxn ang="0">
+                <a:pos x="connsiteX12" y="connsiteY12"/>
+              </a:cxn>
+              <a:cxn ang="0">
+                <a:pos x="connsiteX13" y="connsiteY13"/>
+              </a:cxn>
+              <a:cxn ang="0">
+                <a:pos x="connsiteX14" y="connsiteY14"/>
+              </a:cxn>
+            </a:cxnLst>
+            <a:rect l="l" t="t" r="r" b="b"/>
+            <a:pathLst>
+              <a:path w="2820424" h="1077218" fill="none" extrusionOk="0">
+                <a:moveTo>
+                  <a:pt x="0" y="0"/>
+                </a:moveTo>
+                <a:cubicBezTo>
+                  <a:pt x="301930" y="-26133"/>
+                  <a:pt x="349289" y="17973"/>
+                  <a:pt x="620493" y="0"/>
+                </a:cubicBezTo>
+                <a:cubicBezTo>
+                  <a:pt x="891697" y="-17973"/>
+                  <a:pt x="1000444" y="29655"/>
+                  <a:pt x="1212782" y="0"/>
+                </a:cubicBezTo>
+                <a:cubicBezTo>
+                  <a:pt x="1425120" y="-29655"/>
+                  <a:pt x="1502965" y="52889"/>
+                  <a:pt x="1692254" y="0"/>
+                </a:cubicBezTo>
+                <a:cubicBezTo>
+                  <a:pt x="1881543" y="-52889"/>
+                  <a:pt x="2075528" y="3906"/>
+                  <a:pt x="2256339" y="0"/>
+                </a:cubicBezTo>
+                <a:cubicBezTo>
+                  <a:pt x="2437150" y="-3906"/>
+                  <a:pt x="2598486" y="46806"/>
+                  <a:pt x="2820424" y="0"/>
+                </a:cubicBezTo>
+                <a:cubicBezTo>
+                  <a:pt x="2820555" y="109089"/>
+                  <a:pt x="2782318" y="352933"/>
+                  <a:pt x="2820424" y="527837"/>
+                </a:cubicBezTo>
+                <a:cubicBezTo>
+                  <a:pt x="2858530" y="702741"/>
+                  <a:pt x="2787488" y="828646"/>
+                  <a:pt x="2820424" y="1077218"/>
+                </a:cubicBezTo>
+                <a:cubicBezTo>
+                  <a:pt x="2644746" y="1078061"/>
+                  <a:pt x="2483832" y="1020892"/>
+                  <a:pt x="2340952" y="1077218"/>
+                </a:cubicBezTo>
+                <a:cubicBezTo>
+                  <a:pt x="2198072" y="1133544"/>
+                  <a:pt x="1973673" y="1015639"/>
+                  <a:pt x="1805071" y="1077218"/>
+                </a:cubicBezTo>
+                <a:cubicBezTo>
+                  <a:pt x="1636469" y="1138797"/>
+                  <a:pt x="1491787" y="1053320"/>
+                  <a:pt x="1212782" y="1077218"/>
+                </a:cubicBezTo>
+                <a:cubicBezTo>
+                  <a:pt x="933777" y="1101116"/>
+                  <a:pt x="793582" y="1014757"/>
+                  <a:pt x="620493" y="1077218"/>
+                </a:cubicBezTo>
+                <a:cubicBezTo>
+                  <a:pt x="447404" y="1139679"/>
+                  <a:pt x="224092" y="1057894"/>
+                  <a:pt x="0" y="1077218"/>
+                </a:cubicBezTo>
+                <a:cubicBezTo>
+                  <a:pt x="-19181" y="926009"/>
+                  <a:pt x="58007" y="682734"/>
+                  <a:pt x="0" y="538609"/>
+                </a:cubicBezTo>
+                <a:cubicBezTo>
+                  <a:pt x="-58007" y="394484"/>
+                  <a:pt x="10364" y="136866"/>
+                  <a:pt x="0" y="0"/>
+                </a:cubicBezTo>
+                <a:close/>
+              </a:path>
+              <a:path w="2820424" h="1077218" stroke="0" extrusionOk="0">
+                <a:moveTo>
+                  <a:pt x="0" y="0"/>
+                </a:moveTo>
+                <a:cubicBezTo>
+                  <a:pt x="239018" y="-33833"/>
+                  <a:pt x="404691" y="61350"/>
+                  <a:pt x="564085" y="0"/>
+                </a:cubicBezTo>
+                <a:cubicBezTo>
+                  <a:pt x="723480" y="-61350"/>
+                  <a:pt x="878467" y="25777"/>
+                  <a:pt x="1156374" y="0"/>
+                </a:cubicBezTo>
+                <a:cubicBezTo>
+                  <a:pt x="1434281" y="-25777"/>
+                  <a:pt x="1539210" y="56406"/>
+                  <a:pt x="1635846" y="0"/>
+                </a:cubicBezTo>
+                <a:cubicBezTo>
+                  <a:pt x="1732482" y="-56406"/>
+                  <a:pt x="1963344" y="40898"/>
+                  <a:pt x="2199931" y="0"/>
+                </a:cubicBezTo>
+                <a:cubicBezTo>
+                  <a:pt x="2436519" y="-40898"/>
+                  <a:pt x="2648304" y="66551"/>
+                  <a:pt x="2820424" y="0"/>
+                </a:cubicBezTo>
+                <a:cubicBezTo>
+                  <a:pt x="2823772" y="219274"/>
+                  <a:pt x="2775564" y="338397"/>
+                  <a:pt x="2820424" y="506292"/>
+                </a:cubicBezTo>
+                <a:cubicBezTo>
+                  <a:pt x="2865284" y="674187"/>
+                  <a:pt x="2793501" y="932311"/>
+                  <a:pt x="2820424" y="1077218"/>
+                </a:cubicBezTo>
+                <a:cubicBezTo>
+                  <a:pt x="2622691" y="1111889"/>
+                  <a:pt x="2476713" y="1051676"/>
+                  <a:pt x="2340952" y="1077218"/>
+                </a:cubicBezTo>
+                <a:cubicBezTo>
+                  <a:pt x="2205191" y="1102760"/>
+                  <a:pt x="1913968" y="1067913"/>
+                  <a:pt x="1805071" y="1077218"/>
+                </a:cubicBezTo>
+                <a:cubicBezTo>
+                  <a:pt x="1696174" y="1086523"/>
+                  <a:pt x="1489837" y="1072039"/>
+                  <a:pt x="1212782" y="1077218"/>
+                </a:cubicBezTo>
+                <a:cubicBezTo>
+                  <a:pt x="935727" y="1082397"/>
+                  <a:pt x="822196" y="1058975"/>
+                  <a:pt x="592289" y="1077218"/>
+                </a:cubicBezTo>
+                <a:cubicBezTo>
+                  <a:pt x="362382" y="1095461"/>
+                  <a:pt x="171097" y="1031818"/>
+                  <a:pt x="0" y="1077218"/>
+                </a:cubicBezTo>
+                <a:cubicBezTo>
+                  <a:pt x="-39619" y="951190"/>
+                  <a:pt x="21418" y="752700"/>
+                  <a:pt x="0" y="549381"/>
+                </a:cubicBezTo>
+                <a:cubicBezTo>
+                  <a:pt x="-21418" y="346062"/>
+                  <a:pt x="24295" y="157038"/>
                   <a:pt x="0" y="0"/>
                 </a:cubicBezTo>
                 <a:close/>
@@ -10361,1080 +11359,6 @@
               <a:t>without Dropout Rate</a:t>
             </a:r>
           </a:p>
-          <a:p>
-            <a:pPr marL="0" marR="0" lvl="0" indent="0" algn="l" defTabSz="457200" rtl="0" eaLnBrk="1" fontAlgn="auto" latinLnBrk="0" hangingPunct="1">
-              <a:lnSpc>
-                <a:spcPct val="100000"/>
-              </a:lnSpc>
-              <a:spcBef>
-                <a:spcPts val="0"/>
-              </a:spcBef>
-              <a:spcAft>
-                <a:spcPts val="0"/>
-              </a:spcAft>
-              <a:buClrTx/>
-              <a:buSzTx/>
-              <a:buFontTx/>
-              <a:buNone/>
-              <a:tabLst/>
-              <a:defRPr/>
-            </a:pPr>
-            <a:r>
-              <a:rPr kumimoji="0" lang="en-US" sz="2000" b="1" i="0" u="none" strike="noStrike" kern="1200" cap="none" spc="0" normalizeH="0" baseline="0" noProof="0" dirty="0">
-                <a:ln>
-                  <a:noFill/>
-                </a:ln>
-                <a:solidFill>
-                  <a:srgbClr val="000000"/>
-                </a:solidFill>
-                <a:effectLst/>
-                <a:uLnTx/>
-                <a:uFillTx/>
-                <a:latin typeface="Calibri" panose="020F0502020204030204" pitchFamily="34" charset="0"/>
-                <a:ea typeface="+mn-ea"/>
-                <a:cs typeface="+mn-cs"/>
-              </a:rPr>
-              <a:t>Dropout </a:t>
-            </a:r>
-            <a:r>
-              <a:rPr kumimoji="0" lang="en-US" sz="2000" b="0" i="0" u="none" strike="noStrike" kern="1200" cap="none" spc="0" normalizeH="0" baseline="0" noProof="0" dirty="0">
-                <a:ln>
-                  <a:noFill/>
-                </a:ln>
-                <a:solidFill>
-                  <a:srgbClr val="000000"/>
-                </a:solidFill>
-                <a:effectLst/>
-                <a:uLnTx/>
-                <a:uFillTx/>
-                <a:latin typeface="Calibri" panose="020F0502020204030204" pitchFamily="34" charset="0"/>
-                <a:ea typeface="+mn-ea"/>
-                <a:cs typeface="+mn-cs"/>
-              </a:rPr>
-              <a:t>hyperparameter is the probability of training a given </a:t>
-            </a:r>
-          </a:p>
-          <a:p>
-            <a:pPr marL="0" marR="0" lvl="0" indent="0" algn="l" defTabSz="457200" rtl="0" eaLnBrk="1" fontAlgn="auto" latinLnBrk="0" hangingPunct="1">
-              <a:lnSpc>
-                <a:spcPct val="100000"/>
-              </a:lnSpc>
-              <a:spcBef>
-                <a:spcPts val="0"/>
-              </a:spcBef>
-              <a:spcAft>
-                <a:spcPts val="0"/>
-              </a:spcAft>
-              <a:buClrTx/>
-              <a:buSzTx/>
-              <a:buFontTx/>
-              <a:buNone/>
-              <a:tabLst/>
-              <a:defRPr/>
-            </a:pPr>
-            <a:r>
-              <a:rPr kumimoji="0" lang="en-US" sz="2000" b="0" i="0" u="none" strike="noStrike" kern="1200" cap="none" spc="0" normalizeH="0" baseline="0" noProof="0" dirty="0">
-                <a:ln>
-                  <a:noFill/>
-                </a:ln>
-                <a:solidFill>
-                  <a:srgbClr val="000000"/>
-                </a:solidFill>
-                <a:effectLst/>
-                <a:uLnTx/>
-                <a:uFillTx/>
-                <a:latin typeface="Calibri" panose="020F0502020204030204" pitchFamily="34" charset="0"/>
-                <a:ea typeface="+mn-ea"/>
-                <a:cs typeface="+mn-cs"/>
-              </a:rPr>
-              <a:t>node in a layer.</a:t>
-            </a:r>
-            <a:endParaRPr lang="en-US" dirty="0"/>
-          </a:p>
-        </p:txBody>
-      </p:sp>
-      <p:sp>
-        <p:nvSpPr>
-          <p:cNvPr id="22" name="TextBox 21">
-            <a:extLst>
-              <a:ext uri="{FF2B5EF4-FFF2-40B4-BE49-F238E27FC236}">
-                <a16:creationId xmlns:a16="http://schemas.microsoft.com/office/drawing/2014/main" id="{26F1C461-984D-4077-B8D4-AE1671A0B567}"/>
-              </a:ext>
-            </a:extLst>
-          </p:cNvPr>
-          <p:cNvSpPr txBox="1"/>
-          <p:nvPr/>
-        </p:nvSpPr>
-        <p:spPr>
-          <a:xfrm>
-            <a:off x="6307147" y="1079016"/>
-            <a:ext cx="5772150" cy="5386090"/>
-          </a:xfrm>
-          <a:custGeom>
-            <a:avLst/>
-            <a:gdLst>
-              <a:gd name="connsiteX0" fmla="*/ 0 w 5772150"/>
-              <a:gd name="connsiteY0" fmla="*/ 0 h 5386090"/>
-              <a:gd name="connsiteX1" fmla="*/ 519494 w 5772150"/>
-              <a:gd name="connsiteY1" fmla="*/ 0 h 5386090"/>
-              <a:gd name="connsiteX2" fmla="*/ 1154430 w 5772150"/>
-              <a:gd name="connsiteY2" fmla="*/ 0 h 5386090"/>
-              <a:gd name="connsiteX3" fmla="*/ 1558481 w 5772150"/>
-              <a:gd name="connsiteY3" fmla="*/ 0 h 5386090"/>
-              <a:gd name="connsiteX4" fmla="*/ 2193417 w 5772150"/>
-              <a:gd name="connsiteY4" fmla="*/ 0 h 5386090"/>
-              <a:gd name="connsiteX5" fmla="*/ 2886075 w 5772150"/>
-              <a:gd name="connsiteY5" fmla="*/ 0 h 5386090"/>
-              <a:gd name="connsiteX6" fmla="*/ 3578733 w 5772150"/>
-              <a:gd name="connsiteY6" fmla="*/ 0 h 5386090"/>
-              <a:gd name="connsiteX7" fmla="*/ 4271391 w 5772150"/>
-              <a:gd name="connsiteY7" fmla="*/ 0 h 5386090"/>
-              <a:gd name="connsiteX8" fmla="*/ 4733163 w 5772150"/>
-              <a:gd name="connsiteY8" fmla="*/ 0 h 5386090"/>
-              <a:gd name="connsiteX9" fmla="*/ 5772150 w 5772150"/>
-              <a:gd name="connsiteY9" fmla="*/ 0 h 5386090"/>
-              <a:gd name="connsiteX10" fmla="*/ 5772150 w 5772150"/>
-              <a:gd name="connsiteY10" fmla="*/ 544594 h 5386090"/>
-              <a:gd name="connsiteX11" fmla="*/ 5772150 w 5772150"/>
-              <a:gd name="connsiteY11" fmla="*/ 1250770 h 5386090"/>
-              <a:gd name="connsiteX12" fmla="*/ 5772150 w 5772150"/>
-              <a:gd name="connsiteY12" fmla="*/ 1903085 h 5386090"/>
-              <a:gd name="connsiteX13" fmla="*/ 5772150 w 5772150"/>
-              <a:gd name="connsiteY13" fmla="*/ 2339957 h 5386090"/>
-              <a:gd name="connsiteX14" fmla="*/ 5772150 w 5772150"/>
-              <a:gd name="connsiteY14" fmla="*/ 2938411 h 5386090"/>
-              <a:gd name="connsiteX15" fmla="*/ 5772150 w 5772150"/>
-              <a:gd name="connsiteY15" fmla="*/ 3429144 h 5386090"/>
-              <a:gd name="connsiteX16" fmla="*/ 5772150 w 5772150"/>
-              <a:gd name="connsiteY16" fmla="*/ 3919877 h 5386090"/>
-              <a:gd name="connsiteX17" fmla="*/ 5772150 w 5772150"/>
-              <a:gd name="connsiteY17" fmla="*/ 4572192 h 5386090"/>
-              <a:gd name="connsiteX18" fmla="*/ 5772150 w 5772150"/>
-              <a:gd name="connsiteY18" fmla="*/ 5386090 h 5386090"/>
-              <a:gd name="connsiteX19" fmla="*/ 5137214 w 5772150"/>
-              <a:gd name="connsiteY19" fmla="*/ 5386090 h 5386090"/>
-              <a:gd name="connsiteX20" fmla="*/ 4617720 w 5772150"/>
-              <a:gd name="connsiteY20" fmla="*/ 5386090 h 5386090"/>
-              <a:gd name="connsiteX21" fmla="*/ 4040505 w 5772150"/>
-              <a:gd name="connsiteY21" fmla="*/ 5386090 h 5386090"/>
-              <a:gd name="connsiteX22" fmla="*/ 3636454 w 5772150"/>
-              <a:gd name="connsiteY22" fmla="*/ 5386090 h 5386090"/>
-              <a:gd name="connsiteX23" fmla="*/ 2943797 w 5772150"/>
-              <a:gd name="connsiteY23" fmla="*/ 5386090 h 5386090"/>
-              <a:gd name="connsiteX24" fmla="*/ 2251138 w 5772150"/>
-              <a:gd name="connsiteY24" fmla="*/ 5386090 h 5386090"/>
-              <a:gd name="connsiteX25" fmla="*/ 1673923 w 5772150"/>
-              <a:gd name="connsiteY25" fmla="*/ 5386090 h 5386090"/>
-              <a:gd name="connsiteX26" fmla="*/ 1038987 w 5772150"/>
-              <a:gd name="connsiteY26" fmla="*/ 5386090 h 5386090"/>
-              <a:gd name="connsiteX27" fmla="*/ 0 w 5772150"/>
-              <a:gd name="connsiteY27" fmla="*/ 5386090 h 5386090"/>
-              <a:gd name="connsiteX28" fmla="*/ 0 w 5772150"/>
-              <a:gd name="connsiteY28" fmla="*/ 4949218 h 5386090"/>
-              <a:gd name="connsiteX29" fmla="*/ 0 w 5772150"/>
-              <a:gd name="connsiteY29" fmla="*/ 4512347 h 5386090"/>
-              <a:gd name="connsiteX30" fmla="*/ 0 w 5772150"/>
-              <a:gd name="connsiteY30" fmla="*/ 4021614 h 5386090"/>
-              <a:gd name="connsiteX31" fmla="*/ 0 w 5772150"/>
-              <a:gd name="connsiteY31" fmla="*/ 3423159 h 5386090"/>
-              <a:gd name="connsiteX32" fmla="*/ 0 w 5772150"/>
-              <a:gd name="connsiteY32" fmla="*/ 2824705 h 5386090"/>
-              <a:gd name="connsiteX33" fmla="*/ 0 w 5772150"/>
-              <a:gd name="connsiteY33" fmla="*/ 2280111 h 5386090"/>
-              <a:gd name="connsiteX34" fmla="*/ 0 w 5772150"/>
-              <a:gd name="connsiteY34" fmla="*/ 1681657 h 5386090"/>
-              <a:gd name="connsiteX35" fmla="*/ 0 w 5772150"/>
-              <a:gd name="connsiteY35" fmla="*/ 1083203 h 5386090"/>
-              <a:gd name="connsiteX36" fmla="*/ 0 w 5772150"/>
-              <a:gd name="connsiteY36" fmla="*/ 538609 h 5386090"/>
-              <a:gd name="connsiteX37" fmla="*/ 0 w 5772150"/>
-              <a:gd name="connsiteY37" fmla="*/ 0 h 5386090"/>
-            </a:gdLst>
-            <a:ahLst/>
-            <a:cxnLst>
-              <a:cxn ang="0">
-                <a:pos x="connsiteX0" y="connsiteY0"/>
-              </a:cxn>
-              <a:cxn ang="0">
-                <a:pos x="connsiteX1" y="connsiteY1"/>
-              </a:cxn>
-              <a:cxn ang="0">
-                <a:pos x="connsiteX2" y="connsiteY2"/>
-              </a:cxn>
-              <a:cxn ang="0">
-                <a:pos x="connsiteX3" y="connsiteY3"/>
-              </a:cxn>
-              <a:cxn ang="0">
-                <a:pos x="connsiteX4" y="connsiteY4"/>
-              </a:cxn>
-              <a:cxn ang="0">
-                <a:pos x="connsiteX5" y="connsiteY5"/>
-              </a:cxn>
-              <a:cxn ang="0">
-                <a:pos x="connsiteX6" y="connsiteY6"/>
-              </a:cxn>
-              <a:cxn ang="0">
-                <a:pos x="connsiteX7" y="connsiteY7"/>
-              </a:cxn>
-              <a:cxn ang="0">
-                <a:pos x="connsiteX8" y="connsiteY8"/>
-              </a:cxn>
-              <a:cxn ang="0">
-                <a:pos x="connsiteX9" y="connsiteY9"/>
-              </a:cxn>
-              <a:cxn ang="0">
-                <a:pos x="connsiteX10" y="connsiteY10"/>
-              </a:cxn>
-              <a:cxn ang="0">
-                <a:pos x="connsiteX11" y="connsiteY11"/>
-              </a:cxn>
-              <a:cxn ang="0">
-                <a:pos x="connsiteX12" y="connsiteY12"/>
-              </a:cxn>
-              <a:cxn ang="0">
-                <a:pos x="connsiteX13" y="connsiteY13"/>
-              </a:cxn>
-              <a:cxn ang="0">
-                <a:pos x="connsiteX14" y="connsiteY14"/>
-              </a:cxn>
-              <a:cxn ang="0">
-                <a:pos x="connsiteX15" y="connsiteY15"/>
-              </a:cxn>
-              <a:cxn ang="0">
-                <a:pos x="connsiteX16" y="connsiteY16"/>
-              </a:cxn>
-              <a:cxn ang="0">
-                <a:pos x="connsiteX17" y="connsiteY17"/>
-              </a:cxn>
-              <a:cxn ang="0">
-                <a:pos x="connsiteX18" y="connsiteY18"/>
-              </a:cxn>
-              <a:cxn ang="0">
-                <a:pos x="connsiteX19" y="connsiteY19"/>
-              </a:cxn>
-              <a:cxn ang="0">
-                <a:pos x="connsiteX20" y="connsiteY20"/>
-              </a:cxn>
-              <a:cxn ang="0">
-                <a:pos x="connsiteX21" y="connsiteY21"/>
-              </a:cxn>
-              <a:cxn ang="0">
-                <a:pos x="connsiteX22" y="connsiteY22"/>
-              </a:cxn>
-              <a:cxn ang="0">
-                <a:pos x="connsiteX23" y="connsiteY23"/>
-              </a:cxn>
-              <a:cxn ang="0">
-                <a:pos x="connsiteX24" y="connsiteY24"/>
-              </a:cxn>
-              <a:cxn ang="0">
-                <a:pos x="connsiteX25" y="connsiteY25"/>
-              </a:cxn>
-              <a:cxn ang="0">
-                <a:pos x="connsiteX26" y="connsiteY26"/>
-              </a:cxn>
-              <a:cxn ang="0">
-                <a:pos x="connsiteX27" y="connsiteY27"/>
-              </a:cxn>
-              <a:cxn ang="0">
-                <a:pos x="connsiteX28" y="connsiteY28"/>
-              </a:cxn>
-              <a:cxn ang="0">
-                <a:pos x="connsiteX29" y="connsiteY29"/>
-              </a:cxn>
-              <a:cxn ang="0">
-                <a:pos x="connsiteX30" y="connsiteY30"/>
-              </a:cxn>
-              <a:cxn ang="0">
-                <a:pos x="connsiteX31" y="connsiteY31"/>
-              </a:cxn>
-              <a:cxn ang="0">
-                <a:pos x="connsiteX32" y="connsiteY32"/>
-              </a:cxn>
-              <a:cxn ang="0">
-                <a:pos x="connsiteX33" y="connsiteY33"/>
-              </a:cxn>
-              <a:cxn ang="0">
-                <a:pos x="connsiteX34" y="connsiteY34"/>
-              </a:cxn>
-              <a:cxn ang="0">
-                <a:pos x="connsiteX35" y="connsiteY35"/>
-              </a:cxn>
-              <a:cxn ang="0">
-                <a:pos x="connsiteX36" y="connsiteY36"/>
-              </a:cxn>
-              <a:cxn ang="0">
-                <a:pos x="connsiteX37" y="connsiteY37"/>
-              </a:cxn>
-            </a:cxnLst>
-            <a:rect l="l" t="t" r="r" b="b"/>
-            <a:pathLst>
-              <a:path w="5772150" h="5386090" fill="none" extrusionOk="0">
-                <a:moveTo>
-                  <a:pt x="0" y="0"/>
-                </a:moveTo>
-                <a:cubicBezTo>
-                  <a:pt x="200548" y="-36076"/>
-                  <a:pt x="264429" y="28286"/>
-                  <a:pt x="519494" y="0"/>
-                </a:cubicBezTo>
-                <a:cubicBezTo>
-                  <a:pt x="774559" y="-28286"/>
-                  <a:pt x="972228" y="33138"/>
-                  <a:pt x="1154430" y="0"/>
-                </a:cubicBezTo>
-                <a:cubicBezTo>
-                  <a:pt x="1336632" y="-33138"/>
-                  <a:pt x="1358624" y="34373"/>
-                  <a:pt x="1558481" y="0"/>
-                </a:cubicBezTo>
-                <a:cubicBezTo>
-                  <a:pt x="1758338" y="-34373"/>
-                  <a:pt x="1883980" y="48933"/>
-                  <a:pt x="2193417" y="0"/>
-                </a:cubicBezTo>
-                <a:cubicBezTo>
-                  <a:pt x="2502854" y="-48933"/>
-                  <a:pt x="2593665" y="67095"/>
-                  <a:pt x="2886075" y="0"/>
-                </a:cubicBezTo>
-                <a:cubicBezTo>
-                  <a:pt x="3178485" y="-67095"/>
-                  <a:pt x="3367721" y="1304"/>
-                  <a:pt x="3578733" y="0"/>
-                </a:cubicBezTo>
-                <a:cubicBezTo>
-                  <a:pt x="3789745" y="-1304"/>
-                  <a:pt x="4082544" y="54508"/>
-                  <a:pt x="4271391" y="0"/>
-                </a:cubicBezTo>
-                <a:cubicBezTo>
-                  <a:pt x="4460238" y="-54508"/>
-                  <a:pt x="4606725" y="13966"/>
-                  <a:pt x="4733163" y="0"/>
-                </a:cubicBezTo>
-                <a:cubicBezTo>
-                  <a:pt x="4859601" y="-13966"/>
-                  <a:pt x="5332834" y="27988"/>
-                  <a:pt x="5772150" y="0"/>
-                </a:cubicBezTo>
-                <a:cubicBezTo>
-                  <a:pt x="5809010" y="139577"/>
-                  <a:pt x="5735979" y="286051"/>
-                  <a:pt x="5772150" y="544594"/>
-                </a:cubicBezTo>
-                <a:cubicBezTo>
-                  <a:pt x="5808321" y="803137"/>
-                  <a:pt x="5741093" y="971744"/>
-                  <a:pt x="5772150" y="1250770"/>
-                </a:cubicBezTo>
-                <a:cubicBezTo>
-                  <a:pt x="5803207" y="1529796"/>
-                  <a:pt x="5751072" y="1739693"/>
-                  <a:pt x="5772150" y="1903085"/>
-                </a:cubicBezTo>
-                <a:cubicBezTo>
-                  <a:pt x="5793228" y="2066478"/>
-                  <a:pt x="5768638" y="2213277"/>
-                  <a:pt x="5772150" y="2339957"/>
-                </a:cubicBezTo>
-                <a:cubicBezTo>
-                  <a:pt x="5775662" y="2466637"/>
-                  <a:pt x="5755347" y="2699587"/>
-                  <a:pt x="5772150" y="2938411"/>
-                </a:cubicBezTo>
-                <a:cubicBezTo>
-                  <a:pt x="5788953" y="3177235"/>
-                  <a:pt x="5733358" y="3264413"/>
-                  <a:pt x="5772150" y="3429144"/>
-                </a:cubicBezTo>
-                <a:cubicBezTo>
-                  <a:pt x="5810942" y="3593875"/>
-                  <a:pt x="5750789" y="3754034"/>
-                  <a:pt x="5772150" y="3919877"/>
-                </a:cubicBezTo>
-                <a:cubicBezTo>
-                  <a:pt x="5793511" y="4085720"/>
-                  <a:pt x="5703091" y="4378313"/>
-                  <a:pt x="5772150" y="4572192"/>
-                </a:cubicBezTo>
-                <a:cubicBezTo>
-                  <a:pt x="5841209" y="4766072"/>
-                  <a:pt x="5708551" y="5011403"/>
-                  <a:pt x="5772150" y="5386090"/>
-                </a:cubicBezTo>
-                <a:cubicBezTo>
-                  <a:pt x="5634754" y="5427221"/>
-                  <a:pt x="5432441" y="5335353"/>
-                  <a:pt x="5137214" y="5386090"/>
-                </a:cubicBezTo>
-                <a:cubicBezTo>
-                  <a:pt x="4841987" y="5436827"/>
-                  <a:pt x="4830888" y="5378339"/>
-                  <a:pt x="4617720" y="5386090"/>
-                </a:cubicBezTo>
-                <a:cubicBezTo>
-                  <a:pt x="4404552" y="5393841"/>
-                  <a:pt x="4163174" y="5326260"/>
-                  <a:pt x="4040505" y="5386090"/>
-                </a:cubicBezTo>
-                <a:cubicBezTo>
-                  <a:pt x="3917836" y="5445920"/>
-                  <a:pt x="3764874" y="5380971"/>
-                  <a:pt x="3636454" y="5386090"/>
-                </a:cubicBezTo>
-                <a:cubicBezTo>
-                  <a:pt x="3508034" y="5391209"/>
-                  <a:pt x="3183718" y="5380167"/>
-                  <a:pt x="2943797" y="5386090"/>
-                </a:cubicBezTo>
-                <a:cubicBezTo>
-                  <a:pt x="2703876" y="5392013"/>
-                  <a:pt x="2579604" y="5349671"/>
-                  <a:pt x="2251138" y="5386090"/>
-                </a:cubicBezTo>
-                <a:cubicBezTo>
-                  <a:pt x="1922672" y="5422509"/>
-                  <a:pt x="1908995" y="5366444"/>
-                  <a:pt x="1673923" y="5386090"/>
-                </a:cubicBezTo>
-                <a:cubicBezTo>
-                  <a:pt x="1438852" y="5405736"/>
-                  <a:pt x="1355162" y="5377957"/>
-                  <a:pt x="1038987" y="5386090"/>
-                </a:cubicBezTo>
-                <a:cubicBezTo>
-                  <a:pt x="722812" y="5394223"/>
-                  <a:pt x="322545" y="5308269"/>
-                  <a:pt x="0" y="5386090"/>
-                </a:cubicBezTo>
-                <a:cubicBezTo>
-                  <a:pt x="-38755" y="5244802"/>
-                  <a:pt x="10603" y="5064288"/>
-                  <a:pt x="0" y="4949218"/>
-                </a:cubicBezTo>
-                <a:cubicBezTo>
-                  <a:pt x="-10603" y="4834148"/>
-                  <a:pt x="49046" y="4650873"/>
-                  <a:pt x="0" y="4512347"/>
-                </a:cubicBezTo>
-                <a:cubicBezTo>
-                  <a:pt x="-49046" y="4373821"/>
-                  <a:pt x="27829" y="4238853"/>
-                  <a:pt x="0" y="4021614"/>
-                </a:cubicBezTo>
-                <a:cubicBezTo>
-                  <a:pt x="-27829" y="3804375"/>
-                  <a:pt x="63444" y="3701173"/>
-                  <a:pt x="0" y="3423159"/>
-                </a:cubicBezTo>
-                <a:cubicBezTo>
-                  <a:pt x="-63444" y="3145146"/>
-                  <a:pt x="49688" y="3025259"/>
-                  <a:pt x="0" y="2824705"/>
-                </a:cubicBezTo>
-                <a:cubicBezTo>
-                  <a:pt x="-49688" y="2624151"/>
-                  <a:pt x="15444" y="2446431"/>
-                  <a:pt x="0" y="2280111"/>
-                </a:cubicBezTo>
-                <a:cubicBezTo>
-                  <a:pt x="-15444" y="2113791"/>
-                  <a:pt x="39579" y="1836749"/>
-                  <a:pt x="0" y="1681657"/>
-                </a:cubicBezTo>
-                <a:cubicBezTo>
-                  <a:pt x="-39579" y="1526565"/>
-                  <a:pt x="21095" y="1371997"/>
-                  <a:pt x="0" y="1083203"/>
-                </a:cubicBezTo>
-                <a:cubicBezTo>
-                  <a:pt x="-21095" y="794409"/>
-                  <a:pt x="53345" y="806774"/>
-                  <a:pt x="0" y="538609"/>
-                </a:cubicBezTo>
-                <a:cubicBezTo>
-                  <a:pt x="-53345" y="270444"/>
-                  <a:pt x="59312" y="153549"/>
-                  <a:pt x="0" y="0"/>
-                </a:cubicBezTo>
-                <a:close/>
-              </a:path>
-              <a:path w="5772150" h="5386090" stroke="0" extrusionOk="0">
-                <a:moveTo>
-                  <a:pt x="0" y="0"/>
-                </a:moveTo>
-                <a:cubicBezTo>
-                  <a:pt x="219275" y="-13463"/>
-                  <a:pt x="356192" y="25835"/>
-                  <a:pt x="692658" y="0"/>
-                </a:cubicBezTo>
-                <a:cubicBezTo>
-                  <a:pt x="1029124" y="-25835"/>
-                  <a:pt x="1062846" y="58802"/>
-                  <a:pt x="1385316" y="0"/>
-                </a:cubicBezTo>
-                <a:cubicBezTo>
-                  <a:pt x="1707786" y="-58802"/>
-                  <a:pt x="1728090" y="5319"/>
-                  <a:pt x="2020253" y="0"/>
-                </a:cubicBezTo>
-                <a:cubicBezTo>
-                  <a:pt x="2312416" y="-5319"/>
-                  <a:pt x="2305270" y="7264"/>
-                  <a:pt x="2424303" y="0"/>
-                </a:cubicBezTo>
-                <a:cubicBezTo>
-                  <a:pt x="2543336" y="-7264"/>
-                  <a:pt x="2732166" y="15385"/>
-                  <a:pt x="3001518" y="0"/>
-                </a:cubicBezTo>
-                <a:cubicBezTo>
-                  <a:pt x="3270871" y="-15385"/>
-                  <a:pt x="3229659" y="12403"/>
-                  <a:pt x="3405569" y="0"/>
-                </a:cubicBezTo>
-                <a:cubicBezTo>
-                  <a:pt x="3581479" y="-12403"/>
-                  <a:pt x="3635035" y="22885"/>
-                  <a:pt x="3809619" y="0"/>
-                </a:cubicBezTo>
-                <a:cubicBezTo>
-                  <a:pt x="3984203" y="-22885"/>
-                  <a:pt x="4168527" y="23553"/>
-                  <a:pt x="4386834" y="0"/>
-                </a:cubicBezTo>
-                <a:cubicBezTo>
-                  <a:pt x="4605141" y="-23553"/>
-                  <a:pt x="4781559" y="49135"/>
-                  <a:pt x="5021771" y="0"/>
-                </a:cubicBezTo>
-                <a:cubicBezTo>
-                  <a:pt x="5261983" y="-49135"/>
-                  <a:pt x="5471058" y="42189"/>
-                  <a:pt x="5772150" y="0"/>
-                </a:cubicBezTo>
-                <a:cubicBezTo>
-                  <a:pt x="5788729" y="284547"/>
-                  <a:pt x="5703590" y="438546"/>
-                  <a:pt x="5772150" y="598454"/>
-                </a:cubicBezTo>
-                <a:cubicBezTo>
-                  <a:pt x="5840710" y="758362"/>
-                  <a:pt x="5717519" y="878349"/>
-                  <a:pt x="5772150" y="1089187"/>
-                </a:cubicBezTo>
-                <a:cubicBezTo>
-                  <a:pt x="5826781" y="1300025"/>
-                  <a:pt x="5771995" y="1581233"/>
-                  <a:pt x="5772150" y="1741502"/>
-                </a:cubicBezTo>
-                <a:cubicBezTo>
-                  <a:pt x="5772305" y="1901771"/>
-                  <a:pt x="5757431" y="2198025"/>
-                  <a:pt x="5772150" y="2447679"/>
-                </a:cubicBezTo>
-                <a:cubicBezTo>
-                  <a:pt x="5786869" y="2697333"/>
-                  <a:pt x="5736761" y="2697850"/>
-                  <a:pt x="5772150" y="2884550"/>
-                </a:cubicBezTo>
-                <a:cubicBezTo>
-                  <a:pt x="5807539" y="3071250"/>
-                  <a:pt x="5766357" y="3355889"/>
-                  <a:pt x="5772150" y="3483005"/>
-                </a:cubicBezTo>
-                <a:cubicBezTo>
-                  <a:pt x="5777943" y="3610122"/>
-                  <a:pt x="5771772" y="3958758"/>
-                  <a:pt x="5772150" y="4081459"/>
-                </a:cubicBezTo>
-                <a:cubicBezTo>
-                  <a:pt x="5772528" y="4204160"/>
-                  <a:pt x="5743160" y="4423580"/>
-                  <a:pt x="5772150" y="4733775"/>
-                </a:cubicBezTo>
-                <a:cubicBezTo>
-                  <a:pt x="5801140" y="5043970"/>
-                  <a:pt x="5772020" y="5147540"/>
-                  <a:pt x="5772150" y="5386090"/>
-                </a:cubicBezTo>
-                <a:cubicBezTo>
-                  <a:pt x="5660534" y="5431225"/>
-                  <a:pt x="5474963" y="5379723"/>
-                  <a:pt x="5368100" y="5386090"/>
-                </a:cubicBezTo>
-                <a:cubicBezTo>
-                  <a:pt x="5261237" y="5392457"/>
-                  <a:pt x="5008214" y="5316133"/>
-                  <a:pt x="4675442" y="5386090"/>
-                </a:cubicBezTo>
-                <a:cubicBezTo>
-                  <a:pt x="4342670" y="5456047"/>
-                  <a:pt x="4442639" y="5374507"/>
-                  <a:pt x="4213670" y="5386090"/>
-                </a:cubicBezTo>
-                <a:cubicBezTo>
-                  <a:pt x="3984701" y="5397673"/>
-                  <a:pt x="3903864" y="5374767"/>
-                  <a:pt x="3809619" y="5386090"/>
-                </a:cubicBezTo>
-                <a:cubicBezTo>
-                  <a:pt x="3715374" y="5397413"/>
-                  <a:pt x="3401730" y="5356761"/>
-                  <a:pt x="3174683" y="5386090"/>
-                </a:cubicBezTo>
-                <a:cubicBezTo>
-                  <a:pt x="2947636" y="5415419"/>
-                  <a:pt x="2921016" y="5360855"/>
-                  <a:pt x="2770632" y="5386090"/>
-                </a:cubicBezTo>
-                <a:cubicBezTo>
-                  <a:pt x="2620248" y="5411325"/>
-                  <a:pt x="2323641" y="5365306"/>
-                  <a:pt x="2077974" y="5386090"/>
-                </a:cubicBezTo>
-                <a:cubicBezTo>
-                  <a:pt x="1832307" y="5406874"/>
-                  <a:pt x="1823547" y="5360067"/>
-                  <a:pt x="1616202" y="5386090"/>
-                </a:cubicBezTo>
-                <a:cubicBezTo>
-                  <a:pt x="1408857" y="5412113"/>
-                  <a:pt x="1241207" y="5340325"/>
-                  <a:pt x="1096709" y="5386090"/>
-                </a:cubicBezTo>
-                <a:cubicBezTo>
-                  <a:pt x="952211" y="5431855"/>
-                  <a:pt x="844063" y="5372731"/>
-                  <a:pt x="692658" y="5386090"/>
-                </a:cubicBezTo>
-                <a:cubicBezTo>
-                  <a:pt x="541253" y="5399449"/>
-                  <a:pt x="316416" y="5329093"/>
-                  <a:pt x="0" y="5386090"/>
-                </a:cubicBezTo>
-                <a:cubicBezTo>
-                  <a:pt x="-10820" y="5269590"/>
-                  <a:pt x="51460" y="5010962"/>
-                  <a:pt x="0" y="4895357"/>
-                </a:cubicBezTo>
-                <a:cubicBezTo>
-                  <a:pt x="-51460" y="4779752"/>
-                  <a:pt x="47394" y="4469695"/>
-                  <a:pt x="0" y="4189181"/>
-                </a:cubicBezTo>
-                <a:cubicBezTo>
-                  <a:pt x="-47394" y="3908667"/>
-                  <a:pt x="31512" y="3643409"/>
-                  <a:pt x="0" y="3483005"/>
-                </a:cubicBezTo>
-                <a:cubicBezTo>
-                  <a:pt x="-31512" y="3322601"/>
-                  <a:pt x="63629" y="3038181"/>
-                  <a:pt x="0" y="2884550"/>
-                </a:cubicBezTo>
-                <a:cubicBezTo>
-                  <a:pt x="-63629" y="2730920"/>
-                  <a:pt x="32950" y="2446730"/>
-                  <a:pt x="0" y="2178374"/>
-                </a:cubicBezTo>
-                <a:cubicBezTo>
-                  <a:pt x="-32950" y="1910018"/>
-                  <a:pt x="47273" y="1683870"/>
-                  <a:pt x="0" y="1472198"/>
-                </a:cubicBezTo>
-                <a:cubicBezTo>
-                  <a:pt x="-47273" y="1260526"/>
-                  <a:pt x="37935" y="1097100"/>
-                  <a:pt x="0" y="981465"/>
-                </a:cubicBezTo>
-                <a:cubicBezTo>
-                  <a:pt x="-37935" y="865830"/>
-                  <a:pt x="98776" y="254955"/>
-                  <a:pt x="0" y="0"/>
-                </a:cubicBezTo>
-                <a:close/>
-              </a:path>
-            </a:pathLst>
-          </a:custGeom>
-          <a:solidFill>
-            <a:schemeClr val="accent4">
-              <a:lumMod val="20000"/>
-              <a:lumOff val="80000"/>
-            </a:schemeClr>
-          </a:solidFill>
-          <a:ln>
-            <a:extLst>
-              <a:ext uri="{C807C97D-BFC1-408E-A445-0C87EB9F89A2}">
-                <ask:lineSketchStyleProps xmlns:ask="http://schemas.microsoft.com/office/drawing/2018/sketchyshapes" sd="3823374539">
-                  <a:prstGeom prst="rect">
-                    <a:avLst/>
-                  </a:prstGeom>
-                  <ask:type>
-                    <ask:lineSketchScribble/>
-                  </ask:type>
-                </ask:lineSketchStyleProps>
-              </a:ext>
-            </a:extLst>
-          </a:ln>
-          <a:effectLst>
-            <a:glow rad="228600">
-              <a:schemeClr val="accent5">
-                <a:satMod val="175000"/>
-                <a:alpha val="40000"/>
-              </a:schemeClr>
-            </a:glow>
-          </a:effectLst>
-        </p:spPr>
-        <p:style>
-          <a:lnRef idx="2">
-            <a:schemeClr val="accent2"/>
-          </a:lnRef>
-          <a:fillRef idx="1">
-            <a:schemeClr val="lt1"/>
-          </a:fillRef>
-          <a:effectRef idx="0">
-            <a:schemeClr val="accent2"/>
-          </a:effectRef>
-          <a:fontRef idx="minor">
-            <a:schemeClr val="dk1"/>
-          </a:fontRef>
-        </p:style>
-        <p:txBody>
-          <a:bodyPr wrap="square">
-            <a:spAutoFit/>
-          </a:bodyPr>
-          <a:lstStyle/>
-          <a:p>
-            <a:r>
-              <a:rPr lang="en-US" sz="2400" b="1" dirty="0">
-                <a:solidFill>
-                  <a:srgbClr val="000000"/>
-                </a:solidFill>
-                <a:latin typeface="Calibri" panose="020F0502020204030204" pitchFamily="34" charset="0"/>
-              </a:rPr>
-              <a:t>Parameters Configuration </a:t>
-            </a:r>
-          </a:p>
-          <a:p>
-            <a:pPr marL="285750" indent="-285750">
-              <a:buFont typeface="Wingdings" panose="05000000000000000000" pitchFamily="2" charset="2"/>
-              <a:buChar char="ü"/>
-            </a:pPr>
-            <a:r>
-              <a:rPr lang="en-US" sz="2000" b="1" i="0" u="none" strike="noStrike" baseline="0" dirty="0" err="1">
-                <a:solidFill>
-                  <a:srgbClr val="000000"/>
-                </a:solidFill>
-                <a:latin typeface="Calibri" panose="020F0502020204030204" pitchFamily="34" charset="0"/>
-              </a:rPr>
-              <a:t>embedding_dims</a:t>
-            </a:r>
-            <a:r>
-              <a:rPr lang="en-US" sz="2000" b="0" i="0" u="none" strike="noStrike" baseline="0" dirty="0">
-                <a:solidFill>
-                  <a:srgbClr val="000000"/>
-                </a:solidFill>
-                <a:latin typeface="Calibri" panose="020F0502020204030204" pitchFamily="34" charset="0"/>
-              </a:rPr>
-              <a:t>: word embedding dimension (</a:t>
-            </a:r>
-            <a:r>
-              <a:rPr lang="en-US" sz="2000" b="0" i="0" u="none" strike="noStrike" baseline="0" dirty="0" err="1">
-                <a:solidFill>
-                  <a:srgbClr val="000000"/>
-                </a:solidFill>
-                <a:latin typeface="Calibri" panose="020F0502020204030204" pitchFamily="34" charset="0"/>
-              </a:rPr>
-              <a:t>embedding_dims</a:t>
-            </a:r>
-            <a:r>
-              <a:rPr lang="en-US" sz="2000" b="0" i="0" u="none" strike="noStrike" baseline="0" dirty="0">
-                <a:solidFill>
-                  <a:srgbClr val="000000"/>
-                </a:solidFill>
-                <a:latin typeface="Calibri" panose="020F0502020204030204" pitchFamily="34" charset="0"/>
-              </a:rPr>
-              <a:t> = 50) </a:t>
-            </a:r>
-          </a:p>
-          <a:p>
-            <a:pPr marL="285750" indent="-285750">
-              <a:buFont typeface="Wingdings" panose="05000000000000000000" pitchFamily="2" charset="2"/>
-              <a:buChar char="ü"/>
-            </a:pPr>
-            <a:r>
-              <a:rPr lang="en-US" sz="2000" b="1" i="0" u="none" strike="noStrike" baseline="0" dirty="0" err="1">
-                <a:solidFill>
-                  <a:srgbClr val="000000"/>
-                </a:solidFill>
-                <a:latin typeface="Calibri" panose="020F0502020204030204" pitchFamily="34" charset="0"/>
-              </a:rPr>
-              <a:t>nof_filters</a:t>
-            </a:r>
-            <a:r>
-              <a:rPr lang="en-US" sz="2000" b="0" i="0" u="none" strike="noStrike" baseline="0" dirty="0">
-                <a:solidFill>
-                  <a:srgbClr val="000000"/>
-                </a:solidFill>
-                <a:latin typeface="Calibri" panose="020F0502020204030204" pitchFamily="34" charset="0"/>
-              </a:rPr>
-              <a:t>: number of filters (</a:t>
-            </a:r>
-            <a:r>
-              <a:rPr lang="en-US" sz="2000" b="0" i="0" u="none" strike="noStrike" baseline="0" dirty="0" err="1">
-                <a:solidFill>
-                  <a:srgbClr val="000000"/>
-                </a:solidFill>
-                <a:latin typeface="Calibri" panose="020F0502020204030204" pitchFamily="34" charset="0"/>
-              </a:rPr>
-              <a:t>nof_filters</a:t>
-            </a:r>
-            <a:r>
-              <a:rPr lang="en-US" sz="2000" b="0" i="0" u="none" strike="noStrike" baseline="0" dirty="0">
-                <a:solidFill>
-                  <a:srgbClr val="000000"/>
-                </a:solidFill>
-                <a:latin typeface="Calibri" panose="020F0502020204030204" pitchFamily="34" charset="0"/>
-              </a:rPr>
-              <a:t> = 25) </a:t>
-            </a:r>
-          </a:p>
-          <a:p>
-            <a:pPr marL="285750" indent="-285750">
-              <a:buFont typeface="Wingdings" panose="05000000000000000000" pitchFamily="2" charset="2"/>
-              <a:buChar char="ü"/>
-            </a:pPr>
-            <a:r>
-              <a:rPr lang="en-US" sz="2000" b="1" i="0" u="none" strike="noStrike" baseline="0" dirty="0" err="1">
-                <a:solidFill>
-                  <a:srgbClr val="000000"/>
-                </a:solidFill>
-                <a:latin typeface="Calibri" panose="020F0502020204030204" pitchFamily="34" charset="0"/>
-              </a:rPr>
-              <a:t>batch_size</a:t>
-            </a:r>
-            <a:r>
-              <a:rPr lang="en-US" sz="2000" b="0" i="0" u="none" strike="noStrike" baseline="0" dirty="0">
-                <a:solidFill>
-                  <a:srgbClr val="000000"/>
-                </a:solidFill>
-                <a:latin typeface="Calibri" panose="020F0502020204030204" pitchFamily="34" charset="0"/>
-              </a:rPr>
-              <a:t>: the batch size of the data that will be fed to the model while training (</a:t>
-            </a:r>
-            <a:r>
-              <a:rPr lang="en-US" sz="2000" b="0" i="0" u="none" strike="noStrike" baseline="0" dirty="0" err="1">
-                <a:solidFill>
-                  <a:srgbClr val="000000"/>
-                </a:solidFill>
-                <a:latin typeface="Calibri" panose="020F0502020204030204" pitchFamily="34" charset="0"/>
-              </a:rPr>
-              <a:t>batch_size</a:t>
-            </a:r>
-            <a:r>
-              <a:rPr lang="en-US" sz="2000" b="0" i="0" u="none" strike="noStrike" baseline="0" dirty="0">
-                <a:solidFill>
-                  <a:srgbClr val="000000"/>
-                </a:solidFill>
-                <a:latin typeface="Calibri" panose="020F0502020204030204" pitchFamily="34" charset="0"/>
-              </a:rPr>
-              <a:t> = 64) </a:t>
-            </a:r>
-          </a:p>
-          <a:p>
-            <a:pPr marL="285750" indent="-285750">
-              <a:buFont typeface="Wingdings" panose="05000000000000000000" pitchFamily="2" charset="2"/>
-              <a:buChar char="ü"/>
-            </a:pPr>
-            <a:r>
-              <a:rPr lang="en-US" sz="2000" b="1" i="0" u="none" strike="noStrike" baseline="0" dirty="0" err="1">
-                <a:solidFill>
-                  <a:srgbClr val="000000"/>
-                </a:solidFill>
-                <a:latin typeface="Calibri" panose="020F0502020204030204" pitchFamily="34" charset="0"/>
-              </a:rPr>
-              <a:t>kernel_size</a:t>
-            </a:r>
-            <a:r>
-              <a:rPr lang="en-US" sz="2000" b="0" i="0" u="none" strike="noStrike" baseline="0" dirty="0">
-                <a:solidFill>
-                  <a:srgbClr val="000000"/>
-                </a:solidFill>
-                <a:latin typeface="Calibri" panose="020F0502020204030204" pitchFamily="34" charset="0"/>
-              </a:rPr>
-              <a:t>: (width)*(height) of the filter mask (</a:t>
-            </a:r>
-            <a:r>
-              <a:rPr lang="en-US" sz="2000" b="0" i="0" u="none" strike="noStrike" baseline="0" dirty="0" err="1">
-                <a:solidFill>
-                  <a:srgbClr val="000000"/>
-                </a:solidFill>
-                <a:latin typeface="Calibri" panose="020F0502020204030204" pitchFamily="34" charset="0"/>
-              </a:rPr>
-              <a:t>kernel_size</a:t>
-            </a:r>
-            <a:r>
-              <a:rPr lang="en-US" sz="2000" b="0" i="0" u="none" strike="noStrike" baseline="0" dirty="0">
-                <a:solidFill>
-                  <a:srgbClr val="000000"/>
-                </a:solidFill>
-                <a:latin typeface="Calibri" panose="020F0502020204030204" pitchFamily="34" charset="0"/>
-              </a:rPr>
-              <a:t> = 3) </a:t>
-            </a:r>
-          </a:p>
-          <a:p>
-            <a:pPr marL="285750" indent="-285750">
-              <a:buFont typeface="Wingdings" panose="05000000000000000000" pitchFamily="2" charset="2"/>
-              <a:buChar char="ü"/>
-            </a:pPr>
-            <a:r>
-              <a:rPr lang="en-US" sz="2000" b="1" i="0" u="none" strike="noStrike" baseline="0" dirty="0" err="1">
-                <a:solidFill>
-                  <a:srgbClr val="000000"/>
-                </a:solidFill>
-                <a:latin typeface="Calibri" panose="020F0502020204030204" pitchFamily="34" charset="0"/>
-              </a:rPr>
-              <a:t>hidden_dims</a:t>
-            </a:r>
-            <a:r>
-              <a:rPr lang="en-US" sz="2000" b="0" i="0" u="none" strike="noStrike" baseline="0" dirty="0">
-                <a:solidFill>
-                  <a:srgbClr val="000000"/>
-                </a:solidFill>
-                <a:latin typeface="Calibri" panose="020F0502020204030204" pitchFamily="34" charset="0"/>
-              </a:rPr>
-              <a:t>: the number of neurons in the hidden layer (</a:t>
-            </a:r>
-            <a:r>
-              <a:rPr lang="en-US" sz="2000" b="0" i="0" u="none" strike="noStrike" baseline="0" dirty="0" err="1">
-                <a:solidFill>
-                  <a:srgbClr val="000000"/>
-                </a:solidFill>
-                <a:latin typeface="Calibri" panose="020F0502020204030204" pitchFamily="34" charset="0"/>
-              </a:rPr>
-              <a:t>hidden_dims</a:t>
-            </a:r>
-            <a:r>
-              <a:rPr lang="en-US" sz="2000" b="0" i="0" u="none" strike="noStrike" baseline="0" dirty="0">
-                <a:solidFill>
-                  <a:srgbClr val="000000"/>
-                </a:solidFill>
-                <a:latin typeface="Calibri" panose="020F0502020204030204" pitchFamily="34" charset="0"/>
-              </a:rPr>
-              <a:t> = 50) </a:t>
-            </a:r>
-          </a:p>
-          <a:p>
-            <a:pPr marL="285750" indent="-285750">
-              <a:buFont typeface="Wingdings" panose="05000000000000000000" pitchFamily="2" charset="2"/>
-              <a:buChar char="ü"/>
-            </a:pPr>
-            <a:r>
-              <a:rPr lang="en-US" sz="2000" b="1" i="0" u="none" strike="noStrike" baseline="0" dirty="0">
-                <a:solidFill>
-                  <a:srgbClr val="000000"/>
-                </a:solidFill>
-                <a:latin typeface="Calibri" panose="020F0502020204030204" pitchFamily="34" charset="0"/>
-              </a:rPr>
-              <a:t>loss</a:t>
-            </a:r>
-            <a:r>
-              <a:rPr lang="en-US" sz="2000" b="0" i="0" u="none" strike="noStrike" baseline="0" dirty="0">
-                <a:solidFill>
-                  <a:srgbClr val="000000"/>
-                </a:solidFill>
-                <a:latin typeface="Calibri" panose="020F0502020204030204" pitchFamily="34" charset="0"/>
-              </a:rPr>
-              <a:t>: “</a:t>
-            </a:r>
-            <a:r>
-              <a:rPr lang="en-US" sz="2000" b="0" i="0" u="none" strike="noStrike" baseline="0" dirty="0" err="1">
-                <a:solidFill>
-                  <a:srgbClr val="000000"/>
-                </a:solidFill>
-                <a:latin typeface="Calibri" panose="020F0502020204030204" pitchFamily="34" charset="0"/>
-              </a:rPr>
-              <a:t>categorical_crossentropy</a:t>
-            </a:r>
-            <a:r>
-              <a:rPr lang="en-US" sz="2000" b="0" i="0" u="none" strike="noStrike" baseline="0" dirty="0">
-                <a:solidFill>
-                  <a:srgbClr val="000000"/>
-                </a:solidFill>
-                <a:latin typeface="Calibri" panose="020F0502020204030204" pitchFamily="34" charset="0"/>
-              </a:rPr>
-              <a:t>”, since we have categorical output values </a:t>
-            </a:r>
-          </a:p>
-          <a:p>
-            <a:pPr marL="285750" indent="-285750">
-              <a:buFont typeface="Wingdings" panose="05000000000000000000" pitchFamily="2" charset="2"/>
-              <a:buChar char="ü"/>
-            </a:pPr>
-            <a:r>
-              <a:rPr lang="en-US" sz="2000" b="1" i="0" u="none" strike="noStrike" baseline="0" dirty="0">
-                <a:solidFill>
-                  <a:srgbClr val="000000"/>
-                </a:solidFill>
-                <a:latin typeface="Calibri" panose="020F0502020204030204" pitchFamily="34" charset="0"/>
-              </a:rPr>
-              <a:t>optimizer</a:t>
-            </a:r>
-            <a:r>
-              <a:rPr lang="en-US" sz="2000" b="0" i="0" u="none" strike="noStrike" baseline="0" dirty="0">
-                <a:solidFill>
-                  <a:srgbClr val="000000"/>
-                </a:solidFill>
-                <a:latin typeface="Calibri" panose="020F0502020204030204" pitchFamily="34" charset="0"/>
-              </a:rPr>
-              <a:t>: “</a:t>
-            </a:r>
-            <a:r>
-              <a:rPr lang="en-US" sz="2000" b="0" i="0" u="none" strike="noStrike" baseline="0" dirty="0" err="1">
-                <a:solidFill>
-                  <a:srgbClr val="000000"/>
-                </a:solidFill>
-                <a:latin typeface="Calibri" panose="020F0502020204030204" pitchFamily="34" charset="0"/>
-              </a:rPr>
-              <a:t>adam</a:t>
-            </a:r>
-            <a:r>
-              <a:rPr lang="en-US" sz="2000" b="0" i="0" u="none" strike="noStrike" baseline="0" dirty="0">
-                <a:solidFill>
-                  <a:srgbClr val="000000"/>
-                </a:solidFill>
-                <a:latin typeface="Calibri" panose="020F0502020204030204" pitchFamily="34" charset="0"/>
-              </a:rPr>
-              <a:t>”, Adam optimization is a stochastic gradient descent method that is based on adaptive estimation of first-order and second-order moments. </a:t>
-            </a:r>
-          </a:p>
-          <a:p>
-            <a:pPr marL="285750" indent="-285750">
-              <a:buFont typeface="Wingdings" panose="05000000000000000000" pitchFamily="2" charset="2"/>
-              <a:buChar char="ü"/>
-            </a:pPr>
-            <a:r>
-              <a:rPr lang="en-US" sz="2000" b="1" i="0" u="none" strike="noStrike" baseline="0" dirty="0">
-                <a:solidFill>
-                  <a:srgbClr val="000000"/>
-                </a:solidFill>
-                <a:latin typeface="Calibri" panose="020F0502020204030204" pitchFamily="34" charset="0"/>
-              </a:rPr>
-              <a:t>metrics</a:t>
-            </a:r>
-            <a:r>
-              <a:rPr lang="en-US" sz="2000" b="0" i="0" u="none" strike="noStrike" baseline="0" dirty="0">
-                <a:solidFill>
-                  <a:srgbClr val="000000"/>
-                </a:solidFill>
-                <a:latin typeface="Calibri" panose="020F0502020204030204" pitchFamily="34" charset="0"/>
-              </a:rPr>
-              <a:t>: “accuracy” </a:t>
-            </a:r>
-          </a:p>
         </p:txBody>
       </p:sp>
     </p:spTree>
@@ -11451,219 +11375,6 @@
 </file>
 
 <file path=ppt/slides/slide13.xml><?xml version="1.0" encoding="utf-8"?>
-<p:sld xmlns:a="http://schemas.openxmlformats.org/drawingml/2006/main" xmlns:r="http://schemas.openxmlformats.org/officeDocument/2006/relationships" xmlns:p="http://schemas.openxmlformats.org/presentationml/2006/main">
-  <p:cSld>
-    <p:bg>
-      <p:bgPr>
-        <a:blipFill rotWithShape="1">
-          <a:blip r:embed="rId2">
-            <a:duotone>
-              <a:schemeClr val="bg2">
-                <a:shade val="69000"/>
-                <a:hueMod val="108000"/>
-                <a:satMod val="164000"/>
-                <a:lumMod val="74000"/>
-              </a:schemeClr>
-              <a:schemeClr val="bg2">
-                <a:tint val="96000"/>
-                <a:hueMod val="88000"/>
-                <a:satMod val="140000"/>
-                <a:lumMod val="132000"/>
-              </a:schemeClr>
-            </a:duotone>
-          </a:blip>
-          <a:stretch/>
-        </a:blipFill>
-        <a:effectLst/>
-      </p:bgPr>
-    </p:bg>
-    <p:spTree>
-      <p:nvGrpSpPr>
-        <p:cNvPr id="1" name=""/>
-        <p:cNvGrpSpPr/>
-        <p:nvPr/>
-      </p:nvGrpSpPr>
-      <p:grpSpPr>
-        <a:xfrm>
-          <a:off x="0" y="0"/>
-          <a:ext cx="0" cy="0"/>
-          <a:chOff x="0" y="0"/>
-          <a:chExt cx="0" cy="0"/>
-        </a:xfrm>
-      </p:grpSpPr>
-      <p:pic>
-        <p:nvPicPr>
-          <p:cNvPr id="4" name="Picture 3">
-            <a:extLst>
-              <a:ext uri="{FF2B5EF4-FFF2-40B4-BE49-F238E27FC236}">
-                <a16:creationId xmlns:a16="http://schemas.microsoft.com/office/drawing/2014/main" id="{487CEC29-68C8-489A-BB93-3E09B35D2634}"/>
-              </a:ext>
-            </a:extLst>
-          </p:cNvPr>
-          <p:cNvPicPr>
-            <a:picLocks noChangeAspect="1"/>
-          </p:cNvPicPr>
-          <p:nvPr/>
-        </p:nvPicPr>
-        <p:blipFill>
-          <a:blip r:embed="rId3"/>
-          <a:stretch>
-            <a:fillRect/>
-          </a:stretch>
-        </p:blipFill>
-        <p:spPr>
-          <a:xfrm>
-            <a:off x="417564" y="-330067"/>
-            <a:ext cx="5788014" cy="6688598"/>
-          </a:xfrm>
-          <a:prstGeom prst="roundRect">
-            <a:avLst>
-              <a:gd name="adj" fmla="val 16667"/>
-            </a:avLst>
-          </a:prstGeom>
-          <a:ln>
-            <a:noFill/>
-          </a:ln>
-          <a:effectLst>
-            <a:outerShdw blurRad="152400" dist="12000" dir="900000" sy="98000" kx="110000" ky="200000" algn="tl" rotWithShape="0">
-              <a:srgbClr val="000000">
-                <a:alpha val="30000"/>
-              </a:srgbClr>
-            </a:outerShdw>
-          </a:effectLst>
-          <a:scene3d>
-            <a:camera prst="perspectiveRelaxed">
-              <a:rot lat="19800000" lon="1200000" rev="20820000"/>
-            </a:camera>
-            <a:lightRig rig="threePt" dir="t"/>
-          </a:scene3d>
-          <a:sp3d contourW="6350" prstMaterial="matte">
-            <a:bevelT w="101600" h="101600"/>
-            <a:contourClr>
-              <a:srgbClr val="969696"/>
-            </a:contourClr>
-          </a:sp3d>
-        </p:spPr>
-      </p:pic>
-      <p:sp>
-        <p:nvSpPr>
-          <p:cNvPr id="5" name="TextBox 4">
-            <a:extLst>
-              <a:ext uri="{FF2B5EF4-FFF2-40B4-BE49-F238E27FC236}">
-                <a16:creationId xmlns:a16="http://schemas.microsoft.com/office/drawing/2014/main" id="{5E76BA83-9556-452D-AFF2-276D70F75491}"/>
-              </a:ext>
-            </a:extLst>
-          </p:cNvPr>
-          <p:cNvSpPr txBox="1"/>
-          <p:nvPr/>
-        </p:nvSpPr>
-        <p:spPr>
-          <a:xfrm>
-            <a:off x="6516698" y="207502"/>
-            <a:ext cx="5702208" cy="6740307"/>
-          </a:xfrm>
-          <a:prstGeom prst="rect">
-            <a:avLst/>
-          </a:prstGeom>
-          <a:noFill/>
-        </p:spPr>
-        <p:txBody>
-          <a:bodyPr wrap="square" rtlCol="0">
-            <a:spAutoFit/>
-          </a:bodyPr>
-          <a:lstStyle/>
-          <a:p>
-            <a:pPr marL="342900" indent="-342900">
-              <a:buFont typeface="Wingdings" panose="05000000000000000000" pitchFamily="2" charset="2"/>
-              <a:buChar char="ü"/>
-            </a:pPr>
-            <a:r>
-              <a:rPr lang="en-US" sz="2400" dirty="0">
-                <a:latin typeface="Calibri" panose="020F0502020204030204" pitchFamily="34" charset="0"/>
-              </a:rPr>
-              <a:t>Several layers of convolutions with nonlinear functions like </a:t>
-            </a:r>
-            <a:r>
-              <a:rPr lang="en-US" sz="2400" dirty="0" err="1">
-                <a:latin typeface="Calibri" panose="020F0502020204030204" pitchFamily="34" charset="0"/>
-              </a:rPr>
-              <a:t>ReLU</a:t>
-            </a:r>
-            <a:r>
-              <a:rPr lang="en-US" sz="2400" dirty="0">
-                <a:latin typeface="Calibri" panose="020F0502020204030204" pitchFamily="34" charset="0"/>
-              </a:rPr>
-              <a:t> applied to the results.</a:t>
-            </a:r>
-          </a:p>
-          <a:p>
-            <a:endParaRPr lang="en-US" sz="2400" dirty="0">
-              <a:latin typeface="Calibri" panose="020F0502020204030204" pitchFamily="34" charset="0"/>
-            </a:endParaRPr>
-          </a:p>
-          <a:p>
-            <a:pPr marL="342900" indent="-342900">
-              <a:buFont typeface="Wingdings" panose="05000000000000000000" pitchFamily="2" charset="2"/>
-              <a:buChar char="ü"/>
-            </a:pPr>
-            <a:r>
-              <a:rPr lang="en-US" sz="2400" dirty="0">
-                <a:latin typeface="Calibri" panose="020F0502020204030204" pitchFamily="34" charset="0"/>
-              </a:rPr>
-              <a:t>We use convolutions over the input layer to compute the output. A</a:t>
-            </a:r>
-            <a:r>
-              <a:rPr lang="en-US" sz="2400" i="0" u="none" strike="noStrike" baseline="0" dirty="0">
-                <a:latin typeface="Calibri" panose="020F0502020204030204" pitchFamily="34" charset="0"/>
-              </a:rPr>
-              <a:t>n input sentence broken up into word embeddings</a:t>
-            </a:r>
-            <a:r>
-              <a:rPr lang="en-US" sz="2400" dirty="0">
-                <a:latin typeface="Calibri" panose="020F0502020204030204" pitchFamily="34" charset="0"/>
-              </a:rPr>
-              <a:t> (embedding lookup). </a:t>
-            </a:r>
-            <a:r>
-              <a:rPr lang="en-US" sz="2400" i="0" u="none" strike="noStrike" baseline="0" dirty="0">
-                <a:latin typeface="Calibri" panose="020F0502020204030204" pitchFamily="34" charset="0"/>
-              </a:rPr>
-              <a:t>Words are broken up into features and are fed into a convolutional layer. </a:t>
-            </a:r>
-          </a:p>
-          <a:p>
-            <a:endParaRPr lang="en-US" sz="2400" i="0" u="none" strike="noStrike" baseline="0" dirty="0">
-              <a:latin typeface="Calibri" panose="020F0502020204030204" pitchFamily="34" charset="0"/>
-            </a:endParaRPr>
-          </a:p>
-          <a:p>
-            <a:pPr marL="342900" indent="-342900">
-              <a:buFont typeface="Wingdings" panose="05000000000000000000" pitchFamily="2" charset="2"/>
-              <a:buChar char="ü"/>
-            </a:pPr>
-            <a:r>
-              <a:rPr lang="en-US" sz="2400" i="0" u="none" strike="noStrike" baseline="0" dirty="0">
-                <a:latin typeface="Calibri" panose="020F0502020204030204" pitchFamily="34" charset="0"/>
-              </a:rPr>
-              <a:t>The results of the convolution are “pooled” to a representative number. This number is fed to a fully connected neural structure, which makes a classification decision based on the weights assigned to each feature within the text. </a:t>
-            </a:r>
-          </a:p>
-        </p:txBody>
-      </p:sp>
-    </p:spTree>
-    <p:extLst>
-      <p:ext uri="{BB962C8B-B14F-4D97-AF65-F5344CB8AC3E}">
-        <p14:creationId xmlns:p14="http://schemas.microsoft.com/office/powerpoint/2010/main" val="2077826206"/>
-      </p:ext>
-    </p:extLst>
-  </p:cSld>
-  <p:clrMapOvr>
-    <a:masterClrMapping/>
-  </p:clrMapOvr>
-</p:sld>
-</file>
-
-<file path=ppt/slides/slide14.xml><?xml version="1.0" encoding="utf-8"?>
 <p:sld xmlns:a="http://schemas.openxmlformats.org/drawingml/2006/main" xmlns:r="http://schemas.openxmlformats.org/officeDocument/2006/relationships" xmlns:p="http://schemas.openxmlformats.org/presentationml/2006/main">
   <p:cSld>
     <p:spTree>
@@ -14231,7 +13942,7 @@
 </p:sld>
 </file>
 
-<file path=ppt/slides/slide15.xml><?xml version="1.0" encoding="utf-8"?>
+<file path=ppt/slides/slide14.xml><?xml version="1.0" encoding="utf-8"?>
 <p:sld xmlns:a="http://schemas.openxmlformats.org/drawingml/2006/main" xmlns:r="http://schemas.openxmlformats.org/officeDocument/2006/relationships" xmlns:p="http://schemas.openxmlformats.org/presentationml/2006/main">
   <p:cSld>
     <p:spTree>
@@ -15315,7 +15026,7 @@
 </p:sld>
 </file>
 
-<file path=ppt/slides/slide16.xml><?xml version="1.0" encoding="utf-8"?>
+<file path=ppt/slides/slide15.xml><?xml version="1.0" encoding="utf-8"?>
 <p:sld xmlns:a="http://schemas.openxmlformats.org/drawingml/2006/main" xmlns:r="http://schemas.openxmlformats.org/officeDocument/2006/relationships" xmlns:p="http://schemas.openxmlformats.org/presentationml/2006/main">
   <p:cSld>
     <p:spTree>
@@ -15601,7 +15312,7 @@
 </p:sld>
 </file>
 
-<file path=ppt/slides/slide17.xml><?xml version="1.0" encoding="utf-8"?>
+<file path=ppt/slides/slide16.xml><?xml version="1.0" encoding="utf-8"?>
 <p:sld xmlns:a="http://schemas.openxmlformats.org/drawingml/2006/main" xmlns:r="http://schemas.openxmlformats.org/officeDocument/2006/relationships" xmlns:p="http://schemas.openxmlformats.org/presentationml/2006/main">
   <p:cSld>
     <p:spTree>
@@ -18765,7 +18476,7 @@
 </p:sld>
 </file>
 
-<file path=ppt/slides/slide18.xml><?xml version="1.0" encoding="utf-8"?>
+<file path=ppt/slides/slide17.xml><?xml version="1.0" encoding="utf-8"?>
 <p:sld xmlns:a="http://schemas.openxmlformats.org/drawingml/2006/main" xmlns:r="http://schemas.openxmlformats.org/officeDocument/2006/relationships" xmlns:p="http://schemas.openxmlformats.org/presentationml/2006/main">
   <p:cSld>
     <p:spTree>
@@ -31867,7 +31578,7 @@
                             </p:stCondLst>
                             <p:childTnLst>
                               <p:par>
-                                <p:cTn id="5" presetID="14" presetClass="entr" presetSubtype="10" fill="hold" grpId="0" nodeType="clickEffect">
+                                <p:cTn id="5" presetID="42" presetClass="entr" presetSubtype="0" fill="hold" grpId="0" nodeType="clickEffect">
                                   <p:stCondLst>
                                     <p:cond delay="0"/>
                                   </p:stCondLst>
@@ -31880,7 +31591,7 @@
                                           </p:stCondLst>
                                         </p:cTn>
                                         <p:tgtEl>
-                                          <p:spTgt spid="15"/>
+                                          <p:spTgt spid="2"/>
                                         </p:tgtEl>
                                         <p:attrNameLst>
                                           <p:attrName>style.visibility</p:attrName>
@@ -31890,330 +31601,60 @@
                                         <p:strVal val="visible"/>
                                       </p:to>
                                     </p:set>
-                                    <p:animEffect transition="in" filter="randombar(horizontal)">
+                                    <p:animEffect transition="in" filter="fade">
                                       <p:cBhvr>
-                                        <p:cTn id="7" dur="500"/>
+                                        <p:cTn id="7" dur="1000"/>
                                         <p:tgtEl>
-                                          <p:spTgt spid="15"/>
+                                          <p:spTgt spid="2"/>
                                         </p:tgtEl>
                                       </p:cBhvr>
                                     </p:animEffect>
-                                  </p:childTnLst>
-                                </p:cTn>
-                              </p:par>
-                              <p:par>
-                                <p:cTn id="8" presetID="14" presetClass="entr" presetSubtype="10" fill="hold" grpId="0" nodeType="withEffect">
-                                  <p:stCondLst>
-                                    <p:cond delay="0"/>
-                                  </p:stCondLst>
-                                  <p:childTnLst>
-                                    <p:set>
+                                    <p:anim calcmode="lin" valueType="num">
                                       <p:cBhvr>
-                                        <p:cTn id="9" dur="1" fill="hold">
-                                          <p:stCondLst>
-                                            <p:cond delay="0"/>
-                                          </p:stCondLst>
-                                        </p:cTn>
+                                        <p:cTn id="8" dur="1000" fill="hold"/>
                                         <p:tgtEl>
-                                          <p:spTgt spid="7"/>
+                                          <p:spTgt spid="2"/>
                                         </p:tgtEl>
                                         <p:attrNameLst>
-                                          <p:attrName>style.visibility</p:attrName>
+                                          <p:attrName>ppt_x</p:attrName>
                                         </p:attrNameLst>
                                       </p:cBhvr>
-                                      <p:to>
-                                        <p:strVal val="visible"/>
-                                      </p:to>
-                                    </p:set>
-                                    <p:animEffect transition="in" filter="randombar(horizontal)">
+                                      <p:tavLst>
+                                        <p:tav tm="0">
+                                          <p:val>
+                                            <p:strVal val="#ppt_x"/>
+                                          </p:val>
+                                        </p:tav>
+                                        <p:tav tm="100000">
+                                          <p:val>
+                                            <p:strVal val="#ppt_x"/>
+                                          </p:val>
+                                        </p:tav>
+                                      </p:tavLst>
+                                    </p:anim>
+                                    <p:anim calcmode="lin" valueType="num">
                                       <p:cBhvr>
-                                        <p:cTn id="10" dur="500"/>
+                                        <p:cTn id="9" dur="1000" fill="hold"/>
                                         <p:tgtEl>
-                                          <p:spTgt spid="7"/>
-                                        </p:tgtEl>
-                                      </p:cBhvr>
-                                    </p:animEffect>
-                                  </p:childTnLst>
-                                </p:cTn>
-                              </p:par>
-                              <p:par>
-                                <p:cTn id="11" presetID="14" presetClass="entr" presetSubtype="10" fill="hold" nodeType="withEffect">
-                                  <p:stCondLst>
-                                    <p:cond delay="0"/>
-                                  </p:stCondLst>
-                                  <p:childTnLst>
-                                    <p:set>
-                                      <p:cBhvr>
-                                        <p:cTn id="12" dur="1" fill="hold">
-                                          <p:stCondLst>
-                                            <p:cond delay="0"/>
-                                          </p:stCondLst>
-                                        </p:cTn>
-                                        <p:tgtEl>
-                                          <p:spTgt spid="4"/>
+                                          <p:spTgt spid="2"/>
                                         </p:tgtEl>
                                         <p:attrNameLst>
-                                          <p:attrName>style.visibility</p:attrName>
+                                          <p:attrName>ppt_y</p:attrName>
                                         </p:attrNameLst>
                                       </p:cBhvr>
-                                      <p:to>
-                                        <p:strVal val="visible"/>
-                                      </p:to>
-                                    </p:set>
-                                    <p:animEffect transition="in" filter="randombar(horizontal)">
-                                      <p:cBhvr>
-                                        <p:cTn id="13" dur="500"/>
-                                        <p:tgtEl>
-                                          <p:spTgt spid="4"/>
-                                        </p:tgtEl>
-                                      </p:cBhvr>
-                                    </p:animEffect>
-                                  </p:childTnLst>
-                                </p:cTn>
-                              </p:par>
-                            </p:childTnLst>
-                          </p:cTn>
-                        </p:par>
-                      </p:childTnLst>
-                    </p:cTn>
-                  </p:par>
-                  <p:par>
-                    <p:cTn id="14" fill="hold">
-                      <p:stCondLst>
-                        <p:cond delay="indefinite"/>
-                      </p:stCondLst>
-                      <p:childTnLst>
-                        <p:par>
-                          <p:cTn id="15" fill="hold">
-                            <p:stCondLst>
-                              <p:cond delay="0"/>
-                            </p:stCondLst>
-                            <p:childTnLst>
-                              <p:par>
-                                <p:cTn id="16" presetID="14" presetClass="entr" presetSubtype="10" fill="hold" grpId="0" nodeType="clickEffect">
-                                  <p:stCondLst>
-                                    <p:cond delay="0"/>
-                                  </p:stCondLst>
-                                  <p:childTnLst>
-                                    <p:set>
-                                      <p:cBhvr>
-                                        <p:cTn id="17" dur="1" fill="hold">
-                                          <p:stCondLst>
-                                            <p:cond delay="0"/>
-                                          </p:stCondLst>
-                                        </p:cTn>
-                                        <p:tgtEl>
-                                          <p:spTgt spid="20"/>
-                                        </p:tgtEl>
-                                        <p:attrNameLst>
-                                          <p:attrName>style.visibility</p:attrName>
-                                        </p:attrNameLst>
-                                      </p:cBhvr>
-                                      <p:to>
-                                        <p:strVal val="visible"/>
-                                      </p:to>
-                                    </p:set>
-                                    <p:animEffect transition="in" filter="randombar(horizontal)">
-                                      <p:cBhvr>
-                                        <p:cTn id="18" dur="500"/>
-                                        <p:tgtEl>
-                                          <p:spTgt spid="20"/>
-                                        </p:tgtEl>
-                                      </p:cBhvr>
-                                    </p:animEffect>
-                                  </p:childTnLst>
-                                </p:cTn>
-                              </p:par>
-                              <p:par>
-                                <p:cTn id="19" presetID="14" presetClass="entr" presetSubtype="10" fill="hold" grpId="0" nodeType="withEffect">
-                                  <p:stCondLst>
-                                    <p:cond delay="0"/>
-                                  </p:stCondLst>
-                                  <p:childTnLst>
-                                    <p:set>
-                                      <p:cBhvr>
-                                        <p:cTn id="20" dur="1" fill="hold">
-                                          <p:stCondLst>
-                                            <p:cond delay="0"/>
-                                          </p:stCondLst>
-                                        </p:cTn>
-                                        <p:tgtEl>
-                                          <p:spTgt spid="6"/>
-                                        </p:tgtEl>
-                                        <p:attrNameLst>
-                                          <p:attrName>style.visibility</p:attrName>
-                                        </p:attrNameLst>
-                                      </p:cBhvr>
-                                      <p:to>
-                                        <p:strVal val="visible"/>
-                                      </p:to>
-                                    </p:set>
-                                    <p:animEffect transition="in" filter="randombar(horizontal)">
-                                      <p:cBhvr>
-                                        <p:cTn id="21" dur="500"/>
-                                        <p:tgtEl>
-                                          <p:spTgt spid="6"/>
-                                        </p:tgtEl>
-                                      </p:cBhvr>
-                                    </p:animEffect>
-                                  </p:childTnLst>
-                                </p:cTn>
-                              </p:par>
-                              <p:par>
-                                <p:cTn id="22" presetID="14" presetClass="entr" presetSubtype="10" fill="hold" nodeType="withEffect">
-                                  <p:stCondLst>
-                                    <p:cond delay="0"/>
-                                  </p:stCondLst>
-                                  <p:childTnLst>
-                                    <p:set>
-                                      <p:cBhvr>
-                                        <p:cTn id="23" dur="1" fill="hold">
-                                          <p:stCondLst>
-                                            <p:cond delay="0"/>
-                                          </p:stCondLst>
-                                        </p:cTn>
-                                        <p:tgtEl>
-                                          <p:spTgt spid="5"/>
-                                        </p:tgtEl>
-                                        <p:attrNameLst>
-                                          <p:attrName>style.visibility</p:attrName>
-                                        </p:attrNameLst>
-                                      </p:cBhvr>
-                                      <p:to>
-                                        <p:strVal val="visible"/>
-                                      </p:to>
-                                    </p:set>
-                                    <p:animEffect transition="in" filter="randombar(horizontal)">
-                                      <p:cBhvr>
-                                        <p:cTn id="24" dur="500"/>
-                                        <p:tgtEl>
-                                          <p:spTgt spid="5"/>
-                                        </p:tgtEl>
-                                      </p:cBhvr>
-                                    </p:animEffect>
-                                  </p:childTnLst>
-                                </p:cTn>
-                              </p:par>
-                            </p:childTnLst>
-                          </p:cTn>
-                        </p:par>
-                      </p:childTnLst>
-                    </p:cTn>
-                  </p:par>
-                  <p:par>
-                    <p:cTn id="25" fill="hold">
-                      <p:stCondLst>
-                        <p:cond delay="indefinite"/>
-                      </p:stCondLst>
-                      <p:childTnLst>
-                        <p:par>
-                          <p:cTn id="26" fill="hold">
-                            <p:stCondLst>
-                              <p:cond delay="0"/>
-                            </p:stCondLst>
-                            <p:childTnLst>
-                              <p:par>
-                                <p:cTn id="27" presetID="14" presetClass="entr" presetSubtype="10" fill="hold" grpId="0" nodeType="clickEffect">
-                                  <p:stCondLst>
-                                    <p:cond delay="0"/>
-                                  </p:stCondLst>
-                                  <p:childTnLst>
-                                    <p:set>
-                                      <p:cBhvr>
-                                        <p:cTn id="28" dur="1" fill="hold">
-                                          <p:stCondLst>
-                                            <p:cond delay="0"/>
-                                          </p:stCondLst>
-                                        </p:cTn>
-                                        <p:tgtEl>
-                                          <p:spTgt spid="21"/>
-                                        </p:tgtEl>
-                                        <p:attrNameLst>
-                                          <p:attrName>style.visibility</p:attrName>
-                                        </p:attrNameLst>
-                                      </p:cBhvr>
-                                      <p:to>
-                                        <p:strVal val="visible"/>
-                                      </p:to>
-                                    </p:set>
-                                    <p:animEffect transition="in" filter="randombar(horizontal)">
-                                      <p:cBhvr>
-                                        <p:cTn id="29" dur="500"/>
-                                        <p:tgtEl>
-                                          <p:spTgt spid="21"/>
-                                        </p:tgtEl>
-                                      </p:cBhvr>
-                                    </p:animEffect>
-                                  </p:childTnLst>
-                                </p:cTn>
-                              </p:par>
-                              <p:par>
-                                <p:cTn id="30" presetID="14" presetClass="entr" presetSubtype="10" fill="hold" grpId="0" nodeType="withEffect">
-                                  <p:stCondLst>
-                                    <p:cond delay="0"/>
-                                  </p:stCondLst>
-                                  <p:childTnLst>
-                                    <p:set>
-                                      <p:cBhvr>
-                                        <p:cTn id="31" dur="1" fill="hold">
-                                          <p:stCondLst>
-                                            <p:cond delay="0"/>
-                                          </p:stCondLst>
-                                        </p:cTn>
-                                        <p:tgtEl>
-                                          <p:spTgt spid="11"/>
-                                        </p:tgtEl>
-                                        <p:attrNameLst>
-                                          <p:attrName>style.visibility</p:attrName>
-                                        </p:attrNameLst>
-                                      </p:cBhvr>
-                                      <p:to>
-                                        <p:strVal val="visible"/>
-                                      </p:to>
-                                    </p:set>
-                                    <p:animEffect transition="in" filter="randombar(horizontal)">
-                                      <p:cBhvr>
-                                        <p:cTn id="32" dur="500"/>
-                                        <p:tgtEl>
-                                          <p:spTgt spid="11"/>
-                                        </p:tgtEl>
-                                      </p:cBhvr>
-                                    </p:animEffect>
-                                  </p:childTnLst>
-                                </p:cTn>
-                              </p:par>
-                              <p:par>
-                                <p:cTn id="33" presetID="14" presetClass="entr" presetSubtype="10" fill="hold" nodeType="withEffect">
-                                  <p:stCondLst>
-                                    <p:cond delay="0"/>
-                                  </p:stCondLst>
-                                  <p:childTnLst>
-                                    <p:set>
-                                      <p:cBhvr>
-                                        <p:cTn id="34" dur="1" fill="hold">
-                                          <p:stCondLst>
-                                            <p:cond delay="0"/>
-                                          </p:stCondLst>
-                                        </p:cTn>
-                                        <p:tgtEl>
-                                          <p:spTgt spid="10"/>
-                                        </p:tgtEl>
-                                        <p:attrNameLst>
-                                          <p:attrName>style.visibility</p:attrName>
-                                        </p:attrNameLst>
-                                      </p:cBhvr>
-                                      <p:to>
-                                        <p:strVal val="visible"/>
-                                      </p:to>
-                                    </p:set>
-                                    <p:animEffect transition="in" filter="randombar(horizontal)">
-                                      <p:cBhvr>
-                                        <p:cTn id="35" dur="500"/>
-                                        <p:tgtEl>
-                                          <p:spTgt spid="10"/>
-                                        </p:tgtEl>
-                                      </p:cBhvr>
-                                    </p:animEffect>
+                                      <p:tavLst>
+                                        <p:tav tm="0">
+                                          <p:val>
+                                            <p:strVal val="#ppt_y+.1"/>
+                                          </p:val>
+                                        </p:tav>
+                                        <p:tav tm="100000">
+                                          <p:val>
+                                            <p:strVal val="#ppt_y"/>
+                                          </p:val>
+                                        </p:tav>
+                                      </p:tavLst>
+                                    </p:anim>
                                   </p:childTnLst>
                                 </p:cTn>
                               </p:par>
@@ -32245,12 +31686,7 @@
       </p:par>
     </p:tnLst>
     <p:bldLst>
-      <p:bldP spid="15" grpId="0"/>
-      <p:bldP spid="20" grpId="0"/>
-      <p:bldP spid="21" grpId="0"/>
-      <p:bldP spid="7" grpId="0" animBg="1"/>
-      <p:bldP spid="6" grpId="0" animBg="1"/>
-      <p:bldP spid="11" grpId="0" animBg="1"/>
+      <p:bldP spid="2" grpId="0"/>
     </p:bldLst>
   </p:timing>
 </p:sld>
